--- a/Presentation Notes.pptx
+++ b/Presentation Notes.pptx
@@ -2,10 +2,10 @@
 <file path=ppt/presentation.xml><?xml version="1.0" encoding="utf-8"?>
 <p:presentation xmlns:a="http://schemas.openxmlformats.org/drawingml/2006/main" xmlns:r="http://schemas.openxmlformats.org/officeDocument/2006/relationships" xmlns:p="http://schemas.openxmlformats.org/presentationml/2006/main" strictFirstAndLastChars="0" saveSubsetFonts="1" autoCompressPictures="0">
   <p:sldMasterIdLst>
-    <p:sldMasterId id="2147483648" r:id="rId1"/>
+    <p:sldMasterId id="2147483660" r:id="rId1"/>
   </p:sldMasterIdLst>
   <p:notesMasterIdLst>
-    <p:notesMasterId r:id="rId10"/>
+    <p:notesMasterId r:id="rId14"/>
   </p:notesMasterIdLst>
   <p:sldIdLst>
     <p:sldId id="256" r:id="rId2"/>
@@ -15,7 +15,11 @@
     <p:sldId id="263" r:id="rId6"/>
     <p:sldId id="260" r:id="rId7"/>
     <p:sldId id="261" r:id="rId8"/>
-    <p:sldId id="262" r:id="rId9"/>
+    <p:sldId id="264" r:id="rId9"/>
+    <p:sldId id="265" r:id="rId10"/>
+    <p:sldId id="266" r:id="rId11"/>
+    <p:sldId id="268" r:id="rId12"/>
+    <p:sldId id="267" r:id="rId13"/>
   </p:sldIdLst>
   <p:sldSz cx="7315200" cy="4572000"/>
   <p:notesSz cx="7772400" cy="10058400"/>
@@ -23,7 +27,7 @@
     <a:defPPr>
       <a:defRPr lang="en-GB"/>
     </a:defPPr>
-    <a:lvl1pPr algn="l" defTabSz="457200" rtl="0" fontAlgn="base" hangingPunct="0">
+    <a:lvl1pPr algn="l" defTabSz="457147" rtl="0" fontAlgn="base" hangingPunct="0">
       <a:lnSpc>
         <a:spcPct val="93000"/>
       </a:lnSpc>
@@ -47,7 +51,7 @@
         <a:cs typeface="Droid Sans Fallback" charset="0"/>
       </a:defRPr>
     </a:lvl1pPr>
-    <a:lvl2pPr marL="742950" indent="-285750" algn="l" defTabSz="457200" rtl="0" fontAlgn="base" hangingPunct="0">
+    <a:lvl2pPr marL="742863" indent="-285717" algn="l" defTabSz="457147" rtl="0" fontAlgn="base" hangingPunct="0">
       <a:lnSpc>
         <a:spcPct val="93000"/>
       </a:lnSpc>
@@ -71,7 +75,7 @@
         <a:cs typeface="Droid Sans Fallback" charset="0"/>
       </a:defRPr>
     </a:lvl2pPr>
-    <a:lvl3pPr marL="1143000" indent="-228600" algn="l" defTabSz="457200" rtl="0" fontAlgn="base" hangingPunct="0">
+    <a:lvl3pPr marL="1142866" indent="-228573" algn="l" defTabSz="457147" rtl="0" fontAlgn="base" hangingPunct="0">
       <a:lnSpc>
         <a:spcPct val="93000"/>
       </a:lnSpc>
@@ -95,7 +99,7 @@
         <a:cs typeface="Droid Sans Fallback" charset="0"/>
       </a:defRPr>
     </a:lvl3pPr>
-    <a:lvl4pPr marL="1600200" indent="-228600" algn="l" defTabSz="457200" rtl="0" fontAlgn="base" hangingPunct="0">
+    <a:lvl4pPr marL="1600013" indent="-228573" algn="l" defTabSz="457147" rtl="0" fontAlgn="base" hangingPunct="0">
       <a:lnSpc>
         <a:spcPct val="93000"/>
       </a:lnSpc>
@@ -119,7 +123,7 @@
         <a:cs typeface="Droid Sans Fallback" charset="0"/>
       </a:defRPr>
     </a:lvl4pPr>
-    <a:lvl5pPr marL="2057400" indent="-228600" algn="l" defTabSz="457200" rtl="0" fontAlgn="base" hangingPunct="0">
+    <a:lvl5pPr marL="2057159" indent="-228573" algn="l" defTabSz="457147" rtl="0" fontAlgn="base" hangingPunct="0">
       <a:lnSpc>
         <a:spcPct val="93000"/>
       </a:lnSpc>
@@ -143,7 +147,7 @@
         <a:cs typeface="Droid Sans Fallback" charset="0"/>
       </a:defRPr>
     </a:lvl5pPr>
-    <a:lvl6pPr marL="2286000" algn="l" defTabSz="457200" rtl="0" eaLnBrk="1" latinLnBrk="0" hangingPunct="1">
+    <a:lvl6pPr marL="2285733" algn="l" defTabSz="457147" rtl="0" eaLnBrk="1" latinLnBrk="0" hangingPunct="1">
       <a:defRPr kern="1200">
         <a:solidFill>
           <a:schemeClr val="bg1"/>
@@ -153,7 +157,7 @@
         <a:cs typeface="Droid Sans Fallback" charset="0"/>
       </a:defRPr>
     </a:lvl6pPr>
-    <a:lvl7pPr marL="2743200" algn="l" defTabSz="457200" rtl="0" eaLnBrk="1" latinLnBrk="0" hangingPunct="1">
+    <a:lvl7pPr marL="2742880" algn="l" defTabSz="457147" rtl="0" eaLnBrk="1" latinLnBrk="0" hangingPunct="1">
       <a:defRPr kern="1200">
         <a:solidFill>
           <a:schemeClr val="bg1"/>
@@ -163,7 +167,7 @@
         <a:cs typeface="Droid Sans Fallback" charset="0"/>
       </a:defRPr>
     </a:lvl7pPr>
-    <a:lvl8pPr marL="3200400" algn="l" defTabSz="457200" rtl="0" eaLnBrk="1" latinLnBrk="0" hangingPunct="1">
+    <a:lvl8pPr marL="3200025" algn="l" defTabSz="457147" rtl="0" eaLnBrk="1" latinLnBrk="0" hangingPunct="1">
       <a:defRPr kern="1200">
         <a:solidFill>
           <a:schemeClr val="bg1"/>
@@ -173,7 +177,7 @@
         <a:cs typeface="Droid Sans Fallback" charset="0"/>
       </a:defRPr>
     </a:lvl8pPr>
-    <a:lvl9pPr marL="3657600" algn="l" defTabSz="457200" rtl="0" eaLnBrk="1" latinLnBrk="0" hangingPunct="1">
+    <a:lvl9pPr marL="3657172" algn="l" defTabSz="457147" rtl="0" eaLnBrk="1" latinLnBrk="0" hangingPunct="1">
       <a:defRPr kern="1200">
         <a:solidFill>
           <a:schemeClr val="bg1"/>
@@ -444,7 +448,7 @@
         <p:nvSpPr>
           <p:cNvPr id="2053" name="Rectangle 5"/>
           <p:cNvSpPr>
-            <a:spLocks noGrp="1" noChangeArrowheads="1"/>
+            <a:spLocks noGrp="1" noRot="1" noChangeAspect="1" noChangeArrowheads="1"/>
           </p:cNvSpPr>
           <p:nvPr>
             <p:ph type="sldImg"/>
@@ -452,8 +456,8 @@
         </p:nvSpPr>
         <p:spPr bwMode="auto">
           <a:xfrm>
-            <a:off x="1371600" y="763588"/>
-            <a:ext cx="5021263" cy="3763962"/>
+            <a:off x="871538" y="763588"/>
+            <a:ext cx="6021387" cy="3763962"/>
           </a:xfrm>
           <a:prstGeom prst="rect">
             <a:avLst/>
@@ -1002,7 +1006,7 @@
   </p:cSld>
   <p:clrMap bg1="lt1" tx1="dk1" bg2="lt2" tx2="dk2" accent1="accent1" accent2="accent2" accent3="accent3" accent4="accent4" accent5="accent5" accent6="accent6" hlink="hlink" folHlink="folHlink"/>
   <p:notesStyle>
-    <a:lvl1pPr algn="l" defTabSz="457200" rtl="0" eaLnBrk="0" fontAlgn="base" hangingPunct="0">
+    <a:lvl1pPr algn="l" defTabSz="457147" rtl="0" eaLnBrk="0" fontAlgn="base" hangingPunct="0">
       <a:spcBef>
         <a:spcPct val="30000"/>
       </a:spcBef>
@@ -1023,7 +1027,7 @@
         <a:cs typeface="+mn-cs"/>
       </a:defRPr>
     </a:lvl1pPr>
-    <a:lvl2pPr marL="742950" indent="-285750" algn="l" defTabSz="457200" rtl="0" eaLnBrk="0" fontAlgn="base" hangingPunct="0">
+    <a:lvl2pPr marL="742863" indent="-285717" algn="l" defTabSz="457147" rtl="0" eaLnBrk="0" fontAlgn="base" hangingPunct="0">
       <a:spcBef>
         <a:spcPct val="30000"/>
       </a:spcBef>
@@ -1044,7 +1048,7 @@
         <a:cs typeface="+mn-cs"/>
       </a:defRPr>
     </a:lvl2pPr>
-    <a:lvl3pPr marL="1143000" indent="-228600" algn="l" defTabSz="457200" rtl="0" eaLnBrk="0" fontAlgn="base" hangingPunct="0">
+    <a:lvl3pPr marL="1142866" indent="-228573" algn="l" defTabSz="457147" rtl="0" eaLnBrk="0" fontAlgn="base" hangingPunct="0">
       <a:spcBef>
         <a:spcPct val="30000"/>
       </a:spcBef>
@@ -1065,7 +1069,7 @@
         <a:cs typeface="+mn-cs"/>
       </a:defRPr>
     </a:lvl3pPr>
-    <a:lvl4pPr marL="1600200" indent="-228600" algn="l" defTabSz="457200" rtl="0" eaLnBrk="0" fontAlgn="base" hangingPunct="0">
+    <a:lvl4pPr marL="1600013" indent="-228573" algn="l" defTabSz="457147" rtl="0" eaLnBrk="0" fontAlgn="base" hangingPunct="0">
       <a:spcBef>
         <a:spcPct val="30000"/>
       </a:spcBef>
@@ -1086,7 +1090,7 @@
         <a:cs typeface="+mn-cs"/>
       </a:defRPr>
     </a:lvl4pPr>
-    <a:lvl5pPr marL="2057400" indent="-228600" algn="l" defTabSz="457200" rtl="0" eaLnBrk="0" fontAlgn="base" hangingPunct="0">
+    <a:lvl5pPr marL="2057159" indent="-228573" algn="l" defTabSz="457147" rtl="0" eaLnBrk="0" fontAlgn="base" hangingPunct="0">
       <a:spcBef>
         <a:spcPct val="30000"/>
       </a:spcBef>
@@ -1107,7 +1111,7 @@
         <a:cs typeface="+mn-cs"/>
       </a:defRPr>
     </a:lvl5pPr>
-    <a:lvl6pPr marL="2286000" algn="l" defTabSz="457200" rtl="0" eaLnBrk="1" latinLnBrk="0" hangingPunct="1">
+    <a:lvl6pPr marL="2285733" algn="l" defTabSz="457147" rtl="0" eaLnBrk="1" latinLnBrk="0" hangingPunct="1">
       <a:defRPr sz="1200" kern="1200">
         <a:solidFill>
           <a:schemeClr val="tx1"/>
@@ -1117,7 +1121,7 @@
         <a:cs typeface="+mn-cs"/>
       </a:defRPr>
     </a:lvl6pPr>
-    <a:lvl7pPr marL="2743200" algn="l" defTabSz="457200" rtl="0" eaLnBrk="1" latinLnBrk="0" hangingPunct="1">
+    <a:lvl7pPr marL="2742880" algn="l" defTabSz="457147" rtl="0" eaLnBrk="1" latinLnBrk="0" hangingPunct="1">
       <a:defRPr sz="1200" kern="1200">
         <a:solidFill>
           <a:schemeClr val="tx1"/>
@@ -1127,7 +1131,7 @@
         <a:cs typeface="+mn-cs"/>
       </a:defRPr>
     </a:lvl7pPr>
-    <a:lvl8pPr marL="3200400" algn="l" defTabSz="457200" rtl="0" eaLnBrk="1" latinLnBrk="0" hangingPunct="1">
+    <a:lvl8pPr marL="3200025" algn="l" defTabSz="457147" rtl="0" eaLnBrk="1" latinLnBrk="0" hangingPunct="1">
       <a:defRPr sz="1200" kern="1200">
         <a:solidFill>
           <a:schemeClr val="tx1"/>
@@ -1137,7 +1141,7 @@
         <a:cs typeface="+mn-cs"/>
       </a:defRPr>
     </a:lvl8pPr>
-    <a:lvl9pPr marL="3657600" algn="l" defTabSz="457200" rtl="0" eaLnBrk="1" latinLnBrk="0" hangingPunct="1">
+    <a:lvl9pPr marL="3657172" algn="l" defTabSz="457147" rtl="0" eaLnBrk="1" latinLnBrk="0" hangingPunct="1">
       <a:defRPr sz="1200" kern="1200">
         <a:solidFill>
           <a:schemeClr val="tx1"/>
@@ -1206,7 +1210,7 @@
         <p:nvSpPr>
           <p:cNvPr id="10241" name="Text Box 1"/>
           <p:cNvSpPr txBox="1">
-            <a:spLocks noChangeArrowheads="1"/>
+            <a:spLocks noGrp="1" noRot="1" noChangeAspect="1" noChangeArrowheads="1"/>
           </p:cNvSpPr>
           <p:nvPr>
             <p:ph type="sldImg"/>
@@ -1250,7 +1254,7 @@
         <p:nvSpPr>
           <p:cNvPr id="10242" name="Text Box 2"/>
           <p:cNvSpPr txBox="1">
-            <a:spLocks noChangeArrowheads="1"/>
+            <a:spLocks noGrp="1" noChangeArrowheads="1"/>
           </p:cNvSpPr>
           <p:nvPr>
             <p:ph type="body" idx="1"/>
@@ -1313,6 +1317,91 @@
 </p:notes>
 </file>
 
+<file path=ppt/notesSlides/notesSlide10.xml><?xml version="1.0" encoding="utf-8"?>
+<p:notes xmlns:a="http://schemas.openxmlformats.org/drawingml/2006/main" xmlns:r="http://schemas.openxmlformats.org/officeDocument/2006/relationships" xmlns:p="http://schemas.openxmlformats.org/presentationml/2006/main">
+  <p:cSld>
+    <p:spTree>
+      <p:nvGrpSpPr>
+        <p:cNvPr id="1" name=""/>
+        <p:cNvGrpSpPr/>
+        <p:nvPr/>
+      </p:nvGrpSpPr>
+      <p:grpSpPr>
+        <a:xfrm>
+          <a:off x="0" y="0"/>
+          <a:ext cx="0" cy="0"/>
+          <a:chOff x="0" y="0"/>
+          <a:chExt cx="0" cy="0"/>
+        </a:xfrm>
+      </p:grpSpPr>
+      <p:sp>
+        <p:nvSpPr>
+          <p:cNvPr id="2" name="Slide Image Placeholder 1"/>
+          <p:cNvSpPr>
+            <a:spLocks noGrp="1" noRot="1" noChangeAspect="1"/>
+          </p:cNvSpPr>
+          <p:nvPr>
+            <p:ph type="sldImg"/>
+          </p:nvPr>
+        </p:nvSpPr>
+        <p:spPr/>
+      </p:sp>
+      <p:sp>
+        <p:nvSpPr>
+          <p:cNvPr id="3" name="Notes Placeholder 2"/>
+          <p:cNvSpPr>
+            <a:spLocks noGrp="1"/>
+          </p:cNvSpPr>
+          <p:nvPr>
+            <p:ph type="body" idx="1"/>
+          </p:nvPr>
+        </p:nvSpPr>
+        <p:spPr/>
+        <p:txBody>
+          <a:bodyPr/>
+          <a:lstStyle/>
+          <a:p>
+            <a:endParaRPr lang="en-US"/>
+          </a:p>
+        </p:txBody>
+      </p:sp>
+      <p:sp>
+        <p:nvSpPr>
+          <p:cNvPr id="4" name="Slide Number Placeholder 3"/>
+          <p:cNvSpPr>
+            <a:spLocks noGrp="1"/>
+          </p:cNvSpPr>
+          <p:nvPr>
+            <p:ph type="sldNum" idx="10"/>
+          </p:nvPr>
+        </p:nvSpPr>
+        <p:spPr/>
+        <p:txBody>
+          <a:bodyPr/>
+          <a:lstStyle/>
+          <a:p>
+            <a:fld id="{97CAA34E-E5F1-DF4D-AEEC-43AD4E5FF551}" type="slidenum">
+              <a:rPr lang="en-US" smtClean="0"/>
+              <a:pPr/>
+              <a:t>10</a:t>
+            </a:fld>
+            <a:endParaRPr lang="en-US"/>
+          </a:p>
+        </p:txBody>
+      </p:sp>
+    </p:spTree>
+    <p:extLst>
+      <p:ext uri="{BB962C8B-B14F-4D97-AF65-F5344CB8AC3E}">
+        <p14:creationId xmlns:p14="http://schemas.microsoft.com/office/powerpoint/2010/main" val="1407953334"/>
+      </p:ext>
+    </p:extLst>
+  </p:cSld>
+  <p:clrMapOvr>
+    <a:masterClrMapping/>
+  </p:clrMapOvr>
+</p:notes>
+</file>
+
 <file path=ppt/notesSlides/notesSlide2.xml><?xml version="1.0" encoding="utf-8"?>
 <p:notes xmlns:a="http://schemas.openxmlformats.org/drawingml/2006/main" xmlns:r="http://schemas.openxmlformats.org/officeDocument/2006/relationships" xmlns:p="http://schemas.openxmlformats.org/presentationml/2006/main">
   <p:cSld>
@@ -1368,7 +1457,7 @@
         <p:nvSpPr>
           <p:cNvPr id="11265" name="Text Box 1"/>
           <p:cNvSpPr txBox="1">
-            <a:spLocks noChangeArrowheads="1"/>
+            <a:spLocks noGrp="1" noRot="1" noChangeAspect="1" noChangeArrowheads="1"/>
           </p:cNvSpPr>
           <p:nvPr>
             <p:ph type="sldImg"/>
@@ -1412,7 +1501,7 @@
         <p:nvSpPr>
           <p:cNvPr id="11266" name="Text Box 2"/>
           <p:cNvSpPr txBox="1">
-            <a:spLocks noChangeArrowheads="1"/>
+            <a:spLocks noGrp="1" noChangeArrowheads="1"/>
           </p:cNvSpPr>
           <p:nvPr>
             <p:ph type="body" idx="1"/>
@@ -1530,7 +1619,7 @@
         <p:nvSpPr>
           <p:cNvPr id="12289" name="Text Box 1"/>
           <p:cNvSpPr txBox="1">
-            <a:spLocks noChangeArrowheads="1"/>
+            <a:spLocks noGrp="1" noRot="1" noChangeAspect="1" noChangeArrowheads="1"/>
           </p:cNvSpPr>
           <p:nvPr>
             <p:ph type="sldImg"/>
@@ -1574,7 +1663,7 @@
         <p:nvSpPr>
           <p:cNvPr id="12290" name="Text Box 2"/>
           <p:cNvSpPr txBox="1">
-            <a:spLocks noChangeArrowheads="1"/>
+            <a:spLocks noGrp="1" noChangeArrowheads="1"/>
           </p:cNvSpPr>
           <p:nvPr>
             <p:ph type="body" idx="1"/>
@@ -1692,7 +1781,7 @@
         <p:nvSpPr>
           <p:cNvPr id="13313" name="Text Box 1"/>
           <p:cNvSpPr txBox="1">
-            <a:spLocks noChangeArrowheads="1"/>
+            <a:spLocks noGrp="1" noRot="1" noChangeAspect="1" noChangeArrowheads="1"/>
           </p:cNvSpPr>
           <p:nvPr>
             <p:ph type="sldImg"/>
@@ -1736,7 +1825,7 @@
         <p:nvSpPr>
           <p:cNvPr id="13314" name="Text Box 2"/>
           <p:cNvSpPr txBox="1">
-            <a:spLocks noChangeArrowheads="1"/>
+            <a:spLocks noGrp="1" noChangeArrowheads="1"/>
           </p:cNvSpPr>
           <p:nvPr>
             <p:ph type="body" idx="1"/>
@@ -1854,7 +1943,7 @@
         <p:nvSpPr>
           <p:cNvPr id="13313" name="Text Box 1"/>
           <p:cNvSpPr txBox="1">
-            <a:spLocks noChangeArrowheads="1"/>
+            <a:spLocks noGrp="1" noRot="1" noChangeAspect="1" noChangeArrowheads="1"/>
           </p:cNvSpPr>
           <p:nvPr>
             <p:ph type="sldImg"/>
@@ -1898,7 +1987,7 @@
         <p:nvSpPr>
           <p:cNvPr id="13314" name="Text Box 2"/>
           <p:cNvSpPr txBox="1">
-            <a:spLocks noChangeArrowheads="1"/>
+            <a:spLocks noGrp="1" noChangeArrowheads="1"/>
           </p:cNvSpPr>
           <p:nvPr>
             <p:ph type="body" idx="1"/>
@@ -2016,7 +2105,7 @@
         <p:nvSpPr>
           <p:cNvPr id="14337" name="Text Box 1"/>
           <p:cNvSpPr txBox="1">
-            <a:spLocks noChangeArrowheads="1"/>
+            <a:spLocks noGrp="1" noRot="1" noChangeAspect="1" noChangeArrowheads="1"/>
           </p:cNvSpPr>
           <p:nvPr>
             <p:ph type="sldImg"/>
@@ -2060,7 +2149,7 @@
         <p:nvSpPr>
           <p:cNvPr id="14338" name="Text Box 2"/>
           <p:cNvSpPr txBox="1">
-            <a:spLocks noChangeArrowheads="1"/>
+            <a:spLocks noGrp="1" noChangeArrowheads="1"/>
           </p:cNvSpPr>
           <p:nvPr>
             <p:ph type="body" idx="1"/>
@@ -2178,7 +2267,7 @@
         <p:nvSpPr>
           <p:cNvPr id="15361" name="Text Box 1"/>
           <p:cNvSpPr txBox="1">
-            <a:spLocks noChangeArrowheads="1"/>
+            <a:spLocks noGrp="1" noRot="1" noChangeAspect="1" noChangeArrowheads="1"/>
           </p:cNvSpPr>
           <p:nvPr>
             <p:ph type="sldImg"/>
@@ -2222,7 +2311,7 @@
         <p:nvSpPr>
           <p:cNvPr id="15362" name="Text Box 2"/>
           <p:cNvSpPr txBox="1">
-            <a:spLocks noChangeArrowheads="1"/>
+            <a:spLocks noGrp="1" noChangeArrowheads="1"/>
           </p:cNvSpPr>
           <p:nvPr>
             <p:ph type="body" idx="1"/>
@@ -2285,6 +2374,176 @@
 </p:notes>
 </file>
 
+<file path=ppt/notesSlides/notesSlide8.xml><?xml version="1.0" encoding="utf-8"?>
+<p:notes xmlns:a="http://schemas.openxmlformats.org/drawingml/2006/main" xmlns:r="http://schemas.openxmlformats.org/officeDocument/2006/relationships" xmlns:p="http://schemas.openxmlformats.org/presentationml/2006/main">
+  <p:cSld>
+    <p:spTree>
+      <p:nvGrpSpPr>
+        <p:cNvPr id="1" name=""/>
+        <p:cNvGrpSpPr/>
+        <p:nvPr/>
+      </p:nvGrpSpPr>
+      <p:grpSpPr>
+        <a:xfrm>
+          <a:off x="0" y="0"/>
+          <a:ext cx="0" cy="0"/>
+          <a:chOff x="0" y="0"/>
+          <a:chExt cx="0" cy="0"/>
+        </a:xfrm>
+      </p:grpSpPr>
+      <p:sp>
+        <p:nvSpPr>
+          <p:cNvPr id="2" name="Slide Image Placeholder 1"/>
+          <p:cNvSpPr>
+            <a:spLocks noGrp="1" noRot="1" noChangeAspect="1"/>
+          </p:cNvSpPr>
+          <p:nvPr>
+            <p:ph type="sldImg"/>
+          </p:nvPr>
+        </p:nvSpPr>
+        <p:spPr/>
+      </p:sp>
+      <p:sp>
+        <p:nvSpPr>
+          <p:cNvPr id="3" name="Notes Placeholder 2"/>
+          <p:cNvSpPr>
+            <a:spLocks noGrp="1"/>
+          </p:cNvSpPr>
+          <p:nvPr>
+            <p:ph type="body" idx="1"/>
+          </p:nvPr>
+        </p:nvSpPr>
+        <p:spPr/>
+        <p:txBody>
+          <a:bodyPr/>
+          <a:lstStyle/>
+          <a:p>
+            <a:endParaRPr lang="en-US"/>
+          </a:p>
+        </p:txBody>
+      </p:sp>
+      <p:sp>
+        <p:nvSpPr>
+          <p:cNvPr id="4" name="Slide Number Placeholder 3"/>
+          <p:cNvSpPr>
+            <a:spLocks noGrp="1"/>
+          </p:cNvSpPr>
+          <p:nvPr>
+            <p:ph type="sldNum" idx="10"/>
+          </p:nvPr>
+        </p:nvSpPr>
+        <p:spPr/>
+        <p:txBody>
+          <a:bodyPr/>
+          <a:lstStyle/>
+          <a:p>
+            <a:fld id="{97CAA34E-E5F1-DF4D-AEEC-43AD4E5FF551}" type="slidenum">
+              <a:rPr lang="en-US" smtClean="0"/>
+              <a:pPr/>
+              <a:t>8</a:t>
+            </a:fld>
+            <a:endParaRPr lang="en-US"/>
+          </a:p>
+        </p:txBody>
+      </p:sp>
+    </p:spTree>
+    <p:extLst>
+      <p:ext uri="{BB962C8B-B14F-4D97-AF65-F5344CB8AC3E}">
+        <p14:creationId xmlns:p14="http://schemas.microsoft.com/office/powerpoint/2010/main" val="2983649671"/>
+      </p:ext>
+    </p:extLst>
+  </p:cSld>
+  <p:clrMapOvr>
+    <a:masterClrMapping/>
+  </p:clrMapOvr>
+</p:notes>
+</file>
+
+<file path=ppt/notesSlides/notesSlide9.xml><?xml version="1.0" encoding="utf-8"?>
+<p:notes xmlns:a="http://schemas.openxmlformats.org/drawingml/2006/main" xmlns:r="http://schemas.openxmlformats.org/officeDocument/2006/relationships" xmlns:p="http://schemas.openxmlformats.org/presentationml/2006/main">
+  <p:cSld>
+    <p:spTree>
+      <p:nvGrpSpPr>
+        <p:cNvPr id="1" name=""/>
+        <p:cNvGrpSpPr/>
+        <p:nvPr/>
+      </p:nvGrpSpPr>
+      <p:grpSpPr>
+        <a:xfrm>
+          <a:off x="0" y="0"/>
+          <a:ext cx="0" cy="0"/>
+          <a:chOff x="0" y="0"/>
+          <a:chExt cx="0" cy="0"/>
+        </a:xfrm>
+      </p:grpSpPr>
+      <p:sp>
+        <p:nvSpPr>
+          <p:cNvPr id="2" name="Slide Image Placeholder 1"/>
+          <p:cNvSpPr>
+            <a:spLocks noGrp="1" noRot="1" noChangeAspect="1"/>
+          </p:cNvSpPr>
+          <p:nvPr>
+            <p:ph type="sldImg"/>
+          </p:nvPr>
+        </p:nvSpPr>
+        <p:spPr/>
+      </p:sp>
+      <p:sp>
+        <p:nvSpPr>
+          <p:cNvPr id="3" name="Notes Placeholder 2"/>
+          <p:cNvSpPr>
+            <a:spLocks noGrp="1"/>
+          </p:cNvSpPr>
+          <p:nvPr>
+            <p:ph type="body" idx="1"/>
+          </p:nvPr>
+        </p:nvSpPr>
+        <p:spPr/>
+        <p:txBody>
+          <a:bodyPr/>
+          <a:lstStyle/>
+          <a:p>
+            <a:endParaRPr lang="en-US"/>
+          </a:p>
+        </p:txBody>
+      </p:sp>
+      <p:sp>
+        <p:nvSpPr>
+          <p:cNvPr id="4" name="Slide Number Placeholder 3"/>
+          <p:cNvSpPr>
+            <a:spLocks noGrp="1"/>
+          </p:cNvSpPr>
+          <p:nvPr>
+            <p:ph type="sldNum" idx="10"/>
+          </p:nvPr>
+        </p:nvSpPr>
+        <p:spPr/>
+        <p:txBody>
+          <a:bodyPr/>
+          <a:lstStyle/>
+          <a:p>
+            <a:fld id="{97CAA34E-E5F1-DF4D-AEEC-43AD4E5FF551}" type="slidenum">
+              <a:rPr lang="en-US" smtClean="0"/>
+              <a:pPr/>
+              <a:t>9</a:t>
+            </a:fld>
+            <a:endParaRPr lang="en-US"/>
+          </a:p>
+        </p:txBody>
+      </p:sp>
+    </p:spTree>
+    <p:extLst>
+      <p:ext uri="{BB962C8B-B14F-4D97-AF65-F5344CB8AC3E}">
+        <p14:creationId xmlns:p14="http://schemas.microsoft.com/office/powerpoint/2010/main" val="3744744385"/>
+      </p:ext>
+    </p:extLst>
+  </p:cSld>
+  <p:clrMapOvr>
+    <a:masterClrMapping/>
+  </p:clrMapOvr>
+</p:notes>
+</file>
+
 <file path=ppt/slideLayouts/slideLayout1.xml><?xml version="1.0" encoding="utf-8"?>
 <p:sldLayout xmlns:a="http://schemas.openxmlformats.org/drawingml/2006/main" xmlns:r="http://schemas.openxmlformats.org/officeDocument/2006/relationships" xmlns:p="http://schemas.openxmlformats.org/presentationml/2006/main" type="title" preserve="1">
   <p:cSld name="Title Slide">
@@ -2314,8 +2573,8 @@
         </p:nvSpPr>
         <p:spPr>
           <a:xfrm>
-            <a:off x="549275" y="1420813"/>
-            <a:ext cx="6216650" cy="979487"/>
+            <a:off x="548640" y="1420284"/>
+            <a:ext cx="6217920" cy="980017"/>
           </a:xfrm>
         </p:spPr>
         <p:txBody>
@@ -2342,8 +2601,8 @@
         </p:nvSpPr>
         <p:spPr>
           <a:xfrm>
-            <a:off x="1096963" y="2590800"/>
-            <a:ext cx="5121275" cy="1168400"/>
+            <a:off x="1097280" y="2590800"/>
+            <a:ext cx="5120640" cy="1168400"/>
           </a:xfrm>
         </p:spPr>
         <p:txBody>
@@ -2351,39 +2610,93 @@
           <a:lstStyle>
             <a:lvl1pPr marL="0" indent="0" algn="ctr">
               <a:buNone/>
-              <a:defRPr/>
+              <a:defRPr>
+                <a:solidFill>
+                  <a:schemeClr val="tx1">
+                    <a:tint val="75000"/>
+                  </a:schemeClr>
+                </a:solidFill>
+              </a:defRPr>
             </a:lvl1pPr>
-            <a:lvl2pPr marL="457200" indent="0" algn="ctr">
+            <a:lvl2pPr marL="339608" indent="0" algn="ctr">
               <a:buNone/>
-              <a:defRPr/>
+              <a:defRPr>
+                <a:solidFill>
+                  <a:schemeClr val="tx1">
+                    <a:tint val="75000"/>
+                  </a:schemeClr>
+                </a:solidFill>
+              </a:defRPr>
             </a:lvl2pPr>
-            <a:lvl3pPr marL="914400" indent="0" algn="ctr">
+            <a:lvl3pPr marL="679216" indent="0" algn="ctr">
               <a:buNone/>
-              <a:defRPr/>
+              <a:defRPr>
+                <a:solidFill>
+                  <a:schemeClr val="tx1">
+                    <a:tint val="75000"/>
+                  </a:schemeClr>
+                </a:solidFill>
+              </a:defRPr>
             </a:lvl3pPr>
-            <a:lvl4pPr marL="1371600" indent="0" algn="ctr">
+            <a:lvl4pPr marL="1018824" indent="0" algn="ctr">
               <a:buNone/>
-              <a:defRPr/>
+              <a:defRPr>
+                <a:solidFill>
+                  <a:schemeClr val="tx1">
+                    <a:tint val="75000"/>
+                  </a:schemeClr>
+                </a:solidFill>
+              </a:defRPr>
             </a:lvl4pPr>
-            <a:lvl5pPr marL="1828800" indent="0" algn="ctr">
+            <a:lvl5pPr marL="1358433" indent="0" algn="ctr">
               <a:buNone/>
-              <a:defRPr/>
+              <a:defRPr>
+                <a:solidFill>
+                  <a:schemeClr val="tx1">
+                    <a:tint val="75000"/>
+                  </a:schemeClr>
+                </a:solidFill>
+              </a:defRPr>
             </a:lvl5pPr>
-            <a:lvl6pPr marL="2286000" indent="0" algn="ctr">
+            <a:lvl6pPr marL="1698041" indent="0" algn="ctr">
               <a:buNone/>
-              <a:defRPr/>
+              <a:defRPr>
+                <a:solidFill>
+                  <a:schemeClr val="tx1">
+                    <a:tint val="75000"/>
+                  </a:schemeClr>
+                </a:solidFill>
+              </a:defRPr>
             </a:lvl6pPr>
-            <a:lvl7pPr marL="2743200" indent="0" algn="ctr">
+            <a:lvl7pPr marL="2037649" indent="0" algn="ctr">
               <a:buNone/>
-              <a:defRPr/>
+              <a:defRPr>
+                <a:solidFill>
+                  <a:schemeClr val="tx1">
+                    <a:tint val="75000"/>
+                  </a:schemeClr>
+                </a:solidFill>
+              </a:defRPr>
             </a:lvl7pPr>
-            <a:lvl8pPr marL="3200400" indent="0" algn="ctr">
+            <a:lvl8pPr marL="2377257" indent="0" algn="ctr">
               <a:buNone/>
-              <a:defRPr/>
+              <a:defRPr>
+                <a:solidFill>
+                  <a:schemeClr val="tx1">
+                    <a:tint val="75000"/>
+                  </a:schemeClr>
+                </a:solidFill>
+              </a:defRPr>
             </a:lvl8pPr>
-            <a:lvl9pPr marL="3657600" indent="0" algn="ctr">
+            <a:lvl9pPr marL="2716865" indent="0" algn="ctr">
               <a:buNone/>
-              <a:defRPr/>
+              <a:defRPr>
+                <a:solidFill>
+                  <a:schemeClr val="tx1">
+                    <a:tint val="75000"/>
+                  </a:schemeClr>
+                </a:solidFill>
+              </a:defRPr>
             </a:lvl9pPr>
           </a:lstStyle>
           <a:p>
@@ -2402,17 +2715,13 @@
             <a:spLocks noGrp="1"/>
           </p:cNvSpPr>
           <p:nvPr>
-            <p:ph type="dt" idx="10"/>
+            <p:ph type="dt" sz="half" idx="10"/>
           </p:nvPr>
         </p:nvSpPr>
         <p:spPr/>
         <p:txBody>
           <a:bodyPr/>
-          <a:lstStyle>
-            <a:lvl1pPr>
-              <a:defRPr/>
-            </a:lvl1pPr>
-          </a:lstStyle>
+          <a:lstStyle/>
           <a:p>
             <a:endParaRPr lang="en-US"/>
           </a:p>
@@ -2425,17 +2734,13 @@
             <a:spLocks noGrp="1"/>
           </p:cNvSpPr>
           <p:nvPr>
-            <p:ph type="ftr" idx="11"/>
+            <p:ph type="ftr" sz="quarter" idx="11"/>
           </p:nvPr>
         </p:nvSpPr>
         <p:spPr/>
         <p:txBody>
           <a:bodyPr/>
-          <a:lstStyle>
-            <a:lvl1pPr>
-              <a:defRPr/>
-            </a:lvl1pPr>
-          </a:lstStyle>
+          <a:lstStyle/>
           <a:p>
             <a:endParaRPr lang="en-US"/>
           </a:p>
@@ -2448,20 +2753,16 @@
             <a:spLocks noGrp="1"/>
           </p:cNvSpPr>
           <p:nvPr>
-            <p:ph type="sldNum" idx="12"/>
+            <p:ph type="sldNum" sz="quarter" idx="12"/>
           </p:nvPr>
         </p:nvSpPr>
         <p:spPr/>
         <p:txBody>
           <a:bodyPr/>
-          <a:lstStyle>
-            <a:lvl1pPr>
-              <a:defRPr/>
-            </a:lvl1pPr>
-          </a:lstStyle>
+          <a:lstStyle/>
           <a:p>
             <a:fld id="{97982BAB-44B0-2241-9182-69485F2390A1}" type="slidenum">
-              <a:rPr lang="en-US"/>
+              <a:rPr lang="en-US" smtClean="0"/>
               <a:pPr/>
               <a:t>‹#›</a:t>
             </a:fld>
@@ -2472,7 +2773,7 @@
     </p:spTree>
     <p:extLst>
       <p:ext uri="{BB962C8B-B14F-4D97-AF65-F5344CB8AC3E}">
-        <p14:creationId xmlns:p14="http://schemas.microsoft.com/office/powerpoint/2010/main" val="3572713826"/>
+        <p14:creationId xmlns:p14="http://schemas.microsoft.com/office/powerpoint/2010/main" val="2705949249"/>
       </p:ext>
     </p:extLst>
   </p:cSld>
@@ -2581,17 +2882,13 @@
             <a:spLocks noGrp="1"/>
           </p:cNvSpPr>
           <p:nvPr>
-            <p:ph type="dt" idx="10"/>
+            <p:ph type="dt" sz="half" idx="10"/>
           </p:nvPr>
         </p:nvSpPr>
         <p:spPr/>
         <p:txBody>
           <a:bodyPr/>
-          <a:lstStyle>
-            <a:lvl1pPr>
-              <a:defRPr/>
-            </a:lvl1pPr>
-          </a:lstStyle>
+          <a:lstStyle/>
           <a:p>
             <a:endParaRPr lang="en-US"/>
           </a:p>
@@ -2604,17 +2901,13 @@
             <a:spLocks noGrp="1"/>
           </p:cNvSpPr>
           <p:nvPr>
-            <p:ph type="ftr" idx="11"/>
+            <p:ph type="ftr" sz="quarter" idx="11"/>
           </p:nvPr>
         </p:nvSpPr>
         <p:spPr/>
         <p:txBody>
           <a:bodyPr/>
-          <a:lstStyle>
-            <a:lvl1pPr>
-              <a:defRPr/>
-            </a:lvl1pPr>
-          </a:lstStyle>
+          <a:lstStyle/>
           <a:p>
             <a:endParaRPr lang="en-US"/>
           </a:p>
@@ -2627,20 +2920,16 @@
             <a:spLocks noGrp="1"/>
           </p:cNvSpPr>
           <p:nvPr>
-            <p:ph type="sldNum" idx="12"/>
+            <p:ph type="sldNum" sz="quarter" idx="12"/>
           </p:nvPr>
         </p:nvSpPr>
         <p:spPr/>
         <p:txBody>
           <a:bodyPr/>
-          <a:lstStyle>
-            <a:lvl1pPr>
-              <a:defRPr/>
-            </a:lvl1pPr>
-          </a:lstStyle>
+          <a:lstStyle/>
           <a:p>
             <a:fld id="{2E48D288-9723-864A-BC28-0C0CBDDE6EC2}" type="slidenum">
-              <a:rPr lang="en-US"/>
+              <a:rPr lang="en-US" smtClean="0"/>
               <a:pPr/>
               <a:t>‹#›</a:t>
             </a:fld>
@@ -2651,7 +2940,7 @@
     </p:spTree>
     <p:extLst>
       <p:ext uri="{BB962C8B-B14F-4D97-AF65-F5344CB8AC3E}">
-        <p14:creationId xmlns:p14="http://schemas.microsoft.com/office/powerpoint/2010/main" val="2552626820"/>
+        <p14:creationId xmlns:p14="http://schemas.microsoft.com/office/powerpoint/2010/main" val="3165001940"/>
       </p:ext>
     </p:extLst>
   </p:cSld>
@@ -2690,8 +2979,8 @@
         </p:nvSpPr>
         <p:spPr>
           <a:xfrm>
-            <a:off x="5297488" y="182563"/>
-            <a:ext cx="1643062" cy="3530600"/>
+            <a:off x="5303520" y="183092"/>
+            <a:ext cx="1645920" cy="3901017"/>
           </a:xfrm>
         </p:spPr>
         <p:txBody>
@@ -2718,8 +3007,8 @@
         </p:nvSpPr>
         <p:spPr>
           <a:xfrm>
-            <a:off x="365125" y="182563"/>
-            <a:ext cx="4779963" cy="3530600"/>
+            <a:off x="365760" y="183092"/>
+            <a:ext cx="4815840" cy="3901017"/>
           </a:xfrm>
         </p:spPr>
         <p:txBody>
@@ -2770,17 +3059,13 @@
             <a:spLocks noGrp="1"/>
           </p:cNvSpPr>
           <p:nvPr>
-            <p:ph type="dt" idx="10"/>
+            <p:ph type="dt" sz="half" idx="10"/>
           </p:nvPr>
         </p:nvSpPr>
         <p:spPr/>
         <p:txBody>
           <a:bodyPr/>
-          <a:lstStyle>
-            <a:lvl1pPr>
-              <a:defRPr/>
-            </a:lvl1pPr>
-          </a:lstStyle>
+          <a:lstStyle/>
           <a:p>
             <a:endParaRPr lang="en-US"/>
           </a:p>
@@ -2793,17 +3078,13 @@
             <a:spLocks noGrp="1"/>
           </p:cNvSpPr>
           <p:nvPr>
-            <p:ph type="ftr" idx="11"/>
+            <p:ph type="ftr" sz="quarter" idx="11"/>
           </p:nvPr>
         </p:nvSpPr>
         <p:spPr/>
         <p:txBody>
           <a:bodyPr/>
-          <a:lstStyle>
-            <a:lvl1pPr>
-              <a:defRPr/>
-            </a:lvl1pPr>
-          </a:lstStyle>
+          <a:lstStyle/>
           <a:p>
             <a:endParaRPr lang="en-US"/>
           </a:p>
@@ -2816,20 +3097,16 @@
             <a:spLocks noGrp="1"/>
           </p:cNvSpPr>
           <p:nvPr>
-            <p:ph type="sldNum" idx="12"/>
+            <p:ph type="sldNum" sz="quarter" idx="12"/>
           </p:nvPr>
         </p:nvSpPr>
         <p:spPr/>
         <p:txBody>
           <a:bodyPr/>
-          <a:lstStyle>
-            <a:lvl1pPr>
-              <a:defRPr/>
-            </a:lvl1pPr>
-          </a:lstStyle>
+          <a:lstStyle/>
           <a:p>
             <a:fld id="{9BB5D262-00DD-1A46-8D8E-F31D06D2DC72}" type="slidenum">
-              <a:rPr lang="en-US"/>
+              <a:rPr lang="en-US" smtClean="0"/>
               <a:pPr/>
               <a:t>‹#›</a:t>
             </a:fld>
@@ -2840,7 +3117,7 @@
     </p:spTree>
     <p:extLst>
       <p:ext uri="{BB962C8B-B14F-4D97-AF65-F5344CB8AC3E}">
-        <p14:creationId xmlns:p14="http://schemas.microsoft.com/office/powerpoint/2010/main" val="502281310"/>
+        <p14:creationId xmlns:p14="http://schemas.microsoft.com/office/powerpoint/2010/main" val="4254351753"/>
       </p:ext>
     </p:extLst>
   </p:cSld>
@@ -2949,17 +3226,13 @@
             <a:spLocks noGrp="1"/>
           </p:cNvSpPr>
           <p:nvPr>
-            <p:ph type="dt" idx="10"/>
+            <p:ph type="dt" sz="half" idx="10"/>
           </p:nvPr>
         </p:nvSpPr>
         <p:spPr/>
         <p:txBody>
           <a:bodyPr/>
-          <a:lstStyle>
-            <a:lvl1pPr>
-              <a:defRPr/>
-            </a:lvl1pPr>
-          </a:lstStyle>
+          <a:lstStyle/>
           <a:p>
             <a:endParaRPr lang="en-US"/>
           </a:p>
@@ -2972,17 +3245,13 @@
             <a:spLocks noGrp="1"/>
           </p:cNvSpPr>
           <p:nvPr>
-            <p:ph type="ftr" idx="11"/>
+            <p:ph type="ftr" sz="quarter" idx="11"/>
           </p:nvPr>
         </p:nvSpPr>
         <p:spPr/>
         <p:txBody>
           <a:bodyPr/>
-          <a:lstStyle>
-            <a:lvl1pPr>
-              <a:defRPr/>
-            </a:lvl1pPr>
-          </a:lstStyle>
+          <a:lstStyle/>
           <a:p>
             <a:endParaRPr lang="en-US"/>
           </a:p>
@@ -2995,20 +3264,16 @@
             <a:spLocks noGrp="1"/>
           </p:cNvSpPr>
           <p:nvPr>
-            <p:ph type="sldNum" idx="12"/>
+            <p:ph type="sldNum" sz="quarter" idx="12"/>
           </p:nvPr>
         </p:nvSpPr>
         <p:spPr/>
         <p:txBody>
           <a:bodyPr/>
-          <a:lstStyle>
-            <a:lvl1pPr>
-              <a:defRPr/>
-            </a:lvl1pPr>
-          </a:lstStyle>
+          <a:lstStyle/>
           <a:p>
             <a:fld id="{E3C2A37B-3BA1-B142-8E48-CA28E3E16F7A}" type="slidenum">
-              <a:rPr lang="en-US"/>
+              <a:rPr lang="en-US" smtClean="0"/>
               <a:pPr/>
               <a:t>‹#›</a:t>
             </a:fld>
@@ -3019,7 +3284,7 @@
     </p:spTree>
     <p:extLst>
       <p:ext uri="{BB962C8B-B14F-4D97-AF65-F5344CB8AC3E}">
-        <p14:creationId xmlns:p14="http://schemas.microsoft.com/office/powerpoint/2010/main" val="4162044194"/>
+        <p14:creationId xmlns:p14="http://schemas.microsoft.com/office/powerpoint/2010/main" val="2508222758"/>
       </p:ext>
     </p:extLst>
   </p:cSld>
@@ -3058,15 +3323,15 @@
         </p:nvSpPr>
         <p:spPr>
           <a:xfrm>
-            <a:off x="577850" y="2938463"/>
-            <a:ext cx="6218238" cy="908050"/>
+            <a:off x="577850" y="2937934"/>
+            <a:ext cx="6217920" cy="908050"/>
           </a:xfrm>
         </p:spPr>
         <p:txBody>
           <a:bodyPr anchor="t"/>
           <a:lstStyle>
             <a:lvl1pPr algn="l">
-              <a:defRPr sz="4000" b="1" cap="all"/>
+              <a:defRPr sz="3000" b="1" cap="all"/>
             </a:lvl1pPr>
           </a:lstStyle>
           <a:p>
@@ -3090,8 +3355,8 @@
         </p:nvSpPr>
         <p:spPr>
           <a:xfrm>
-            <a:off x="577850" y="1938338"/>
-            <a:ext cx="6218238" cy="1000125"/>
+            <a:off x="577850" y="1937809"/>
+            <a:ext cx="6217920" cy="1000125"/>
           </a:xfrm>
         </p:spPr>
         <p:txBody>
@@ -3099,39 +3364,93 @@
           <a:lstStyle>
             <a:lvl1pPr marL="0" indent="0">
               <a:buNone/>
-              <a:defRPr sz="2000"/>
+              <a:defRPr sz="1500">
+                <a:solidFill>
+                  <a:schemeClr val="tx1">
+                    <a:tint val="75000"/>
+                  </a:schemeClr>
+                </a:solidFill>
+              </a:defRPr>
             </a:lvl1pPr>
-            <a:lvl2pPr marL="457200" indent="0">
+            <a:lvl2pPr marL="339608" indent="0">
               <a:buNone/>
-              <a:defRPr sz="1800"/>
+              <a:defRPr sz="1300">
+                <a:solidFill>
+                  <a:schemeClr val="tx1">
+                    <a:tint val="75000"/>
+                  </a:schemeClr>
+                </a:solidFill>
+              </a:defRPr>
             </a:lvl2pPr>
-            <a:lvl3pPr marL="914400" indent="0">
+            <a:lvl3pPr marL="679216" indent="0">
               <a:buNone/>
-              <a:defRPr sz="1600"/>
+              <a:defRPr sz="1200">
+                <a:solidFill>
+                  <a:schemeClr val="tx1">
+                    <a:tint val="75000"/>
+                  </a:schemeClr>
+                </a:solidFill>
+              </a:defRPr>
             </a:lvl3pPr>
-            <a:lvl4pPr marL="1371600" indent="0">
+            <a:lvl4pPr marL="1018824" indent="0">
               <a:buNone/>
-              <a:defRPr sz="1400"/>
+              <a:defRPr sz="1000">
+                <a:solidFill>
+                  <a:schemeClr val="tx1">
+                    <a:tint val="75000"/>
+                  </a:schemeClr>
+                </a:solidFill>
+              </a:defRPr>
             </a:lvl4pPr>
-            <a:lvl5pPr marL="1828800" indent="0">
+            <a:lvl5pPr marL="1358433" indent="0">
               <a:buNone/>
-              <a:defRPr sz="1400"/>
+              <a:defRPr sz="1000">
+                <a:solidFill>
+                  <a:schemeClr val="tx1">
+                    <a:tint val="75000"/>
+                  </a:schemeClr>
+                </a:solidFill>
+              </a:defRPr>
             </a:lvl5pPr>
-            <a:lvl6pPr marL="2286000" indent="0">
+            <a:lvl6pPr marL="1698041" indent="0">
               <a:buNone/>
-              <a:defRPr sz="1400"/>
+              <a:defRPr sz="1000">
+                <a:solidFill>
+                  <a:schemeClr val="tx1">
+                    <a:tint val="75000"/>
+                  </a:schemeClr>
+                </a:solidFill>
+              </a:defRPr>
             </a:lvl6pPr>
-            <a:lvl7pPr marL="2743200" indent="0">
+            <a:lvl7pPr marL="2037649" indent="0">
               <a:buNone/>
-              <a:defRPr sz="1400"/>
+              <a:defRPr sz="1000">
+                <a:solidFill>
+                  <a:schemeClr val="tx1">
+                    <a:tint val="75000"/>
+                  </a:schemeClr>
+                </a:solidFill>
+              </a:defRPr>
             </a:lvl7pPr>
-            <a:lvl8pPr marL="3200400" indent="0">
+            <a:lvl8pPr marL="2377257" indent="0">
               <a:buNone/>
-              <a:defRPr sz="1400"/>
+              <a:defRPr sz="1000">
+                <a:solidFill>
+                  <a:schemeClr val="tx1">
+                    <a:tint val="75000"/>
+                  </a:schemeClr>
+                </a:solidFill>
+              </a:defRPr>
             </a:lvl8pPr>
-            <a:lvl9pPr marL="3657600" indent="0">
+            <a:lvl9pPr marL="2716865" indent="0">
               <a:buNone/>
-              <a:defRPr sz="1400"/>
+              <a:defRPr sz="1000">
+                <a:solidFill>
+                  <a:schemeClr val="tx1">
+                    <a:tint val="75000"/>
+                  </a:schemeClr>
+                </a:solidFill>
+              </a:defRPr>
             </a:lvl9pPr>
           </a:lstStyle>
           <a:p>
@@ -3150,17 +3469,13 @@
             <a:spLocks noGrp="1"/>
           </p:cNvSpPr>
           <p:nvPr>
-            <p:ph type="dt" idx="10"/>
+            <p:ph type="dt" sz="half" idx="10"/>
           </p:nvPr>
         </p:nvSpPr>
         <p:spPr/>
         <p:txBody>
           <a:bodyPr/>
-          <a:lstStyle>
-            <a:lvl1pPr>
-              <a:defRPr/>
-            </a:lvl1pPr>
-          </a:lstStyle>
+          <a:lstStyle/>
           <a:p>
             <a:endParaRPr lang="en-US"/>
           </a:p>
@@ -3173,17 +3488,13 @@
             <a:spLocks noGrp="1"/>
           </p:cNvSpPr>
           <p:nvPr>
-            <p:ph type="ftr" idx="11"/>
+            <p:ph type="ftr" sz="quarter" idx="11"/>
           </p:nvPr>
         </p:nvSpPr>
         <p:spPr/>
         <p:txBody>
           <a:bodyPr/>
-          <a:lstStyle>
-            <a:lvl1pPr>
-              <a:defRPr/>
-            </a:lvl1pPr>
-          </a:lstStyle>
+          <a:lstStyle/>
           <a:p>
             <a:endParaRPr lang="en-US"/>
           </a:p>
@@ -3196,20 +3507,16 @@
             <a:spLocks noGrp="1"/>
           </p:cNvSpPr>
           <p:nvPr>
-            <p:ph type="sldNum" idx="12"/>
+            <p:ph type="sldNum" sz="quarter" idx="12"/>
           </p:nvPr>
         </p:nvSpPr>
         <p:spPr/>
         <p:txBody>
           <a:bodyPr/>
-          <a:lstStyle>
-            <a:lvl1pPr>
-              <a:defRPr/>
-            </a:lvl1pPr>
-          </a:lstStyle>
+          <a:lstStyle/>
           <a:p>
             <a:fld id="{0F555DA5-BB28-C544-8B4A-4C6B72B5B90D}" type="slidenum">
-              <a:rPr lang="en-US"/>
+              <a:rPr lang="en-US" smtClean="0"/>
               <a:pPr/>
               <a:t>‹#›</a:t>
             </a:fld>
@@ -3220,7 +3527,7 @@
     </p:spTree>
     <p:extLst>
       <p:ext uri="{BB962C8B-B14F-4D97-AF65-F5344CB8AC3E}">
-        <p14:creationId xmlns:p14="http://schemas.microsoft.com/office/powerpoint/2010/main" val="1343066490"/>
+        <p14:creationId xmlns:p14="http://schemas.microsoft.com/office/powerpoint/2010/main" val="4081126285"/>
       </p:ext>
     </p:extLst>
   </p:cSld>
@@ -3282,39 +3589,39 @@
         </p:nvSpPr>
         <p:spPr>
           <a:xfrm>
-            <a:off x="365125" y="1069975"/>
-            <a:ext cx="3138488" cy="2643188"/>
+            <a:off x="365760" y="1066800"/>
+            <a:ext cx="3230880" cy="3017309"/>
           </a:xfrm>
         </p:spPr>
         <p:txBody>
           <a:bodyPr/>
           <a:lstStyle>
             <a:lvl1pPr>
-              <a:defRPr sz="2800"/>
+              <a:defRPr sz="2100"/>
             </a:lvl1pPr>
             <a:lvl2pPr>
-              <a:defRPr sz="2400"/>
+              <a:defRPr sz="1800"/>
             </a:lvl2pPr>
             <a:lvl3pPr>
-              <a:defRPr sz="2000"/>
+              <a:defRPr sz="1500"/>
             </a:lvl3pPr>
             <a:lvl4pPr>
-              <a:defRPr sz="1800"/>
+              <a:defRPr sz="1300"/>
             </a:lvl4pPr>
             <a:lvl5pPr>
-              <a:defRPr sz="1800"/>
+              <a:defRPr sz="1300"/>
             </a:lvl5pPr>
             <a:lvl6pPr>
-              <a:defRPr sz="1800"/>
+              <a:defRPr sz="1300"/>
             </a:lvl6pPr>
             <a:lvl7pPr>
-              <a:defRPr sz="1800"/>
+              <a:defRPr sz="1300"/>
             </a:lvl7pPr>
             <a:lvl8pPr>
-              <a:defRPr sz="1800"/>
+              <a:defRPr sz="1300"/>
             </a:lvl8pPr>
             <a:lvl9pPr>
-              <a:defRPr sz="1800"/>
+              <a:defRPr sz="1300"/>
             </a:lvl9pPr>
           </a:lstStyle>
           <a:p>
@@ -3367,39 +3674,39 @@
         </p:nvSpPr>
         <p:spPr>
           <a:xfrm>
-            <a:off x="3656013" y="1069975"/>
-            <a:ext cx="3138487" cy="2643188"/>
+            <a:off x="3718560" y="1066800"/>
+            <a:ext cx="3230880" cy="3017309"/>
           </a:xfrm>
         </p:spPr>
         <p:txBody>
           <a:bodyPr/>
           <a:lstStyle>
             <a:lvl1pPr>
-              <a:defRPr sz="2800"/>
+              <a:defRPr sz="2100"/>
             </a:lvl1pPr>
             <a:lvl2pPr>
-              <a:defRPr sz="2400"/>
+              <a:defRPr sz="1800"/>
             </a:lvl2pPr>
             <a:lvl3pPr>
-              <a:defRPr sz="2000"/>
+              <a:defRPr sz="1500"/>
             </a:lvl3pPr>
             <a:lvl4pPr>
-              <a:defRPr sz="1800"/>
+              <a:defRPr sz="1300"/>
             </a:lvl4pPr>
             <a:lvl5pPr>
-              <a:defRPr sz="1800"/>
+              <a:defRPr sz="1300"/>
             </a:lvl5pPr>
             <a:lvl6pPr>
-              <a:defRPr sz="1800"/>
+              <a:defRPr sz="1300"/>
             </a:lvl6pPr>
             <a:lvl7pPr>
-              <a:defRPr sz="1800"/>
+              <a:defRPr sz="1300"/>
             </a:lvl7pPr>
             <a:lvl8pPr>
-              <a:defRPr sz="1800"/>
+              <a:defRPr sz="1300"/>
             </a:lvl8pPr>
             <a:lvl9pPr>
-              <a:defRPr sz="1800"/>
+              <a:defRPr sz="1300"/>
             </a:lvl9pPr>
           </a:lstStyle>
           <a:p>
@@ -3447,17 +3754,13 @@
             <a:spLocks noGrp="1"/>
           </p:cNvSpPr>
           <p:nvPr>
-            <p:ph type="dt" idx="10"/>
+            <p:ph type="dt" sz="half" idx="10"/>
           </p:nvPr>
         </p:nvSpPr>
         <p:spPr/>
         <p:txBody>
           <a:bodyPr/>
-          <a:lstStyle>
-            <a:lvl1pPr>
-              <a:defRPr/>
-            </a:lvl1pPr>
-          </a:lstStyle>
+          <a:lstStyle/>
           <a:p>
             <a:endParaRPr lang="en-US"/>
           </a:p>
@@ -3470,17 +3773,13 @@
             <a:spLocks noGrp="1"/>
           </p:cNvSpPr>
           <p:nvPr>
-            <p:ph type="ftr" idx="11"/>
+            <p:ph type="ftr" sz="quarter" idx="11"/>
           </p:nvPr>
         </p:nvSpPr>
         <p:spPr/>
         <p:txBody>
           <a:bodyPr/>
-          <a:lstStyle>
-            <a:lvl1pPr>
-              <a:defRPr/>
-            </a:lvl1pPr>
-          </a:lstStyle>
+          <a:lstStyle/>
           <a:p>
             <a:endParaRPr lang="en-US"/>
           </a:p>
@@ -3493,20 +3792,16 @@
             <a:spLocks noGrp="1"/>
           </p:cNvSpPr>
           <p:nvPr>
-            <p:ph type="sldNum" idx="12"/>
+            <p:ph type="sldNum" sz="quarter" idx="12"/>
           </p:nvPr>
         </p:nvSpPr>
         <p:spPr/>
         <p:txBody>
           <a:bodyPr/>
-          <a:lstStyle>
-            <a:lvl1pPr>
-              <a:defRPr/>
-            </a:lvl1pPr>
-          </a:lstStyle>
+          <a:lstStyle/>
           <a:p>
             <a:fld id="{724E5183-59F5-9A4B-A901-91D49D65E444}" type="slidenum">
-              <a:rPr lang="en-US"/>
+              <a:rPr lang="en-US" smtClean="0"/>
               <a:pPr/>
               <a:t>‹#›</a:t>
             </a:fld>
@@ -3517,7 +3812,7 @@
     </p:spTree>
     <p:extLst>
       <p:ext uri="{BB962C8B-B14F-4D97-AF65-F5344CB8AC3E}">
-        <p14:creationId xmlns:p14="http://schemas.microsoft.com/office/powerpoint/2010/main" val="1336637917"/>
+        <p14:creationId xmlns:p14="http://schemas.microsoft.com/office/powerpoint/2010/main" val="3147228518"/>
       </p:ext>
     </p:extLst>
   </p:cSld>
@@ -3554,12 +3849,7 @@
             <p:ph type="title"/>
           </p:nvPr>
         </p:nvSpPr>
-        <p:spPr>
-          <a:xfrm>
-            <a:off x="365125" y="182563"/>
-            <a:ext cx="6584950" cy="762000"/>
-          </a:xfrm>
-        </p:spPr>
+        <p:spPr/>
         <p:txBody>
           <a:bodyPr/>
           <a:lstStyle>
@@ -3588,8 +3878,8 @@
         </p:nvSpPr>
         <p:spPr>
           <a:xfrm>
-            <a:off x="365125" y="1023938"/>
-            <a:ext cx="3232150" cy="425450"/>
+            <a:off x="365760" y="1023409"/>
+            <a:ext cx="3232150" cy="426508"/>
           </a:xfrm>
         </p:spPr>
         <p:txBody>
@@ -3597,39 +3887,39 @@
           <a:lstStyle>
             <a:lvl1pPr marL="0" indent="0">
               <a:buNone/>
-              <a:defRPr sz="2400" b="1"/>
+              <a:defRPr sz="1800" b="1"/>
             </a:lvl1pPr>
-            <a:lvl2pPr marL="457200" indent="0">
+            <a:lvl2pPr marL="339608" indent="0">
               <a:buNone/>
-              <a:defRPr sz="2000" b="1"/>
+              <a:defRPr sz="1500" b="1"/>
             </a:lvl2pPr>
-            <a:lvl3pPr marL="914400" indent="0">
+            <a:lvl3pPr marL="679216" indent="0">
               <a:buNone/>
-              <a:defRPr sz="1800" b="1"/>
+              <a:defRPr sz="1300" b="1"/>
             </a:lvl3pPr>
-            <a:lvl4pPr marL="1371600" indent="0">
+            <a:lvl4pPr marL="1018824" indent="0">
               <a:buNone/>
-              <a:defRPr sz="1600" b="1"/>
+              <a:defRPr sz="1200" b="1"/>
             </a:lvl4pPr>
-            <a:lvl5pPr marL="1828800" indent="0">
+            <a:lvl5pPr marL="1358433" indent="0">
               <a:buNone/>
-              <a:defRPr sz="1600" b="1"/>
+              <a:defRPr sz="1200" b="1"/>
             </a:lvl5pPr>
-            <a:lvl6pPr marL="2286000" indent="0">
+            <a:lvl6pPr marL="1698041" indent="0">
               <a:buNone/>
-              <a:defRPr sz="1600" b="1"/>
+              <a:defRPr sz="1200" b="1"/>
             </a:lvl6pPr>
-            <a:lvl7pPr marL="2743200" indent="0">
+            <a:lvl7pPr marL="2037649" indent="0">
               <a:buNone/>
-              <a:defRPr sz="1600" b="1"/>
+              <a:defRPr sz="1200" b="1"/>
             </a:lvl7pPr>
-            <a:lvl8pPr marL="3200400" indent="0">
+            <a:lvl8pPr marL="2377257" indent="0">
               <a:buNone/>
-              <a:defRPr sz="1600" b="1"/>
+              <a:defRPr sz="1200" b="1"/>
             </a:lvl8pPr>
-            <a:lvl9pPr marL="3657600" indent="0">
+            <a:lvl9pPr marL="2716865" indent="0">
               <a:buNone/>
-              <a:defRPr sz="1600" b="1"/>
+              <a:defRPr sz="1200" b="1"/>
             </a:lvl9pPr>
           </a:lstStyle>
           <a:p>
@@ -3653,39 +3943,39 @@
         </p:nvSpPr>
         <p:spPr>
           <a:xfrm>
-            <a:off x="365125" y="1449388"/>
-            <a:ext cx="3232150" cy="2635250"/>
+            <a:off x="365760" y="1449917"/>
+            <a:ext cx="3232150" cy="2634192"/>
           </a:xfrm>
         </p:spPr>
         <p:txBody>
           <a:bodyPr/>
           <a:lstStyle>
             <a:lvl1pPr>
-              <a:defRPr sz="2400"/>
+              <a:defRPr sz="1800"/>
             </a:lvl1pPr>
             <a:lvl2pPr>
-              <a:defRPr sz="2000"/>
+              <a:defRPr sz="1500"/>
             </a:lvl2pPr>
             <a:lvl3pPr>
-              <a:defRPr sz="1800"/>
+              <a:defRPr sz="1300"/>
             </a:lvl3pPr>
             <a:lvl4pPr>
-              <a:defRPr sz="1600"/>
+              <a:defRPr sz="1200"/>
             </a:lvl4pPr>
             <a:lvl5pPr>
-              <a:defRPr sz="1600"/>
+              <a:defRPr sz="1200"/>
             </a:lvl5pPr>
             <a:lvl6pPr>
-              <a:defRPr sz="1600"/>
+              <a:defRPr sz="1200"/>
             </a:lvl6pPr>
             <a:lvl7pPr>
-              <a:defRPr sz="1600"/>
+              <a:defRPr sz="1200"/>
             </a:lvl7pPr>
             <a:lvl8pPr>
-              <a:defRPr sz="1600"/>
+              <a:defRPr sz="1200"/>
             </a:lvl8pPr>
             <a:lvl9pPr>
-              <a:defRPr sz="1600"/>
+              <a:defRPr sz="1200"/>
             </a:lvl9pPr>
           </a:lstStyle>
           <a:p>
@@ -3738,8 +4028,8 @@
         </p:nvSpPr>
         <p:spPr>
           <a:xfrm>
-            <a:off x="3716338" y="1023938"/>
-            <a:ext cx="3233737" cy="425450"/>
+            <a:off x="3716020" y="1023409"/>
+            <a:ext cx="3233420" cy="426508"/>
           </a:xfrm>
         </p:spPr>
         <p:txBody>
@@ -3747,39 +4037,39 @@
           <a:lstStyle>
             <a:lvl1pPr marL="0" indent="0">
               <a:buNone/>
-              <a:defRPr sz="2400" b="1"/>
+              <a:defRPr sz="1800" b="1"/>
             </a:lvl1pPr>
-            <a:lvl2pPr marL="457200" indent="0">
+            <a:lvl2pPr marL="339608" indent="0">
               <a:buNone/>
-              <a:defRPr sz="2000" b="1"/>
+              <a:defRPr sz="1500" b="1"/>
             </a:lvl2pPr>
-            <a:lvl3pPr marL="914400" indent="0">
+            <a:lvl3pPr marL="679216" indent="0">
               <a:buNone/>
-              <a:defRPr sz="1800" b="1"/>
+              <a:defRPr sz="1300" b="1"/>
             </a:lvl3pPr>
-            <a:lvl4pPr marL="1371600" indent="0">
+            <a:lvl4pPr marL="1018824" indent="0">
               <a:buNone/>
-              <a:defRPr sz="1600" b="1"/>
+              <a:defRPr sz="1200" b="1"/>
             </a:lvl4pPr>
-            <a:lvl5pPr marL="1828800" indent="0">
+            <a:lvl5pPr marL="1358433" indent="0">
               <a:buNone/>
-              <a:defRPr sz="1600" b="1"/>
+              <a:defRPr sz="1200" b="1"/>
             </a:lvl5pPr>
-            <a:lvl6pPr marL="2286000" indent="0">
+            <a:lvl6pPr marL="1698041" indent="0">
               <a:buNone/>
-              <a:defRPr sz="1600" b="1"/>
+              <a:defRPr sz="1200" b="1"/>
             </a:lvl6pPr>
-            <a:lvl7pPr marL="2743200" indent="0">
+            <a:lvl7pPr marL="2037649" indent="0">
               <a:buNone/>
-              <a:defRPr sz="1600" b="1"/>
+              <a:defRPr sz="1200" b="1"/>
             </a:lvl7pPr>
-            <a:lvl8pPr marL="3200400" indent="0">
+            <a:lvl8pPr marL="2377257" indent="0">
               <a:buNone/>
-              <a:defRPr sz="1600" b="1"/>
+              <a:defRPr sz="1200" b="1"/>
             </a:lvl8pPr>
-            <a:lvl9pPr marL="3657600" indent="0">
+            <a:lvl9pPr marL="2716865" indent="0">
               <a:buNone/>
-              <a:defRPr sz="1600" b="1"/>
+              <a:defRPr sz="1200" b="1"/>
             </a:lvl9pPr>
           </a:lstStyle>
           <a:p>
@@ -3803,39 +4093,39 @@
         </p:nvSpPr>
         <p:spPr>
           <a:xfrm>
-            <a:off x="3716338" y="1449388"/>
-            <a:ext cx="3233737" cy="2635250"/>
+            <a:off x="3716020" y="1449917"/>
+            <a:ext cx="3233420" cy="2634192"/>
           </a:xfrm>
         </p:spPr>
         <p:txBody>
           <a:bodyPr/>
           <a:lstStyle>
             <a:lvl1pPr>
-              <a:defRPr sz="2400"/>
+              <a:defRPr sz="1800"/>
             </a:lvl1pPr>
             <a:lvl2pPr>
-              <a:defRPr sz="2000"/>
+              <a:defRPr sz="1500"/>
             </a:lvl2pPr>
             <a:lvl3pPr>
-              <a:defRPr sz="1800"/>
+              <a:defRPr sz="1300"/>
             </a:lvl3pPr>
             <a:lvl4pPr>
-              <a:defRPr sz="1600"/>
+              <a:defRPr sz="1200"/>
             </a:lvl4pPr>
             <a:lvl5pPr>
-              <a:defRPr sz="1600"/>
+              <a:defRPr sz="1200"/>
             </a:lvl5pPr>
             <a:lvl6pPr>
-              <a:defRPr sz="1600"/>
+              <a:defRPr sz="1200"/>
             </a:lvl6pPr>
             <a:lvl7pPr>
-              <a:defRPr sz="1600"/>
+              <a:defRPr sz="1200"/>
             </a:lvl7pPr>
             <a:lvl8pPr>
-              <a:defRPr sz="1600"/>
+              <a:defRPr sz="1200"/>
             </a:lvl8pPr>
             <a:lvl9pPr>
-              <a:defRPr sz="1600"/>
+              <a:defRPr sz="1200"/>
             </a:lvl9pPr>
           </a:lstStyle>
           <a:p>
@@ -3883,17 +4173,13 @@
             <a:spLocks noGrp="1"/>
           </p:cNvSpPr>
           <p:nvPr>
-            <p:ph type="dt" idx="10"/>
+            <p:ph type="dt" sz="half" idx="10"/>
           </p:nvPr>
         </p:nvSpPr>
         <p:spPr/>
         <p:txBody>
           <a:bodyPr/>
-          <a:lstStyle>
-            <a:lvl1pPr>
-              <a:defRPr/>
-            </a:lvl1pPr>
-          </a:lstStyle>
+          <a:lstStyle/>
           <a:p>
             <a:endParaRPr lang="en-US"/>
           </a:p>
@@ -3906,17 +4192,13 @@
             <a:spLocks noGrp="1"/>
           </p:cNvSpPr>
           <p:nvPr>
-            <p:ph type="ftr" idx="11"/>
+            <p:ph type="ftr" sz="quarter" idx="11"/>
           </p:nvPr>
         </p:nvSpPr>
         <p:spPr/>
         <p:txBody>
           <a:bodyPr/>
-          <a:lstStyle>
-            <a:lvl1pPr>
-              <a:defRPr/>
-            </a:lvl1pPr>
-          </a:lstStyle>
+          <a:lstStyle/>
           <a:p>
             <a:endParaRPr lang="en-US"/>
           </a:p>
@@ -3929,20 +4211,16 @@
             <a:spLocks noGrp="1"/>
           </p:cNvSpPr>
           <p:nvPr>
-            <p:ph type="sldNum" idx="12"/>
+            <p:ph type="sldNum" sz="quarter" idx="12"/>
           </p:nvPr>
         </p:nvSpPr>
         <p:spPr/>
         <p:txBody>
           <a:bodyPr/>
-          <a:lstStyle>
-            <a:lvl1pPr>
-              <a:defRPr/>
-            </a:lvl1pPr>
-          </a:lstStyle>
+          <a:lstStyle/>
           <a:p>
             <a:fld id="{34E00D64-B2B7-E54D-8AA6-4484E0BE31EF}" type="slidenum">
-              <a:rPr lang="en-US"/>
+              <a:rPr lang="en-US" smtClean="0"/>
               <a:pPr/>
               <a:t>‹#›</a:t>
             </a:fld>
@@ -3953,7 +4231,7 @@
     </p:spTree>
     <p:extLst>
       <p:ext uri="{BB962C8B-B14F-4D97-AF65-F5344CB8AC3E}">
-        <p14:creationId xmlns:p14="http://schemas.microsoft.com/office/powerpoint/2010/main" val="741421733"/>
+        <p14:creationId xmlns:p14="http://schemas.microsoft.com/office/powerpoint/2010/main" val="3927045132"/>
       </p:ext>
     </p:extLst>
   </p:cSld>
@@ -4010,17 +4288,13 @@
             <a:spLocks noGrp="1"/>
           </p:cNvSpPr>
           <p:nvPr>
-            <p:ph type="dt" idx="10"/>
+            <p:ph type="dt" sz="half" idx="10"/>
           </p:nvPr>
         </p:nvSpPr>
         <p:spPr/>
         <p:txBody>
           <a:bodyPr/>
-          <a:lstStyle>
-            <a:lvl1pPr>
-              <a:defRPr/>
-            </a:lvl1pPr>
-          </a:lstStyle>
+          <a:lstStyle/>
           <a:p>
             <a:endParaRPr lang="en-US"/>
           </a:p>
@@ -4033,17 +4307,13 @@
             <a:spLocks noGrp="1"/>
           </p:cNvSpPr>
           <p:nvPr>
-            <p:ph type="ftr" idx="11"/>
+            <p:ph type="ftr" sz="quarter" idx="11"/>
           </p:nvPr>
         </p:nvSpPr>
         <p:spPr/>
         <p:txBody>
           <a:bodyPr/>
-          <a:lstStyle>
-            <a:lvl1pPr>
-              <a:defRPr/>
-            </a:lvl1pPr>
-          </a:lstStyle>
+          <a:lstStyle/>
           <a:p>
             <a:endParaRPr lang="en-US"/>
           </a:p>
@@ -4056,20 +4326,16 @@
             <a:spLocks noGrp="1"/>
           </p:cNvSpPr>
           <p:nvPr>
-            <p:ph type="sldNum" idx="12"/>
+            <p:ph type="sldNum" sz="quarter" idx="12"/>
           </p:nvPr>
         </p:nvSpPr>
         <p:spPr/>
         <p:txBody>
           <a:bodyPr/>
-          <a:lstStyle>
-            <a:lvl1pPr>
-              <a:defRPr/>
-            </a:lvl1pPr>
-          </a:lstStyle>
+          <a:lstStyle/>
           <a:p>
             <a:fld id="{318CF5AF-2DE2-5E40-84F2-7B93A43A9069}" type="slidenum">
-              <a:rPr lang="en-US"/>
+              <a:rPr lang="en-US" smtClean="0"/>
               <a:pPr/>
               <a:t>‹#›</a:t>
             </a:fld>
@@ -4080,7 +4346,7 @@
     </p:spTree>
     <p:extLst>
       <p:ext uri="{BB962C8B-B14F-4D97-AF65-F5344CB8AC3E}">
-        <p14:creationId xmlns:p14="http://schemas.microsoft.com/office/powerpoint/2010/main" val="1252366507"/>
+        <p14:creationId xmlns:p14="http://schemas.microsoft.com/office/powerpoint/2010/main" val="3320318735"/>
       </p:ext>
     </p:extLst>
   </p:cSld>
@@ -4114,17 +4380,13 @@
             <a:spLocks noGrp="1"/>
           </p:cNvSpPr>
           <p:nvPr>
-            <p:ph type="dt" idx="10"/>
+            <p:ph type="dt" sz="half" idx="10"/>
           </p:nvPr>
         </p:nvSpPr>
         <p:spPr/>
         <p:txBody>
           <a:bodyPr/>
-          <a:lstStyle>
-            <a:lvl1pPr>
-              <a:defRPr/>
-            </a:lvl1pPr>
-          </a:lstStyle>
+          <a:lstStyle/>
           <a:p>
             <a:endParaRPr lang="en-US"/>
           </a:p>
@@ -4137,17 +4399,13 @@
             <a:spLocks noGrp="1"/>
           </p:cNvSpPr>
           <p:nvPr>
-            <p:ph type="ftr" idx="11"/>
+            <p:ph type="ftr" sz="quarter" idx="11"/>
           </p:nvPr>
         </p:nvSpPr>
         <p:spPr/>
         <p:txBody>
           <a:bodyPr/>
-          <a:lstStyle>
-            <a:lvl1pPr>
-              <a:defRPr/>
-            </a:lvl1pPr>
-          </a:lstStyle>
+          <a:lstStyle/>
           <a:p>
             <a:endParaRPr lang="en-US"/>
           </a:p>
@@ -4160,20 +4418,16 @@
             <a:spLocks noGrp="1"/>
           </p:cNvSpPr>
           <p:nvPr>
-            <p:ph type="sldNum" idx="12"/>
+            <p:ph type="sldNum" sz="quarter" idx="12"/>
           </p:nvPr>
         </p:nvSpPr>
         <p:spPr/>
         <p:txBody>
           <a:bodyPr/>
-          <a:lstStyle>
-            <a:lvl1pPr>
-              <a:defRPr/>
-            </a:lvl1pPr>
-          </a:lstStyle>
+          <a:lstStyle/>
           <a:p>
             <a:fld id="{D7E34247-5227-0546-B782-235465E6F1DE}" type="slidenum">
-              <a:rPr lang="en-US"/>
+              <a:rPr lang="en-US" smtClean="0"/>
               <a:pPr/>
               <a:t>‹#›</a:t>
             </a:fld>
@@ -4184,7 +4438,7 @@
     </p:spTree>
     <p:extLst>
       <p:ext uri="{BB962C8B-B14F-4D97-AF65-F5344CB8AC3E}">
-        <p14:creationId xmlns:p14="http://schemas.microsoft.com/office/powerpoint/2010/main" val="736848499"/>
+        <p14:creationId xmlns:p14="http://schemas.microsoft.com/office/powerpoint/2010/main" val="1834574052"/>
       </p:ext>
     </p:extLst>
   </p:cSld>
@@ -4223,7 +4477,7 @@
         </p:nvSpPr>
         <p:spPr>
           <a:xfrm>
-            <a:off x="365125" y="182563"/>
+            <a:off x="365761" y="182033"/>
             <a:ext cx="2406650" cy="774700"/>
           </a:xfrm>
         </p:spPr>
@@ -4231,7 +4485,7 @@
           <a:bodyPr anchor="b"/>
           <a:lstStyle>
             <a:lvl1pPr algn="l">
-              <a:defRPr sz="2000" b="1"/>
+              <a:defRPr sz="1500" b="1"/>
             </a:lvl1pPr>
           </a:lstStyle>
           <a:p>
@@ -4255,7 +4509,7 @@
         </p:nvSpPr>
         <p:spPr>
           <a:xfrm>
-            <a:off x="2860675" y="182563"/>
+            <a:off x="2860040" y="182034"/>
             <a:ext cx="4089400" cy="3902075"/>
           </a:xfrm>
         </p:spPr>
@@ -4263,31 +4517,31 @@
           <a:bodyPr/>
           <a:lstStyle>
             <a:lvl1pPr>
-              <a:defRPr sz="3200"/>
+              <a:defRPr sz="2400"/>
             </a:lvl1pPr>
             <a:lvl2pPr>
-              <a:defRPr sz="2800"/>
+              <a:defRPr sz="2100"/>
             </a:lvl2pPr>
             <a:lvl3pPr>
-              <a:defRPr sz="2400"/>
+              <a:defRPr sz="1800"/>
             </a:lvl3pPr>
             <a:lvl4pPr>
-              <a:defRPr sz="2000"/>
+              <a:defRPr sz="1500"/>
             </a:lvl4pPr>
             <a:lvl5pPr>
-              <a:defRPr sz="2000"/>
+              <a:defRPr sz="1500"/>
             </a:lvl5pPr>
             <a:lvl6pPr>
-              <a:defRPr sz="2000"/>
+              <a:defRPr sz="1500"/>
             </a:lvl6pPr>
             <a:lvl7pPr>
-              <a:defRPr sz="2000"/>
+              <a:defRPr sz="1500"/>
             </a:lvl7pPr>
             <a:lvl8pPr>
-              <a:defRPr sz="2000"/>
+              <a:defRPr sz="1500"/>
             </a:lvl8pPr>
             <a:lvl9pPr>
-              <a:defRPr sz="2000"/>
+              <a:defRPr sz="1500"/>
             </a:lvl9pPr>
           </a:lstStyle>
           <a:p>
@@ -4340,7 +4594,7 @@
         </p:nvSpPr>
         <p:spPr>
           <a:xfrm>
-            <a:off x="365125" y="957263"/>
+            <a:off x="365761" y="956734"/>
             <a:ext cx="2406650" cy="3127375"/>
           </a:xfrm>
         </p:spPr>
@@ -4349,39 +4603,39 @@
           <a:lstStyle>
             <a:lvl1pPr marL="0" indent="0">
               <a:buNone/>
-              <a:defRPr sz="1400"/>
+              <a:defRPr sz="1000"/>
             </a:lvl1pPr>
-            <a:lvl2pPr marL="457200" indent="0">
-              <a:buNone/>
-              <a:defRPr sz="1200"/>
-            </a:lvl2pPr>
-            <a:lvl3pPr marL="914400" indent="0">
-              <a:buNone/>
-              <a:defRPr sz="1000"/>
-            </a:lvl3pPr>
-            <a:lvl4pPr marL="1371600" indent="0">
+            <a:lvl2pPr marL="339608" indent="0">
               <a:buNone/>
               <a:defRPr sz="900"/>
+            </a:lvl2pPr>
+            <a:lvl3pPr marL="679216" indent="0">
+              <a:buNone/>
+              <a:defRPr sz="700"/>
+            </a:lvl3pPr>
+            <a:lvl4pPr marL="1018824" indent="0">
+              <a:buNone/>
+              <a:defRPr sz="700"/>
             </a:lvl4pPr>
-            <a:lvl5pPr marL="1828800" indent="0">
+            <a:lvl5pPr marL="1358433" indent="0">
               <a:buNone/>
-              <a:defRPr sz="900"/>
+              <a:defRPr sz="700"/>
             </a:lvl5pPr>
-            <a:lvl6pPr marL="2286000" indent="0">
+            <a:lvl6pPr marL="1698041" indent="0">
               <a:buNone/>
-              <a:defRPr sz="900"/>
+              <a:defRPr sz="700"/>
             </a:lvl6pPr>
-            <a:lvl7pPr marL="2743200" indent="0">
+            <a:lvl7pPr marL="2037649" indent="0">
               <a:buNone/>
-              <a:defRPr sz="900"/>
+              <a:defRPr sz="700"/>
             </a:lvl7pPr>
-            <a:lvl8pPr marL="3200400" indent="0">
+            <a:lvl8pPr marL="2377257" indent="0">
               <a:buNone/>
-              <a:defRPr sz="900"/>
+              <a:defRPr sz="700"/>
             </a:lvl8pPr>
-            <a:lvl9pPr marL="3657600" indent="0">
+            <a:lvl9pPr marL="2716865" indent="0">
               <a:buNone/>
-              <a:defRPr sz="900"/>
+              <a:defRPr sz="700"/>
             </a:lvl9pPr>
           </a:lstStyle>
           <a:p>
@@ -4400,17 +4654,13 @@
             <a:spLocks noGrp="1"/>
           </p:cNvSpPr>
           <p:nvPr>
-            <p:ph type="dt" idx="10"/>
+            <p:ph type="dt" sz="half" idx="10"/>
           </p:nvPr>
         </p:nvSpPr>
         <p:spPr/>
         <p:txBody>
           <a:bodyPr/>
-          <a:lstStyle>
-            <a:lvl1pPr>
-              <a:defRPr/>
-            </a:lvl1pPr>
-          </a:lstStyle>
+          <a:lstStyle/>
           <a:p>
             <a:endParaRPr lang="en-US"/>
           </a:p>
@@ -4423,17 +4673,13 @@
             <a:spLocks noGrp="1"/>
           </p:cNvSpPr>
           <p:nvPr>
-            <p:ph type="ftr" idx="11"/>
+            <p:ph type="ftr" sz="quarter" idx="11"/>
           </p:nvPr>
         </p:nvSpPr>
         <p:spPr/>
         <p:txBody>
           <a:bodyPr/>
-          <a:lstStyle>
-            <a:lvl1pPr>
-              <a:defRPr/>
-            </a:lvl1pPr>
-          </a:lstStyle>
+          <a:lstStyle/>
           <a:p>
             <a:endParaRPr lang="en-US"/>
           </a:p>
@@ -4446,20 +4692,16 @@
             <a:spLocks noGrp="1"/>
           </p:cNvSpPr>
           <p:nvPr>
-            <p:ph type="sldNum" idx="12"/>
+            <p:ph type="sldNum" sz="quarter" idx="12"/>
           </p:nvPr>
         </p:nvSpPr>
         <p:spPr/>
         <p:txBody>
           <a:bodyPr/>
-          <a:lstStyle>
-            <a:lvl1pPr>
-              <a:defRPr/>
-            </a:lvl1pPr>
-          </a:lstStyle>
+          <a:lstStyle/>
           <a:p>
             <a:fld id="{599E9629-6DF1-334F-B12C-9542483CE70F}" type="slidenum">
-              <a:rPr lang="en-US"/>
+              <a:rPr lang="en-US" smtClean="0"/>
               <a:pPr/>
               <a:t>‹#›</a:t>
             </a:fld>
@@ -4470,7 +4712,7 @@
     </p:spTree>
     <p:extLst>
       <p:ext uri="{BB962C8B-B14F-4D97-AF65-F5344CB8AC3E}">
-        <p14:creationId xmlns:p14="http://schemas.microsoft.com/office/powerpoint/2010/main" val="1646922717"/>
+        <p14:creationId xmlns:p14="http://schemas.microsoft.com/office/powerpoint/2010/main" val="1089553763"/>
       </p:ext>
     </p:extLst>
   </p:cSld>
@@ -4509,15 +4751,15 @@
         </p:nvSpPr>
         <p:spPr>
           <a:xfrm>
-            <a:off x="1433513" y="3200400"/>
-            <a:ext cx="4389437" cy="377825"/>
+            <a:off x="1433830" y="3200400"/>
+            <a:ext cx="4389120" cy="377825"/>
           </a:xfrm>
         </p:spPr>
         <p:txBody>
           <a:bodyPr anchor="b"/>
           <a:lstStyle>
             <a:lvl1pPr algn="l">
-              <a:defRPr sz="2000" b="1"/>
+              <a:defRPr sz="1500" b="1"/>
             </a:lvl1pPr>
           </a:lstStyle>
           <a:p>
@@ -4541,8 +4783,8 @@
         </p:nvSpPr>
         <p:spPr>
           <a:xfrm>
-            <a:off x="1433513" y="407988"/>
-            <a:ext cx="4389437" cy="2743200"/>
+            <a:off x="1433830" y="408517"/>
+            <a:ext cx="4389120" cy="2743200"/>
           </a:xfrm>
         </p:spPr>
         <p:txBody>
@@ -4550,39 +4792,39 @@
           <a:lstStyle>
             <a:lvl1pPr marL="0" indent="0">
               <a:buNone/>
-              <a:defRPr sz="3200"/>
+              <a:defRPr sz="2400"/>
             </a:lvl1pPr>
-            <a:lvl2pPr marL="457200" indent="0">
+            <a:lvl2pPr marL="339608" indent="0">
               <a:buNone/>
-              <a:defRPr sz="2800"/>
+              <a:defRPr sz="2100"/>
             </a:lvl2pPr>
-            <a:lvl3pPr marL="914400" indent="0">
+            <a:lvl3pPr marL="679216" indent="0">
               <a:buNone/>
-              <a:defRPr sz="2400"/>
+              <a:defRPr sz="1800"/>
             </a:lvl3pPr>
-            <a:lvl4pPr marL="1371600" indent="0">
+            <a:lvl4pPr marL="1018824" indent="0">
               <a:buNone/>
-              <a:defRPr sz="2000"/>
+              <a:defRPr sz="1500"/>
             </a:lvl4pPr>
-            <a:lvl5pPr marL="1828800" indent="0">
+            <a:lvl5pPr marL="1358433" indent="0">
               <a:buNone/>
-              <a:defRPr sz="2000"/>
+              <a:defRPr sz="1500"/>
             </a:lvl5pPr>
-            <a:lvl6pPr marL="2286000" indent="0">
+            <a:lvl6pPr marL="1698041" indent="0">
               <a:buNone/>
-              <a:defRPr sz="2000"/>
+              <a:defRPr sz="1500"/>
             </a:lvl6pPr>
-            <a:lvl7pPr marL="2743200" indent="0">
+            <a:lvl7pPr marL="2037649" indent="0">
               <a:buNone/>
-              <a:defRPr sz="2000"/>
+              <a:defRPr sz="1500"/>
             </a:lvl7pPr>
-            <a:lvl8pPr marL="3200400" indent="0">
+            <a:lvl8pPr marL="2377257" indent="0">
               <a:buNone/>
-              <a:defRPr sz="2000"/>
+              <a:defRPr sz="1500"/>
             </a:lvl8pPr>
-            <a:lvl9pPr marL="3657600" indent="0">
+            <a:lvl9pPr marL="2716865" indent="0">
               <a:buNone/>
-              <a:defRPr sz="2000"/>
+              <a:defRPr sz="1500"/>
             </a:lvl9pPr>
           </a:lstStyle>
           <a:p>
@@ -4602,8 +4844,8 @@
         </p:nvSpPr>
         <p:spPr>
           <a:xfrm>
-            <a:off x="1433513" y="3578225"/>
-            <a:ext cx="4389437" cy="536575"/>
+            <a:off x="1433830" y="3578225"/>
+            <a:ext cx="4389120" cy="536575"/>
           </a:xfrm>
         </p:spPr>
         <p:txBody>
@@ -4611,39 +4853,39 @@
           <a:lstStyle>
             <a:lvl1pPr marL="0" indent="0">
               <a:buNone/>
-              <a:defRPr sz="1400"/>
+              <a:defRPr sz="1000"/>
             </a:lvl1pPr>
-            <a:lvl2pPr marL="457200" indent="0">
-              <a:buNone/>
-              <a:defRPr sz="1200"/>
-            </a:lvl2pPr>
-            <a:lvl3pPr marL="914400" indent="0">
-              <a:buNone/>
-              <a:defRPr sz="1000"/>
-            </a:lvl3pPr>
-            <a:lvl4pPr marL="1371600" indent="0">
+            <a:lvl2pPr marL="339608" indent="0">
               <a:buNone/>
               <a:defRPr sz="900"/>
+            </a:lvl2pPr>
+            <a:lvl3pPr marL="679216" indent="0">
+              <a:buNone/>
+              <a:defRPr sz="700"/>
+            </a:lvl3pPr>
+            <a:lvl4pPr marL="1018824" indent="0">
+              <a:buNone/>
+              <a:defRPr sz="700"/>
             </a:lvl4pPr>
-            <a:lvl5pPr marL="1828800" indent="0">
+            <a:lvl5pPr marL="1358433" indent="0">
               <a:buNone/>
-              <a:defRPr sz="900"/>
+              <a:defRPr sz="700"/>
             </a:lvl5pPr>
-            <a:lvl6pPr marL="2286000" indent="0">
+            <a:lvl6pPr marL="1698041" indent="0">
               <a:buNone/>
-              <a:defRPr sz="900"/>
+              <a:defRPr sz="700"/>
             </a:lvl6pPr>
-            <a:lvl7pPr marL="2743200" indent="0">
+            <a:lvl7pPr marL="2037649" indent="0">
               <a:buNone/>
-              <a:defRPr sz="900"/>
+              <a:defRPr sz="700"/>
             </a:lvl7pPr>
-            <a:lvl8pPr marL="3200400" indent="0">
+            <a:lvl8pPr marL="2377257" indent="0">
               <a:buNone/>
-              <a:defRPr sz="900"/>
+              <a:defRPr sz="700"/>
             </a:lvl8pPr>
-            <a:lvl9pPr marL="3657600" indent="0">
+            <a:lvl9pPr marL="2716865" indent="0">
               <a:buNone/>
-              <a:defRPr sz="900"/>
+              <a:defRPr sz="700"/>
             </a:lvl9pPr>
           </a:lstStyle>
           <a:p>
@@ -4662,17 +4904,13 @@
             <a:spLocks noGrp="1"/>
           </p:cNvSpPr>
           <p:nvPr>
-            <p:ph type="dt" idx="10"/>
+            <p:ph type="dt" sz="half" idx="10"/>
           </p:nvPr>
         </p:nvSpPr>
         <p:spPr/>
         <p:txBody>
           <a:bodyPr/>
-          <a:lstStyle>
-            <a:lvl1pPr>
-              <a:defRPr/>
-            </a:lvl1pPr>
-          </a:lstStyle>
+          <a:lstStyle/>
           <a:p>
             <a:endParaRPr lang="en-US"/>
           </a:p>
@@ -4685,17 +4923,13 @@
             <a:spLocks noGrp="1"/>
           </p:cNvSpPr>
           <p:nvPr>
-            <p:ph type="ftr" idx="11"/>
+            <p:ph type="ftr" sz="quarter" idx="11"/>
           </p:nvPr>
         </p:nvSpPr>
         <p:spPr/>
         <p:txBody>
           <a:bodyPr/>
-          <a:lstStyle>
-            <a:lvl1pPr>
-              <a:defRPr/>
-            </a:lvl1pPr>
-          </a:lstStyle>
+          <a:lstStyle/>
           <a:p>
             <a:endParaRPr lang="en-US"/>
           </a:p>
@@ -4708,20 +4942,16 @@
             <a:spLocks noGrp="1"/>
           </p:cNvSpPr>
           <p:nvPr>
-            <p:ph type="sldNum" idx="12"/>
+            <p:ph type="sldNum" sz="quarter" idx="12"/>
           </p:nvPr>
         </p:nvSpPr>
         <p:spPr/>
         <p:txBody>
           <a:bodyPr/>
-          <a:lstStyle>
-            <a:lvl1pPr>
-              <a:defRPr/>
-            </a:lvl1pPr>
-          </a:lstStyle>
+          <a:lstStyle/>
           <a:p>
             <a:fld id="{2546BE6E-537C-A34D-86F4-B8B14F2F9DB2}" type="slidenum">
-              <a:rPr lang="en-US"/>
+              <a:rPr lang="en-US" smtClean="0"/>
               <a:pPr/>
               <a:t>‹#›</a:t>
             </a:fld>
@@ -4732,7 +4962,7 @@
     </p:spTree>
     <p:extLst>
       <p:ext uri="{BB962C8B-B14F-4D97-AF65-F5344CB8AC3E}">
-        <p14:creationId xmlns:p14="http://schemas.microsoft.com/office/powerpoint/2010/main" val="632952879"/>
+        <p14:creationId xmlns:p14="http://schemas.microsoft.com/office/powerpoint/2010/main" val="1443054691"/>
       </p:ext>
     </p:extLst>
   </p:cSld>
@@ -4746,12 +4976,9 @@
 <p:sldMaster xmlns:a="http://schemas.openxmlformats.org/drawingml/2006/main" xmlns:r="http://schemas.openxmlformats.org/officeDocument/2006/relationships" xmlns:p="http://schemas.openxmlformats.org/presentationml/2006/main">
   <p:cSld>
     <p:bg>
-      <p:bgPr>
-        <a:solidFill>
-          <a:srgbClr val="FFFFFF"/>
-        </a:solidFill>
-        <a:effectLst/>
-      </p:bgPr>
+      <p:bgRef idx="1001">
+        <a:schemeClr val="bg2"/>
+      </p:bgRef>
     </p:bg>
     <p:spTree>
       <p:nvGrpSpPr>
@@ -4769,286 +4996,127 @@
       </p:grpSpPr>
       <p:sp>
         <p:nvSpPr>
-          <p:cNvPr id="1025" name="Rectangle 1"/>
-          <p:cNvSpPr>
-            <a:spLocks noGrp="1" noChangeArrowheads="1"/>
+          <p:cNvPr id="2" name="Title Placeholder 1"/>
+          <p:cNvSpPr>
+            <a:spLocks noGrp="1"/>
           </p:cNvSpPr>
           <p:nvPr>
             <p:ph type="title"/>
           </p:nvPr>
         </p:nvSpPr>
-        <p:spPr bwMode="auto">
+        <p:spPr>
           <a:xfrm>
-            <a:off x="365125" y="182563"/>
-            <a:ext cx="6575425" cy="755650"/>
+            <a:off x="365760" y="183092"/>
+            <a:ext cx="6583680" cy="762000"/>
           </a:xfrm>
           <a:prstGeom prst="rect">
             <a:avLst/>
           </a:prstGeom>
-          <a:noFill/>
-          <a:ln>
-            <a:noFill/>
-          </a:ln>
-          <a:effectLst/>
-          <a:extLst>
-            <a:ext uri="{909E8E84-426E-40dd-AFC4-6F175D3DCCD1}">
-              <a14:hiddenFill xmlns:a14="http://schemas.microsoft.com/office/drawing/2010/main">
-                <a:solidFill>
-                  <a:srgbClr val="FFFFFF"/>
-                </a:solidFill>
-              </a14:hiddenFill>
-            </a:ext>
-            <a:ext uri="{91240B29-F687-4f45-9708-019B960494DF}">
-              <a14:hiddenLine xmlns:a14="http://schemas.microsoft.com/office/drawing/2010/main" w="9525">
-                <a:solidFill>
-                  <a:srgbClr val="808080"/>
-                </a:solidFill>
-                <a:round/>
-                <a:headEnd/>
-                <a:tailEnd/>
-              </a14:hiddenLine>
-            </a:ext>
-            <a:ext uri="{AF507438-7753-43e0-B8FC-AC1667EBCBE1}">
-              <a14:hiddenEffects xmlns:a14="http://schemas.microsoft.com/office/drawing/2010/main">
-                <a:effectLst>
-                  <a:outerShdw blurRad="63500" dist="38099" dir="2700000" algn="ctr" rotWithShape="0">
-                    <a:schemeClr val="bg2">
-                      <a:alpha val="74998"/>
-                    </a:schemeClr>
-                  </a:outerShdw>
-                </a:effectLst>
-              </a14:hiddenEffects>
-            </a:ext>
-            <a:ext uri="{FAA26D3D-D897-4be2-8F04-BA451C77F1D7}">
-              <ma14:placeholderFlag xmlns:ma14="http://schemas.microsoft.com/office/mac/drawingml/2011/main" val="1"/>
-            </a:ext>
-          </a:extLst>
         </p:spPr>
         <p:txBody>
-          <a:bodyPr vert="horz" wrap="square" lIns="0" tIns="0" rIns="0" bIns="0" numCol="1" anchor="ctr" anchorCtr="0" compatLnSpc="1">
-            <a:prstTxWarp prst="textNoShape">
-              <a:avLst/>
-            </a:prstTxWarp>
+          <a:bodyPr vert="horz" lIns="67922" tIns="33961" rIns="67922" bIns="33961" rtlCol="0" anchor="ctr">
+            <a:normAutofit/>
           </a:bodyPr>
           <a:lstStyle/>
           <a:p>
-            <a:pPr lvl="0"/>
-            <a:r>
-              <a:rPr lang="en-GB"/>
-              <a:t>Click to edit the title text format</a:t>
-            </a:r>
-          </a:p>
-        </p:txBody>
-      </p:sp>
-      <p:sp>
-        <p:nvSpPr>
-          <p:cNvPr id="1026" name="Rectangle 2"/>
-          <p:cNvSpPr>
-            <a:spLocks noGrp="1" noChangeArrowheads="1"/>
+            <a:r>
+              <a:rPr lang="en-US" smtClean="0"/>
+              <a:t>Click to edit Master title style</a:t>
+            </a:r>
+            <a:endParaRPr lang="en-US"/>
+          </a:p>
+        </p:txBody>
+      </p:sp>
+      <p:sp>
+        <p:nvSpPr>
+          <p:cNvPr id="3" name="Text Placeholder 2"/>
+          <p:cNvSpPr>
+            <a:spLocks noGrp="1"/>
           </p:cNvSpPr>
           <p:nvPr>
             <p:ph type="body" idx="1"/>
           </p:nvPr>
         </p:nvSpPr>
-        <p:spPr bwMode="auto">
+        <p:spPr>
           <a:xfrm>
-            <a:off x="365125" y="1069975"/>
-            <a:ext cx="6429375" cy="2643188"/>
+            <a:off x="365760" y="1066800"/>
+            <a:ext cx="6583680" cy="3017309"/>
           </a:xfrm>
           <a:prstGeom prst="rect">
             <a:avLst/>
           </a:prstGeom>
-          <a:noFill/>
-          <a:ln>
-            <a:noFill/>
-          </a:ln>
-          <a:effectLst/>
-          <a:extLst>
-            <a:ext uri="{909E8E84-426E-40dd-AFC4-6F175D3DCCD1}">
-              <a14:hiddenFill xmlns:a14="http://schemas.microsoft.com/office/drawing/2010/main">
-                <a:solidFill>
-                  <a:srgbClr val="FFFFFF"/>
-                </a:solidFill>
-              </a14:hiddenFill>
-            </a:ext>
-            <a:ext uri="{91240B29-F687-4f45-9708-019B960494DF}">
-              <a14:hiddenLine xmlns:a14="http://schemas.microsoft.com/office/drawing/2010/main" w="9525">
-                <a:solidFill>
-                  <a:srgbClr val="808080"/>
-                </a:solidFill>
-                <a:round/>
-                <a:headEnd/>
-                <a:tailEnd/>
-              </a14:hiddenLine>
-            </a:ext>
-            <a:ext uri="{AF507438-7753-43e0-B8FC-AC1667EBCBE1}">
-              <a14:hiddenEffects xmlns:a14="http://schemas.microsoft.com/office/drawing/2010/main">
-                <a:effectLst>
-                  <a:outerShdw blurRad="63500" dist="38099" dir="2700000" algn="ctr" rotWithShape="0">
-                    <a:schemeClr val="bg2">
-                      <a:alpha val="74998"/>
-                    </a:schemeClr>
-                  </a:outerShdw>
-                </a:effectLst>
-              </a14:hiddenEffects>
-            </a:ext>
-            <a:ext uri="{FAA26D3D-D897-4be2-8F04-BA451C77F1D7}">
-              <ma14:placeholderFlag xmlns:ma14="http://schemas.microsoft.com/office/mac/drawingml/2011/main" val="1"/>
-            </a:ext>
-          </a:extLst>
         </p:spPr>
         <p:txBody>
-          <a:bodyPr vert="horz" wrap="square" lIns="0" tIns="16920" rIns="0" bIns="0" numCol="1" anchor="t" anchorCtr="0" compatLnSpc="1">
-            <a:prstTxWarp prst="textNoShape">
-              <a:avLst/>
-            </a:prstTxWarp>
+          <a:bodyPr vert="horz" lIns="67922" tIns="33961" rIns="67922" bIns="33961" rtlCol="0">
+            <a:normAutofit/>
           </a:bodyPr>
           <a:lstStyle/>
           <a:p>
             <a:pPr lvl="0"/>
             <a:r>
-              <a:rPr lang="en-GB"/>
-              <a:t>Click to edit the outline text format</a:t>
+              <a:rPr lang="en-US" smtClean="0"/>
+              <a:t>Click to edit Master text styles</a:t>
             </a:r>
           </a:p>
           <a:p>
             <a:pPr lvl="1"/>
             <a:r>
-              <a:rPr lang="en-GB"/>
-              <a:t>Second Outline Level</a:t>
+              <a:rPr lang="en-US" smtClean="0"/>
+              <a:t>Second level</a:t>
             </a:r>
           </a:p>
           <a:p>
             <a:pPr lvl="2"/>
             <a:r>
-              <a:rPr lang="en-GB"/>
-              <a:t>Third Outline Level</a:t>
+              <a:rPr lang="en-US" smtClean="0"/>
+              <a:t>Third level</a:t>
             </a:r>
           </a:p>
           <a:p>
             <a:pPr lvl="3"/>
             <a:r>
-              <a:rPr lang="en-GB"/>
-              <a:t>Fourth Outline Level</a:t>
+              <a:rPr lang="en-US" smtClean="0"/>
+              <a:t>Fourth level</a:t>
             </a:r>
           </a:p>
           <a:p>
             <a:pPr lvl="4"/>
             <a:r>
-              <a:rPr lang="en-GB"/>
-              <a:t>Fifth Outline Level</a:t>
-            </a:r>
-          </a:p>
-          <a:p>
-            <a:pPr lvl="4"/>
-            <a:r>
-              <a:rPr lang="en-GB"/>
-              <a:t>Sixth Outline Level</a:t>
-            </a:r>
-          </a:p>
-          <a:p>
-            <a:pPr lvl="4"/>
-            <a:r>
-              <a:rPr lang="en-GB"/>
-              <a:t>Seventh Outline Level</a:t>
-            </a:r>
-          </a:p>
-        </p:txBody>
-      </p:sp>
-      <p:sp>
-        <p:nvSpPr>
-          <p:cNvPr id="1027" name="Rectangle 3"/>
-          <p:cNvSpPr>
-            <a:spLocks noGrp="1" noChangeArrowheads="1"/>
-          </p:cNvSpPr>
-          <p:nvPr>
-            <p:ph type="dt"/>
-          </p:nvPr>
-        </p:nvSpPr>
-        <p:spPr bwMode="auto">
+              <a:rPr lang="en-US" smtClean="0"/>
+              <a:t>Fifth level</a:t>
+            </a:r>
+            <a:endParaRPr lang="en-US"/>
+          </a:p>
+        </p:txBody>
+      </p:sp>
+      <p:sp>
+        <p:nvSpPr>
+          <p:cNvPr id="4" name="Date Placeholder 3"/>
+          <p:cNvSpPr>
+            <a:spLocks noGrp="1"/>
+          </p:cNvSpPr>
+          <p:nvPr>
+            <p:ph type="dt" sz="half" idx="2"/>
+          </p:nvPr>
+        </p:nvSpPr>
+        <p:spPr>
           <a:xfrm>
-            <a:off x="365125" y="4165600"/>
-            <a:ext cx="1697038" cy="307975"/>
+            <a:off x="365760" y="4237567"/>
+            <a:ext cx="1706880" cy="243417"/>
           </a:xfrm>
           <a:prstGeom prst="rect">
             <a:avLst/>
           </a:prstGeom>
-          <a:noFill/>
-          <a:ln>
-            <a:noFill/>
-          </a:ln>
-          <a:effectLst/>
-          <a:extLst>
-            <a:ext uri="{909E8E84-426E-40dd-AFC4-6F175D3DCCD1}">
-              <a14:hiddenFill xmlns:a14="http://schemas.microsoft.com/office/drawing/2010/main">
+        </p:spPr>
+        <p:txBody>
+          <a:bodyPr vert="horz" lIns="67922" tIns="33961" rIns="67922" bIns="33961" rtlCol="0" anchor="ctr"/>
+          <a:lstStyle>
+            <a:lvl1pPr algn="l">
+              <a:defRPr sz="900">
                 <a:solidFill>
-                  <a:srgbClr val="FFFFFF"/>
-                </a:solidFill>
-              </a14:hiddenFill>
-            </a:ext>
-            <a:ext uri="{91240B29-F687-4f45-9708-019B960494DF}">
-              <a14:hiddenLine xmlns:a14="http://schemas.microsoft.com/office/drawing/2010/main" w="9525">
-                <a:solidFill>
-                  <a:srgbClr val="808080"/>
-                </a:solidFill>
-                <a:round/>
-                <a:headEnd/>
-                <a:tailEnd/>
-              </a14:hiddenLine>
-            </a:ext>
-            <a:ext uri="{AF507438-7753-43e0-B8FC-AC1667EBCBE1}">
-              <a14:hiddenEffects xmlns:a14="http://schemas.microsoft.com/office/drawing/2010/main">
-                <a:effectLst>
-                  <a:outerShdw blurRad="63500" dist="38099" dir="2700000" algn="ctr" rotWithShape="0">
-                    <a:schemeClr val="bg2">
-                      <a:alpha val="74998"/>
-                    </a:schemeClr>
-                  </a:outerShdw>
-                </a:effectLst>
-              </a14:hiddenEffects>
-            </a:ext>
-            <a:ext uri="{FAA26D3D-D897-4be2-8F04-BA451C77F1D7}">
-              <ma14:placeholderFlag xmlns:ma14="http://schemas.microsoft.com/office/mac/drawingml/2011/main" val="1"/>
-            </a:ext>
-          </a:extLst>
-        </p:spPr>
-        <p:txBody>
-          <a:bodyPr vert="horz" wrap="square" lIns="0" tIns="0" rIns="0" bIns="0" numCol="1" anchor="t" anchorCtr="0" compatLnSpc="1">
-            <a:prstTxWarp prst="textNoShape">
-              <a:avLst/>
-            </a:prstTxWarp>
-          </a:bodyPr>
-          <a:lstStyle>
-            <a:lvl1pPr>
-              <a:buClrTx/>
-              <a:buFontTx/>
-              <a:buNone/>
-              <a:tabLst>
-                <a:tab pos="0" algn="l"/>
-                <a:tab pos="457200" algn="l"/>
-                <a:tab pos="914400" algn="l"/>
-                <a:tab pos="1371600" algn="l"/>
-                <a:tab pos="1828800" algn="l"/>
-                <a:tab pos="2286000" algn="l"/>
-                <a:tab pos="2743200" algn="l"/>
-                <a:tab pos="3200400" algn="l"/>
-                <a:tab pos="3657600" algn="l"/>
-                <a:tab pos="4114800" algn="l"/>
-                <a:tab pos="4572000" algn="l"/>
-                <a:tab pos="5029200" algn="l"/>
-                <a:tab pos="5486400" algn="l"/>
-                <a:tab pos="5943600" algn="l"/>
-                <a:tab pos="6400800" algn="l"/>
-                <a:tab pos="6858000" algn="l"/>
-                <a:tab pos="7315200" algn="l"/>
-                <a:tab pos="7772400" algn="l"/>
-                <a:tab pos="8229600" algn="l"/>
-                <a:tab pos="8686800" algn="l"/>
-                <a:tab pos="9144000" algn="l"/>
-              </a:tabLst>
-              <a:defRPr>
-                <a:solidFill>
-                  <a:srgbClr val="000000"/>
+                  <a:schemeClr val="tx1">
+                    <a:tint val="75000"/>
+                  </a:schemeClr>
                 </a:solidFill>
               </a:defRPr>
             </a:lvl1pPr>
@@ -5060,98 +5128,32 @@
       </p:sp>
       <p:sp>
         <p:nvSpPr>
-          <p:cNvPr id="1028" name="Rectangle 4"/>
-          <p:cNvSpPr>
-            <a:spLocks noGrp="1" noChangeArrowheads="1"/>
-          </p:cNvSpPr>
-          <p:nvPr>
-            <p:ph type="ftr"/>
-          </p:nvPr>
-        </p:nvSpPr>
-        <p:spPr bwMode="auto">
+          <p:cNvPr id="5" name="Footer Placeholder 4"/>
+          <p:cNvSpPr>
+            <a:spLocks noGrp="1"/>
+          </p:cNvSpPr>
+          <p:nvPr>
+            <p:ph type="ftr" sz="quarter" idx="3"/>
+          </p:nvPr>
+        </p:nvSpPr>
+        <p:spPr>
           <a:xfrm>
-            <a:off x="2501900" y="4165600"/>
-            <a:ext cx="2311400" cy="307975"/>
+            <a:off x="2499360" y="4237567"/>
+            <a:ext cx="2316480" cy="243417"/>
           </a:xfrm>
           <a:prstGeom prst="rect">
             <a:avLst/>
           </a:prstGeom>
-          <a:noFill/>
-          <a:ln>
-            <a:noFill/>
-          </a:ln>
-          <a:effectLst/>
-          <a:extLst>
-            <a:ext uri="{909E8E84-426E-40dd-AFC4-6F175D3DCCD1}">
-              <a14:hiddenFill xmlns:a14="http://schemas.microsoft.com/office/drawing/2010/main">
+        </p:spPr>
+        <p:txBody>
+          <a:bodyPr vert="horz" lIns="67922" tIns="33961" rIns="67922" bIns="33961" rtlCol="0" anchor="ctr"/>
+          <a:lstStyle>
+            <a:lvl1pPr algn="ctr">
+              <a:defRPr sz="900">
                 <a:solidFill>
-                  <a:srgbClr val="FFFFFF"/>
-                </a:solidFill>
-              </a14:hiddenFill>
-            </a:ext>
-            <a:ext uri="{91240B29-F687-4f45-9708-019B960494DF}">
-              <a14:hiddenLine xmlns:a14="http://schemas.microsoft.com/office/drawing/2010/main" w="9525">
-                <a:solidFill>
-                  <a:srgbClr val="808080"/>
-                </a:solidFill>
-                <a:round/>
-                <a:headEnd/>
-                <a:tailEnd/>
-              </a14:hiddenLine>
-            </a:ext>
-            <a:ext uri="{AF507438-7753-43e0-B8FC-AC1667EBCBE1}">
-              <a14:hiddenEffects xmlns:a14="http://schemas.microsoft.com/office/drawing/2010/main">
-                <a:effectLst>
-                  <a:outerShdw blurRad="63500" dist="38099" dir="2700000" algn="ctr" rotWithShape="0">
-                    <a:schemeClr val="bg2">
-                      <a:alpha val="74998"/>
-                    </a:schemeClr>
-                  </a:outerShdw>
-                </a:effectLst>
-              </a14:hiddenEffects>
-            </a:ext>
-            <a:ext uri="{FAA26D3D-D897-4be2-8F04-BA451C77F1D7}">
-              <ma14:placeholderFlag xmlns:ma14="http://schemas.microsoft.com/office/mac/drawingml/2011/main" val="1"/>
-            </a:ext>
-          </a:extLst>
-        </p:spPr>
-        <p:txBody>
-          <a:bodyPr vert="horz" wrap="square" lIns="0" tIns="0" rIns="0" bIns="0" numCol="1" anchor="t" anchorCtr="0" compatLnSpc="1">
-            <a:prstTxWarp prst="textNoShape">
-              <a:avLst/>
-            </a:prstTxWarp>
-          </a:bodyPr>
-          <a:lstStyle>
-            <a:lvl1pPr>
-              <a:buClrTx/>
-              <a:buFontTx/>
-              <a:buNone/>
-              <a:tabLst>
-                <a:tab pos="0" algn="l"/>
-                <a:tab pos="457200" algn="l"/>
-                <a:tab pos="914400" algn="l"/>
-                <a:tab pos="1371600" algn="l"/>
-                <a:tab pos="1828800" algn="l"/>
-                <a:tab pos="2286000" algn="l"/>
-                <a:tab pos="2743200" algn="l"/>
-                <a:tab pos="3200400" algn="l"/>
-                <a:tab pos="3657600" algn="l"/>
-                <a:tab pos="4114800" algn="l"/>
-                <a:tab pos="4572000" algn="l"/>
-                <a:tab pos="5029200" algn="l"/>
-                <a:tab pos="5486400" algn="l"/>
-                <a:tab pos="5943600" algn="l"/>
-                <a:tab pos="6400800" algn="l"/>
-                <a:tab pos="6858000" algn="l"/>
-                <a:tab pos="7315200" algn="l"/>
-                <a:tab pos="7772400" algn="l"/>
-                <a:tab pos="8229600" algn="l"/>
-                <a:tab pos="8686800" algn="l"/>
-                <a:tab pos="9144000" algn="l"/>
-              </a:tabLst>
-              <a:defRPr>
-                <a:solidFill>
-                  <a:srgbClr val="000000"/>
+                  <a:schemeClr val="tx1">
+                    <a:tint val="75000"/>
+                  </a:schemeClr>
                 </a:solidFill>
               </a:defRPr>
             </a:lvl1pPr>
@@ -5163,105 +5165,39 @@
       </p:sp>
       <p:sp>
         <p:nvSpPr>
-          <p:cNvPr id="1029" name="Rectangle 5"/>
-          <p:cNvSpPr>
-            <a:spLocks noGrp="1" noChangeArrowheads="1"/>
-          </p:cNvSpPr>
-          <p:nvPr>
-            <p:ph type="sldNum"/>
-          </p:nvPr>
-        </p:nvSpPr>
-        <p:spPr bwMode="auto">
+          <p:cNvPr id="6" name="Slide Number Placeholder 5"/>
+          <p:cNvSpPr>
+            <a:spLocks noGrp="1"/>
+          </p:cNvSpPr>
+          <p:nvPr>
+            <p:ph type="sldNum" sz="quarter" idx="4"/>
+          </p:nvPr>
+        </p:nvSpPr>
+        <p:spPr>
           <a:xfrm>
-            <a:off x="5245100" y="4165600"/>
-            <a:ext cx="1697038" cy="307975"/>
+            <a:off x="5242560" y="4237567"/>
+            <a:ext cx="1706880" cy="243417"/>
           </a:xfrm>
           <a:prstGeom prst="rect">
             <a:avLst/>
           </a:prstGeom>
-          <a:noFill/>
-          <a:ln>
-            <a:noFill/>
-          </a:ln>
-          <a:effectLst/>
-          <a:extLst>
-            <a:ext uri="{909E8E84-426E-40dd-AFC4-6F175D3DCCD1}">
-              <a14:hiddenFill xmlns:a14="http://schemas.microsoft.com/office/drawing/2010/main">
+        </p:spPr>
+        <p:txBody>
+          <a:bodyPr vert="horz" lIns="67922" tIns="33961" rIns="67922" bIns="33961" rtlCol="0" anchor="ctr"/>
+          <a:lstStyle>
+            <a:lvl1pPr algn="r">
+              <a:defRPr sz="900">
                 <a:solidFill>
-                  <a:srgbClr val="FFFFFF"/>
-                </a:solidFill>
-              </a14:hiddenFill>
-            </a:ext>
-            <a:ext uri="{91240B29-F687-4f45-9708-019B960494DF}">
-              <a14:hiddenLine xmlns:a14="http://schemas.microsoft.com/office/drawing/2010/main" w="9525">
-                <a:solidFill>
-                  <a:srgbClr val="808080"/>
-                </a:solidFill>
-                <a:round/>
-                <a:headEnd/>
-                <a:tailEnd/>
-              </a14:hiddenLine>
-            </a:ext>
-            <a:ext uri="{AF507438-7753-43e0-B8FC-AC1667EBCBE1}">
-              <a14:hiddenEffects xmlns:a14="http://schemas.microsoft.com/office/drawing/2010/main">
-                <a:effectLst>
-                  <a:outerShdw blurRad="63500" dist="38099" dir="2700000" algn="ctr" rotWithShape="0">
-                    <a:schemeClr val="bg2">
-                      <a:alpha val="74998"/>
-                    </a:schemeClr>
-                  </a:outerShdw>
-                </a:effectLst>
-              </a14:hiddenEffects>
-            </a:ext>
-            <a:ext uri="{FAA26D3D-D897-4be2-8F04-BA451C77F1D7}">
-              <ma14:placeholderFlag xmlns:ma14="http://schemas.microsoft.com/office/mac/drawingml/2011/main" val="1"/>
-            </a:ext>
-          </a:extLst>
-        </p:spPr>
-        <p:txBody>
-          <a:bodyPr vert="horz" wrap="square" lIns="0" tIns="0" rIns="0" bIns="0" numCol="1" anchor="t" anchorCtr="0" compatLnSpc="1">
-            <a:prstTxWarp prst="textNoShape">
-              <a:avLst/>
-            </a:prstTxWarp>
-          </a:bodyPr>
-          <a:lstStyle>
-            <a:lvl1pPr>
-              <a:buClrTx/>
-              <a:buFontTx/>
-              <a:buNone/>
-              <a:tabLst>
-                <a:tab pos="0" algn="l"/>
-                <a:tab pos="457200" algn="l"/>
-                <a:tab pos="914400" algn="l"/>
-                <a:tab pos="1371600" algn="l"/>
-                <a:tab pos="1828800" algn="l"/>
-                <a:tab pos="2286000" algn="l"/>
-                <a:tab pos="2743200" algn="l"/>
-                <a:tab pos="3200400" algn="l"/>
-                <a:tab pos="3657600" algn="l"/>
-                <a:tab pos="4114800" algn="l"/>
-                <a:tab pos="4572000" algn="l"/>
-                <a:tab pos="5029200" algn="l"/>
-                <a:tab pos="5486400" algn="l"/>
-                <a:tab pos="5943600" algn="l"/>
-                <a:tab pos="6400800" algn="l"/>
-                <a:tab pos="6858000" algn="l"/>
-                <a:tab pos="7315200" algn="l"/>
-                <a:tab pos="7772400" algn="l"/>
-                <a:tab pos="8229600" algn="l"/>
-                <a:tab pos="8686800" algn="l"/>
-                <a:tab pos="9144000" algn="l"/>
-              </a:tabLst>
-              <a:defRPr>
-                <a:solidFill>
-                  <a:srgbClr val="000000"/>
+                  <a:schemeClr val="tx1">
+                    <a:tint val="75000"/>
+                  </a:schemeClr>
                 </a:solidFill>
               </a:defRPr>
             </a:lvl1pPr>
           </a:lstStyle>
           <a:p>
             <a:fld id="{18E9AAF1-18E9-5140-9386-EFAB002447EA}" type="slidenum">
-              <a:rPr lang="en-US"/>
+              <a:rPr lang="en-US" smtClean="0"/>
               <a:pPr/>
               <a:t>‹#›</a:t>
             </a:fld>
@@ -5270,451 +5206,173 @@
         </p:txBody>
       </p:sp>
     </p:spTree>
+    <p:extLst>
+      <p:ext uri="{BB962C8B-B14F-4D97-AF65-F5344CB8AC3E}">
+        <p14:creationId xmlns:p14="http://schemas.microsoft.com/office/powerpoint/2010/main" val="4207711052"/>
+      </p:ext>
+    </p:extLst>
   </p:cSld>
   <p:clrMap bg1="lt1" tx1="dk1" bg2="lt2" tx2="dk2" accent1="accent1" accent2="accent2" accent3="accent3" accent4="accent4" accent5="accent5" accent6="accent6" hlink="hlink" folHlink="folHlink"/>
   <p:sldLayoutIdLst>
-    <p:sldLayoutId id="2147483649" r:id="rId1"/>
-    <p:sldLayoutId id="2147483650" r:id="rId2"/>
-    <p:sldLayoutId id="2147483651" r:id="rId3"/>
-    <p:sldLayoutId id="2147483652" r:id="rId4"/>
-    <p:sldLayoutId id="2147483653" r:id="rId5"/>
-    <p:sldLayoutId id="2147483654" r:id="rId6"/>
-    <p:sldLayoutId id="2147483655" r:id="rId7"/>
-    <p:sldLayoutId id="2147483656" r:id="rId8"/>
-    <p:sldLayoutId id="2147483657" r:id="rId9"/>
-    <p:sldLayoutId id="2147483658" r:id="rId10"/>
-    <p:sldLayoutId id="2147483659" r:id="rId11"/>
+    <p:sldLayoutId id="2147483661" r:id="rId1"/>
+    <p:sldLayoutId id="2147483662" r:id="rId2"/>
+    <p:sldLayoutId id="2147483663" r:id="rId3"/>
+    <p:sldLayoutId id="2147483664" r:id="rId4"/>
+    <p:sldLayoutId id="2147483665" r:id="rId5"/>
+    <p:sldLayoutId id="2147483666" r:id="rId6"/>
+    <p:sldLayoutId id="2147483667" r:id="rId7"/>
+    <p:sldLayoutId id="2147483668" r:id="rId8"/>
+    <p:sldLayoutId id="2147483669" r:id="rId9"/>
+    <p:sldLayoutId id="2147483670" r:id="rId10"/>
+    <p:sldLayoutId id="2147483671" r:id="rId11"/>
   </p:sldLayoutIdLst>
   <p:txStyles>
     <p:titleStyle>
-      <a:lvl1pPr algn="ctr" defTabSz="457200" rtl="0" fontAlgn="base" hangingPunct="0">
-        <a:lnSpc>
-          <a:spcPct val="93000"/>
-        </a:lnSpc>
+      <a:lvl1pPr algn="ctr" defTabSz="339608" rtl="0" eaLnBrk="1" latinLnBrk="0" hangingPunct="1">
         <a:spcBef>
           <a:spcPct val="0"/>
         </a:spcBef>
-        <a:spcAft>
-          <a:spcPct val="0"/>
-        </a:spcAft>
-        <a:buClr>
-          <a:srgbClr val="000000"/>
-        </a:buClr>
-        <a:buSzPct val="100000"/>
-        <a:buFont typeface="Times New Roman" charset="0"/>
-        <a:defRPr sz="2700">
+        <a:buNone/>
+        <a:defRPr sz="3300" kern="1200">
           <a:solidFill>
-            <a:srgbClr val="000000"/>
+            <a:schemeClr val="tx1"/>
           </a:solidFill>
           <a:latin typeface="+mj-lt"/>
           <a:ea typeface="+mj-ea"/>
           <a:cs typeface="+mj-cs"/>
         </a:defRPr>
       </a:lvl1pPr>
-      <a:lvl2pPr marL="742950" indent="-285750" algn="ctr" defTabSz="457200" rtl="0" fontAlgn="base" hangingPunct="0">
-        <a:lnSpc>
-          <a:spcPct val="93000"/>
-        </a:lnSpc>
-        <a:spcBef>
-          <a:spcPct val="0"/>
-        </a:spcBef>
-        <a:spcAft>
-          <a:spcPct val="0"/>
-        </a:spcAft>
-        <a:buClr>
-          <a:srgbClr val="000000"/>
-        </a:buClr>
-        <a:buSzPct val="100000"/>
-        <a:buFont typeface="Times New Roman" charset="0"/>
-        <a:defRPr sz="2700">
-          <a:solidFill>
-            <a:srgbClr val="000000"/>
-          </a:solidFill>
-          <a:latin typeface="Arial" charset="0"/>
-          <a:ea typeface="ＭＳ Ｐゴシック" charset="0"/>
-          <a:cs typeface="Droid Sans Fallback" charset="0"/>
-        </a:defRPr>
-      </a:lvl2pPr>
-      <a:lvl3pPr marL="1143000" indent="-228600" algn="ctr" defTabSz="457200" rtl="0" fontAlgn="base" hangingPunct="0">
-        <a:lnSpc>
-          <a:spcPct val="93000"/>
-        </a:lnSpc>
-        <a:spcBef>
-          <a:spcPct val="0"/>
-        </a:spcBef>
-        <a:spcAft>
-          <a:spcPct val="0"/>
-        </a:spcAft>
-        <a:buClr>
-          <a:srgbClr val="000000"/>
-        </a:buClr>
-        <a:buSzPct val="100000"/>
-        <a:buFont typeface="Times New Roman" charset="0"/>
-        <a:defRPr sz="2700">
-          <a:solidFill>
-            <a:srgbClr val="000000"/>
-          </a:solidFill>
-          <a:latin typeface="Arial" charset="0"/>
-          <a:ea typeface="ＭＳ Ｐゴシック" charset="0"/>
-          <a:cs typeface="Droid Sans Fallback" charset="0"/>
-        </a:defRPr>
-      </a:lvl3pPr>
-      <a:lvl4pPr marL="1600200" indent="-228600" algn="ctr" defTabSz="457200" rtl="0" fontAlgn="base" hangingPunct="0">
-        <a:lnSpc>
-          <a:spcPct val="93000"/>
-        </a:lnSpc>
-        <a:spcBef>
-          <a:spcPct val="0"/>
-        </a:spcBef>
-        <a:spcAft>
-          <a:spcPct val="0"/>
-        </a:spcAft>
-        <a:buClr>
-          <a:srgbClr val="000000"/>
-        </a:buClr>
-        <a:buSzPct val="100000"/>
-        <a:buFont typeface="Times New Roman" charset="0"/>
-        <a:defRPr sz="2700">
-          <a:solidFill>
-            <a:srgbClr val="000000"/>
-          </a:solidFill>
-          <a:latin typeface="Arial" charset="0"/>
-          <a:ea typeface="ＭＳ Ｐゴシック" charset="0"/>
-          <a:cs typeface="Droid Sans Fallback" charset="0"/>
-        </a:defRPr>
-      </a:lvl4pPr>
-      <a:lvl5pPr marL="2057400" indent="-228600" algn="ctr" defTabSz="457200" rtl="0" fontAlgn="base" hangingPunct="0">
-        <a:lnSpc>
-          <a:spcPct val="93000"/>
-        </a:lnSpc>
-        <a:spcBef>
-          <a:spcPct val="0"/>
-        </a:spcBef>
-        <a:spcAft>
-          <a:spcPct val="0"/>
-        </a:spcAft>
-        <a:buClr>
-          <a:srgbClr val="000000"/>
-        </a:buClr>
-        <a:buSzPct val="100000"/>
-        <a:buFont typeface="Times New Roman" charset="0"/>
-        <a:defRPr sz="2700">
-          <a:solidFill>
-            <a:srgbClr val="000000"/>
-          </a:solidFill>
-          <a:latin typeface="Arial" charset="0"/>
-          <a:ea typeface="ＭＳ Ｐゴシック" charset="0"/>
-          <a:cs typeface="Droid Sans Fallback" charset="0"/>
-        </a:defRPr>
-      </a:lvl5pPr>
-      <a:lvl6pPr marL="2514600" indent="-228600" algn="ctr" defTabSz="457200" rtl="0" fontAlgn="base" hangingPunct="0">
-        <a:lnSpc>
-          <a:spcPct val="93000"/>
-        </a:lnSpc>
-        <a:spcBef>
-          <a:spcPct val="0"/>
-        </a:spcBef>
-        <a:spcAft>
-          <a:spcPct val="0"/>
-        </a:spcAft>
-        <a:buClr>
-          <a:srgbClr val="000000"/>
-        </a:buClr>
-        <a:buSzPct val="100000"/>
-        <a:buFont typeface="Times New Roman" charset="0"/>
-        <a:defRPr sz="2700">
-          <a:solidFill>
-            <a:srgbClr val="000000"/>
-          </a:solidFill>
-          <a:latin typeface="Arial" charset="0"/>
-          <a:ea typeface="ＭＳ Ｐゴシック" charset="0"/>
-          <a:cs typeface="Droid Sans Fallback" charset="0"/>
-        </a:defRPr>
-      </a:lvl6pPr>
-      <a:lvl7pPr marL="2971800" indent="-228600" algn="ctr" defTabSz="457200" rtl="0" fontAlgn="base" hangingPunct="0">
-        <a:lnSpc>
-          <a:spcPct val="93000"/>
-        </a:lnSpc>
-        <a:spcBef>
-          <a:spcPct val="0"/>
-        </a:spcBef>
-        <a:spcAft>
-          <a:spcPct val="0"/>
-        </a:spcAft>
-        <a:buClr>
-          <a:srgbClr val="000000"/>
-        </a:buClr>
-        <a:buSzPct val="100000"/>
-        <a:buFont typeface="Times New Roman" charset="0"/>
-        <a:defRPr sz="2700">
-          <a:solidFill>
-            <a:srgbClr val="000000"/>
-          </a:solidFill>
-          <a:latin typeface="Arial" charset="0"/>
-          <a:ea typeface="ＭＳ Ｐゴシック" charset="0"/>
-          <a:cs typeface="Droid Sans Fallback" charset="0"/>
-        </a:defRPr>
-      </a:lvl7pPr>
-      <a:lvl8pPr marL="3429000" indent="-228600" algn="ctr" defTabSz="457200" rtl="0" fontAlgn="base" hangingPunct="0">
-        <a:lnSpc>
-          <a:spcPct val="93000"/>
-        </a:lnSpc>
-        <a:spcBef>
-          <a:spcPct val="0"/>
-        </a:spcBef>
-        <a:spcAft>
-          <a:spcPct val="0"/>
-        </a:spcAft>
-        <a:buClr>
-          <a:srgbClr val="000000"/>
-        </a:buClr>
-        <a:buSzPct val="100000"/>
-        <a:buFont typeface="Times New Roman" charset="0"/>
-        <a:defRPr sz="2700">
-          <a:solidFill>
-            <a:srgbClr val="000000"/>
-          </a:solidFill>
-          <a:latin typeface="Arial" charset="0"/>
-          <a:ea typeface="ＭＳ Ｐゴシック" charset="0"/>
-          <a:cs typeface="Droid Sans Fallback" charset="0"/>
-        </a:defRPr>
-      </a:lvl8pPr>
-      <a:lvl9pPr marL="3886200" indent="-228600" algn="ctr" defTabSz="457200" rtl="0" fontAlgn="base" hangingPunct="0">
-        <a:lnSpc>
-          <a:spcPct val="93000"/>
-        </a:lnSpc>
-        <a:spcBef>
-          <a:spcPct val="0"/>
-        </a:spcBef>
-        <a:spcAft>
-          <a:spcPct val="0"/>
-        </a:spcAft>
-        <a:buClr>
-          <a:srgbClr val="000000"/>
-        </a:buClr>
-        <a:buSzPct val="100000"/>
-        <a:buFont typeface="Times New Roman" charset="0"/>
-        <a:defRPr sz="2700">
-          <a:solidFill>
-            <a:srgbClr val="000000"/>
-          </a:solidFill>
-          <a:latin typeface="Arial" charset="0"/>
-          <a:ea typeface="ＭＳ Ｐゴシック" charset="0"/>
-          <a:cs typeface="Droid Sans Fallback" charset="0"/>
-        </a:defRPr>
-      </a:lvl9pPr>
     </p:titleStyle>
     <p:bodyStyle>
-      <a:lvl1pPr marL="342900" indent="-342900" algn="l" defTabSz="457200" rtl="0" fontAlgn="base" hangingPunct="0">
-        <a:lnSpc>
-          <a:spcPct val="93000"/>
-        </a:lnSpc>
+      <a:lvl1pPr marL="254706" indent="-254706" algn="l" defTabSz="339608" rtl="0" eaLnBrk="1" latinLnBrk="0" hangingPunct="1">
         <a:spcBef>
-          <a:spcPct val="0"/>
+          <a:spcPct val="20000"/>
         </a:spcBef>
-        <a:spcAft>
-          <a:spcPts val="863"/>
-        </a:spcAft>
-        <a:buClr>
-          <a:srgbClr val="000000"/>
-        </a:buClr>
-        <a:buSzPct val="100000"/>
-        <a:buFont typeface="Times New Roman" charset="0"/>
-        <a:defRPr sz="1900">
+        <a:buFont typeface="Arial"/>
+        <a:buChar char="•"/>
+        <a:defRPr sz="2400" kern="1200">
           <a:solidFill>
-            <a:srgbClr val="000000"/>
+            <a:schemeClr val="tx1"/>
           </a:solidFill>
           <a:latin typeface="+mn-lt"/>
           <a:ea typeface="+mn-ea"/>
           <a:cs typeface="+mn-cs"/>
         </a:defRPr>
       </a:lvl1pPr>
-      <a:lvl2pPr marL="742950" indent="-285750" algn="l" defTabSz="457200" rtl="0" fontAlgn="base" hangingPunct="0">
-        <a:lnSpc>
-          <a:spcPct val="93000"/>
-        </a:lnSpc>
+      <a:lvl2pPr marL="551863" indent="-212255" algn="l" defTabSz="339608" rtl="0" eaLnBrk="1" latinLnBrk="0" hangingPunct="1">
         <a:spcBef>
-          <a:spcPct val="0"/>
+          <a:spcPct val="20000"/>
         </a:spcBef>
-        <a:spcAft>
-          <a:spcPts val="688"/>
-        </a:spcAft>
-        <a:buClr>
-          <a:srgbClr val="000000"/>
-        </a:buClr>
-        <a:buSzPct val="100000"/>
-        <a:buFont typeface="Times New Roman" charset="0"/>
-        <a:defRPr sz="1700">
+        <a:buFont typeface="Arial"/>
+        <a:buChar char="–"/>
+        <a:defRPr sz="2100" kern="1200">
           <a:solidFill>
-            <a:srgbClr val="000000"/>
+            <a:schemeClr val="tx1"/>
           </a:solidFill>
           <a:latin typeface="+mn-lt"/>
           <a:ea typeface="+mn-ea"/>
           <a:cs typeface="+mn-cs"/>
         </a:defRPr>
       </a:lvl2pPr>
-      <a:lvl3pPr marL="1143000" indent="-228600" algn="l" defTabSz="457200" rtl="0" fontAlgn="base" hangingPunct="0">
-        <a:lnSpc>
-          <a:spcPct val="93000"/>
-        </a:lnSpc>
+      <a:lvl3pPr marL="849020" indent="-169804" algn="l" defTabSz="339608" rtl="0" eaLnBrk="1" latinLnBrk="0" hangingPunct="1">
         <a:spcBef>
-          <a:spcPct val="0"/>
+          <a:spcPct val="20000"/>
         </a:spcBef>
-        <a:spcAft>
-          <a:spcPts val="513"/>
-        </a:spcAft>
-        <a:buClr>
-          <a:srgbClr val="000000"/>
-        </a:buClr>
-        <a:buSzPct val="100000"/>
-        <a:buFont typeface="Times New Roman" charset="0"/>
-        <a:defRPr sz="1500">
+        <a:buFont typeface="Arial"/>
+        <a:buChar char="•"/>
+        <a:defRPr sz="1800" kern="1200">
           <a:solidFill>
-            <a:srgbClr val="000000"/>
+            <a:schemeClr val="tx1"/>
           </a:solidFill>
           <a:latin typeface="+mn-lt"/>
           <a:ea typeface="+mn-ea"/>
           <a:cs typeface="+mn-cs"/>
         </a:defRPr>
       </a:lvl3pPr>
-      <a:lvl4pPr marL="1600200" indent="-228600" algn="l" defTabSz="457200" rtl="0" fontAlgn="base" hangingPunct="0">
-        <a:lnSpc>
-          <a:spcPct val="93000"/>
-        </a:lnSpc>
+      <a:lvl4pPr marL="1188629" indent="-169804" algn="l" defTabSz="339608" rtl="0" eaLnBrk="1" latinLnBrk="0" hangingPunct="1">
         <a:spcBef>
-          <a:spcPct val="0"/>
+          <a:spcPct val="20000"/>
         </a:spcBef>
-        <a:spcAft>
-          <a:spcPts val="338"/>
-        </a:spcAft>
-        <a:buClr>
-          <a:srgbClr val="000000"/>
-        </a:buClr>
-        <a:buSzPct val="100000"/>
-        <a:buFont typeface="Times New Roman" charset="0"/>
-        <a:defRPr sz="1200">
+        <a:buFont typeface="Arial"/>
+        <a:buChar char="–"/>
+        <a:defRPr sz="1500" kern="1200">
           <a:solidFill>
-            <a:srgbClr val="000000"/>
+            <a:schemeClr val="tx1"/>
           </a:solidFill>
           <a:latin typeface="+mn-lt"/>
           <a:ea typeface="+mn-ea"/>
           <a:cs typeface="+mn-cs"/>
         </a:defRPr>
       </a:lvl4pPr>
-      <a:lvl5pPr marL="2057400" indent="-228600" algn="l" defTabSz="457200" rtl="0" fontAlgn="base" hangingPunct="0">
-        <a:lnSpc>
-          <a:spcPct val="93000"/>
-        </a:lnSpc>
+      <a:lvl5pPr marL="1528237" indent="-169804" algn="l" defTabSz="339608" rtl="0" eaLnBrk="1" latinLnBrk="0" hangingPunct="1">
         <a:spcBef>
-          <a:spcPct val="0"/>
+          <a:spcPct val="20000"/>
         </a:spcBef>
-        <a:spcAft>
-          <a:spcPts val="175"/>
-        </a:spcAft>
-        <a:buClr>
-          <a:srgbClr val="000000"/>
-        </a:buClr>
-        <a:buSzPct val="100000"/>
-        <a:buFont typeface="Times New Roman" charset="0"/>
-        <a:defRPr sz="1200">
+        <a:buFont typeface="Arial"/>
+        <a:buChar char="»"/>
+        <a:defRPr sz="1500" kern="1200">
           <a:solidFill>
-            <a:srgbClr val="000000"/>
+            <a:schemeClr val="tx1"/>
           </a:solidFill>
           <a:latin typeface="+mn-lt"/>
           <a:ea typeface="+mn-ea"/>
           <a:cs typeface="+mn-cs"/>
         </a:defRPr>
       </a:lvl5pPr>
-      <a:lvl6pPr marL="2514600" indent="-228600" algn="l" defTabSz="457200" rtl="0" fontAlgn="base" hangingPunct="0">
-        <a:lnSpc>
-          <a:spcPct val="93000"/>
-        </a:lnSpc>
+      <a:lvl6pPr marL="1867845" indent="-169804" algn="l" defTabSz="339608" rtl="0" eaLnBrk="1" latinLnBrk="0" hangingPunct="1">
         <a:spcBef>
-          <a:spcPct val="0"/>
+          <a:spcPct val="20000"/>
         </a:spcBef>
-        <a:spcAft>
-          <a:spcPts val="175"/>
-        </a:spcAft>
-        <a:buClr>
-          <a:srgbClr val="000000"/>
-        </a:buClr>
-        <a:buSzPct val="100000"/>
-        <a:buFont typeface="Times New Roman" charset="0"/>
-        <a:defRPr sz="1200">
+        <a:buFont typeface="Arial"/>
+        <a:buChar char="•"/>
+        <a:defRPr sz="1500" kern="1200">
           <a:solidFill>
-            <a:srgbClr val="000000"/>
+            <a:schemeClr val="tx1"/>
           </a:solidFill>
           <a:latin typeface="+mn-lt"/>
           <a:ea typeface="+mn-ea"/>
           <a:cs typeface="+mn-cs"/>
         </a:defRPr>
       </a:lvl6pPr>
-      <a:lvl7pPr marL="2971800" indent="-228600" algn="l" defTabSz="457200" rtl="0" fontAlgn="base" hangingPunct="0">
-        <a:lnSpc>
-          <a:spcPct val="93000"/>
-        </a:lnSpc>
+      <a:lvl7pPr marL="2207453" indent="-169804" algn="l" defTabSz="339608" rtl="0" eaLnBrk="1" latinLnBrk="0" hangingPunct="1">
         <a:spcBef>
-          <a:spcPct val="0"/>
+          <a:spcPct val="20000"/>
         </a:spcBef>
-        <a:spcAft>
-          <a:spcPts val="175"/>
-        </a:spcAft>
-        <a:buClr>
-          <a:srgbClr val="000000"/>
-        </a:buClr>
-        <a:buSzPct val="100000"/>
-        <a:buFont typeface="Times New Roman" charset="0"/>
-        <a:defRPr sz="1200">
+        <a:buFont typeface="Arial"/>
+        <a:buChar char="•"/>
+        <a:defRPr sz="1500" kern="1200">
           <a:solidFill>
-            <a:srgbClr val="000000"/>
+            <a:schemeClr val="tx1"/>
           </a:solidFill>
           <a:latin typeface="+mn-lt"/>
           <a:ea typeface="+mn-ea"/>
           <a:cs typeface="+mn-cs"/>
         </a:defRPr>
       </a:lvl7pPr>
-      <a:lvl8pPr marL="3429000" indent="-228600" algn="l" defTabSz="457200" rtl="0" fontAlgn="base" hangingPunct="0">
-        <a:lnSpc>
-          <a:spcPct val="93000"/>
-        </a:lnSpc>
+      <a:lvl8pPr marL="2547061" indent="-169804" algn="l" defTabSz="339608" rtl="0" eaLnBrk="1" latinLnBrk="0" hangingPunct="1">
         <a:spcBef>
-          <a:spcPct val="0"/>
+          <a:spcPct val="20000"/>
         </a:spcBef>
-        <a:spcAft>
-          <a:spcPts val="175"/>
-        </a:spcAft>
-        <a:buClr>
-          <a:srgbClr val="000000"/>
-        </a:buClr>
-        <a:buSzPct val="100000"/>
-        <a:buFont typeface="Times New Roman" charset="0"/>
-        <a:defRPr sz="1200">
+        <a:buFont typeface="Arial"/>
+        <a:buChar char="•"/>
+        <a:defRPr sz="1500" kern="1200">
           <a:solidFill>
-            <a:srgbClr val="000000"/>
+            <a:schemeClr val="tx1"/>
           </a:solidFill>
           <a:latin typeface="+mn-lt"/>
           <a:ea typeface="+mn-ea"/>
           <a:cs typeface="+mn-cs"/>
         </a:defRPr>
       </a:lvl8pPr>
-      <a:lvl9pPr marL="3886200" indent="-228600" algn="l" defTabSz="457200" rtl="0" fontAlgn="base" hangingPunct="0">
-        <a:lnSpc>
-          <a:spcPct val="93000"/>
-        </a:lnSpc>
+      <a:lvl9pPr marL="2886669" indent="-169804" algn="l" defTabSz="339608" rtl="0" eaLnBrk="1" latinLnBrk="0" hangingPunct="1">
         <a:spcBef>
-          <a:spcPct val="0"/>
+          <a:spcPct val="20000"/>
         </a:spcBef>
-        <a:spcAft>
-          <a:spcPts val="175"/>
-        </a:spcAft>
-        <a:buClr>
-          <a:srgbClr val="000000"/>
-        </a:buClr>
-        <a:buSzPct val="100000"/>
-        <a:buFont typeface="Times New Roman" charset="0"/>
-        <a:defRPr sz="1200">
+        <a:buFont typeface="Arial"/>
+        <a:buChar char="•"/>
+        <a:defRPr sz="1500" kern="1200">
           <a:solidFill>
-            <a:srgbClr val="000000"/>
+            <a:schemeClr val="tx1"/>
           </a:solidFill>
           <a:latin typeface="+mn-lt"/>
           <a:ea typeface="+mn-ea"/>
@@ -5726,8 +5384,8 @@
       <a:defPPr>
         <a:defRPr lang="en-US"/>
       </a:defPPr>
-      <a:lvl1pPr marL="0" algn="l" defTabSz="457200" rtl="0" eaLnBrk="1" latinLnBrk="0" hangingPunct="1">
-        <a:defRPr sz="1800" kern="1200">
+      <a:lvl1pPr marL="0" algn="l" defTabSz="339608" rtl="0" eaLnBrk="1" latinLnBrk="0" hangingPunct="1">
+        <a:defRPr sz="1300" kern="1200">
           <a:solidFill>
             <a:schemeClr val="tx1"/>
           </a:solidFill>
@@ -5736,8 +5394,8 @@
           <a:cs typeface="+mn-cs"/>
         </a:defRPr>
       </a:lvl1pPr>
-      <a:lvl2pPr marL="457200" algn="l" defTabSz="457200" rtl="0" eaLnBrk="1" latinLnBrk="0" hangingPunct="1">
-        <a:defRPr sz="1800" kern="1200">
+      <a:lvl2pPr marL="339608" algn="l" defTabSz="339608" rtl="0" eaLnBrk="1" latinLnBrk="0" hangingPunct="1">
+        <a:defRPr sz="1300" kern="1200">
           <a:solidFill>
             <a:schemeClr val="tx1"/>
           </a:solidFill>
@@ -5746,8 +5404,8 @@
           <a:cs typeface="+mn-cs"/>
         </a:defRPr>
       </a:lvl2pPr>
-      <a:lvl3pPr marL="914400" algn="l" defTabSz="457200" rtl="0" eaLnBrk="1" latinLnBrk="0" hangingPunct="1">
-        <a:defRPr sz="1800" kern="1200">
+      <a:lvl3pPr marL="679216" algn="l" defTabSz="339608" rtl="0" eaLnBrk="1" latinLnBrk="0" hangingPunct="1">
+        <a:defRPr sz="1300" kern="1200">
           <a:solidFill>
             <a:schemeClr val="tx1"/>
           </a:solidFill>
@@ -5756,8 +5414,8 @@
           <a:cs typeface="+mn-cs"/>
         </a:defRPr>
       </a:lvl3pPr>
-      <a:lvl4pPr marL="1371600" algn="l" defTabSz="457200" rtl="0" eaLnBrk="1" latinLnBrk="0" hangingPunct="1">
-        <a:defRPr sz="1800" kern="1200">
+      <a:lvl4pPr marL="1018824" algn="l" defTabSz="339608" rtl="0" eaLnBrk="1" latinLnBrk="0" hangingPunct="1">
+        <a:defRPr sz="1300" kern="1200">
           <a:solidFill>
             <a:schemeClr val="tx1"/>
           </a:solidFill>
@@ -5766,8 +5424,8 @@
           <a:cs typeface="+mn-cs"/>
         </a:defRPr>
       </a:lvl4pPr>
-      <a:lvl5pPr marL="1828800" algn="l" defTabSz="457200" rtl="0" eaLnBrk="1" latinLnBrk="0" hangingPunct="1">
-        <a:defRPr sz="1800" kern="1200">
+      <a:lvl5pPr marL="1358433" algn="l" defTabSz="339608" rtl="0" eaLnBrk="1" latinLnBrk="0" hangingPunct="1">
+        <a:defRPr sz="1300" kern="1200">
           <a:solidFill>
             <a:schemeClr val="tx1"/>
           </a:solidFill>
@@ -5776,8 +5434,8 @@
           <a:cs typeface="+mn-cs"/>
         </a:defRPr>
       </a:lvl5pPr>
-      <a:lvl6pPr marL="2286000" algn="l" defTabSz="457200" rtl="0" eaLnBrk="1" latinLnBrk="0" hangingPunct="1">
-        <a:defRPr sz="1800" kern="1200">
+      <a:lvl6pPr marL="1698041" algn="l" defTabSz="339608" rtl="0" eaLnBrk="1" latinLnBrk="0" hangingPunct="1">
+        <a:defRPr sz="1300" kern="1200">
           <a:solidFill>
             <a:schemeClr val="tx1"/>
           </a:solidFill>
@@ -5786,8 +5444,8 @@
           <a:cs typeface="+mn-cs"/>
         </a:defRPr>
       </a:lvl6pPr>
-      <a:lvl7pPr marL="2743200" algn="l" defTabSz="457200" rtl="0" eaLnBrk="1" latinLnBrk="0" hangingPunct="1">
-        <a:defRPr sz="1800" kern="1200">
+      <a:lvl7pPr marL="2037649" algn="l" defTabSz="339608" rtl="0" eaLnBrk="1" latinLnBrk="0" hangingPunct="1">
+        <a:defRPr sz="1300" kern="1200">
           <a:solidFill>
             <a:schemeClr val="tx1"/>
           </a:solidFill>
@@ -5796,8 +5454,8 @@
           <a:cs typeface="+mn-cs"/>
         </a:defRPr>
       </a:lvl7pPr>
-      <a:lvl8pPr marL="3200400" algn="l" defTabSz="457200" rtl="0" eaLnBrk="1" latinLnBrk="0" hangingPunct="1">
-        <a:defRPr sz="1800" kern="1200">
+      <a:lvl8pPr marL="2377257" algn="l" defTabSz="339608" rtl="0" eaLnBrk="1" latinLnBrk="0" hangingPunct="1">
+        <a:defRPr sz="1300" kern="1200">
           <a:solidFill>
             <a:schemeClr val="tx1"/>
           </a:solidFill>
@@ -5806,8 +5464,8 @@
           <a:cs typeface="+mn-cs"/>
         </a:defRPr>
       </a:lvl8pPr>
-      <a:lvl9pPr marL="3657600" algn="l" defTabSz="457200" rtl="0" eaLnBrk="1" latinLnBrk="0" hangingPunct="1">
-        <a:defRPr sz="1800" kern="1200">
+      <a:lvl9pPr marL="2716865" algn="l" defTabSz="339608" rtl="0" eaLnBrk="1" latinLnBrk="0" hangingPunct="1">
+        <a:defRPr sz="1300" kern="1200">
           <a:solidFill>
             <a:schemeClr val="tx1"/>
           </a:solidFill>
@@ -5824,14 +5482,6 @@
 <file path=ppt/slides/slide1.xml><?xml version="1.0" encoding="utf-8"?>
 <p:sld xmlns:a="http://schemas.openxmlformats.org/drawingml/2006/main" xmlns:r="http://schemas.openxmlformats.org/officeDocument/2006/relationships" xmlns:p="http://schemas.openxmlformats.org/presentationml/2006/main">
   <p:cSld>
-    <p:bg>
-      <p:bgPr>
-        <a:solidFill>
-          <a:srgbClr val="FFFFFF"/>
-        </a:solidFill>
-        <a:effectLst/>
-      </p:bgPr>
-    </p:bg>
     <p:spTree>
       <p:nvGrpSpPr>
         <p:cNvPr id="1" name=""/>
@@ -5858,41 +5508,39 @@
         </p:nvSpPr>
         <p:spPr>
           <a:xfrm>
-            <a:off x="365125" y="182563"/>
+            <a:off x="365126" y="182564"/>
             <a:ext cx="6583363" cy="763587"/>
           </a:xfrm>
           <a:ln/>
         </p:spPr>
         <p:txBody>
-          <a:bodyPr tIns="23760"/>
+          <a:bodyPr tIns="23757"/>
           <a:lstStyle/>
           <a:p>
             <a:pPr>
               <a:buClrTx/>
-              <a:buFontTx/>
-              <a:buNone/>
               <a:tabLst>
                 <a:tab pos="0" algn="l"/>
-                <a:tab pos="457200" algn="l"/>
-                <a:tab pos="914400" algn="l"/>
-                <a:tab pos="1371600" algn="l"/>
-                <a:tab pos="1828800" algn="l"/>
-                <a:tab pos="2286000" algn="l"/>
-                <a:tab pos="2743200" algn="l"/>
-                <a:tab pos="3200400" algn="l"/>
-                <a:tab pos="3657600" algn="l"/>
-                <a:tab pos="4114800" algn="l"/>
-                <a:tab pos="4572000" algn="l"/>
-                <a:tab pos="5029200" algn="l"/>
-                <a:tab pos="5486400" algn="l"/>
-                <a:tab pos="5943600" algn="l"/>
-                <a:tab pos="6400800" algn="l"/>
-                <a:tab pos="6858000" algn="l"/>
-                <a:tab pos="7315200" algn="l"/>
-                <a:tab pos="7772400" algn="l"/>
-                <a:tab pos="8229600" algn="l"/>
-                <a:tab pos="8686800" algn="l"/>
-                <a:tab pos="9144000" algn="l"/>
+                <a:tab pos="457147" algn="l"/>
+                <a:tab pos="914293" algn="l"/>
+                <a:tab pos="1371440" algn="l"/>
+                <a:tab pos="1828586" algn="l"/>
+                <a:tab pos="2285733" algn="l"/>
+                <a:tab pos="2742880" algn="l"/>
+                <a:tab pos="3200025" algn="l"/>
+                <a:tab pos="3657172" algn="l"/>
+                <a:tab pos="4114319" algn="l"/>
+                <a:tab pos="4571465" algn="l"/>
+                <a:tab pos="5028612" algn="l"/>
+                <a:tab pos="5485759" algn="l"/>
+                <a:tab pos="5942905" algn="l"/>
+                <a:tab pos="6400052" algn="l"/>
+                <a:tab pos="6857198" algn="l"/>
+                <a:tab pos="7314345" algn="l"/>
+                <a:tab pos="7771492" algn="l"/>
+                <a:tab pos="8228638" algn="l"/>
+                <a:tab pos="8685784" algn="l"/>
+                <a:tab pos="9142931" algn="l"/>
               </a:tabLst>
             </a:pPr>
             <a:r>
@@ -5909,80 +5557,87 @@
             <a:spLocks noGrp="1" noChangeArrowheads="1"/>
           </p:cNvSpPr>
           <p:nvPr>
-            <p:ph type="body" idx="1"/>
+            <p:ph idx="1"/>
           </p:nvPr>
         </p:nvSpPr>
         <p:spPr>
           <a:xfrm>
-            <a:off x="365125" y="1069975"/>
+            <a:off x="365126" y="1069976"/>
             <a:ext cx="6437313" cy="2651125"/>
           </a:xfrm>
           <a:ln/>
         </p:spPr>
         <p:txBody>
-          <a:bodyPr/>
-          <a:lstStyle/>
-          <a:p>
-            <a:pPr marL="447675">
+          <a:bodyPr>
+            <a:normAutofit fontScale="85000" lnSpcReduction="10000"/>
+          </a:bodyPr>
+          <a:lstStyle/>
+          <a:p>
+            <a:pPr marL="447622">
               <a:buSzPct val="45000"/>
               <a:buFont typeface="Arial"/>
               <a:buChar char="•"/>
               <a:tabLst>
-                <a:tab pos="425450" algn="l"/>
-                <a:tab pos="538163" algn="l"/>
-                <a:tab pos="995363" algn="l"/>
-                <a:tab pos="1452563" algn="l"/>
-                <a:tab pos="1909763" algn="l"/>
-                <a:tab pos="2366963" algn="l"/>
-                <a:tab pos="2824163" algn="l"/>
-                <a:tab pos="3281363" algn="l"/>
-                <a:tab pos="3738563" algn="l"/>
-                <a:tab pos="4195763" algn="l"/>
-                <a:tab pos="4652963" algn="l"/>
-                <a:tab pos="5110163" algn="l"/>
-                <a:tab pos="5567363" algn="l"/>
-                <a:tab pos="6024563" algn="l"/>
-                <a:tab pos="6481763" algn="l"/>
-                <a:tab pos="6938963" algn="l"/>
-                <a:tab pos="7396163" algn="l"/>
-                <a:tab pos="7853363" algn="l"/>
-                <a:tab pos="8310563" algn="l"/>
-                <a:tab pos="8767763" algn="l"/>
-                <a:tab pos="9224963" algn="l"/>
+                <a:tab pos="425400" algn="l"/>
+                <a:tab pos="538100" algn="l"/>
+                <a:tab pos="995247" algn="l"/>
+                <a:tab pos="1452393" algn="l"/>
+                <a:tab pos="1909540" algn="l"/>
+                <a:tab pos="2366686" algn="l"/>
+                <a:tab pos="2823833" algn="l"/>
+                <a:tab pos="3280980" algn="l"/>
+                <a:tab pos="3738126" algn="l"/>
+                <a:tab pos="4195273" algn="l"/>
+                <a:tab pos="4652419" algn="l"/>
+                <a:tab pos="5109565" algn="l"/>
+                <a:tab pos="5566712" algn="l"/>
+                <a:tab pos="6023858" algn="l"/>
+                <a:tab pos="6481005" algn="l"/>
+                <a:tab pos="6938152" algn="l"/>
+                <a:tab pos="7395298" algn="l"/>
+                <a:tab pos="7852445" algn="l"/>
+                <a:tab pos="8309591" algn="l"/>
+                <a:tab pos="8766738" algn="l"/>
+                <a:tab pos="9223885" algn="l"/>
               </a:tabLst>
             </a:pPr>
             <a:r>
               <a:rPr lang="en-US" dirty="0"/>
-              <a:t>Linear algebra is the study of vectors, matrices, and their properties</a:t>
-            </a:r>
-          </a:p>
-          <a:p>
-            <a:pPr marL="447675">
+              <a:t>Linear algebra is the study of vectors, matrices, and their </a:t>
+            </a:r>
+            <a:r>
+              <a:rPr lang="en-US" dirty="0" smtClean="0"/>
+              <a:t>properties.</a:t>
+            </a:r>
+            <a:endParaRPr lang="en-US" dirty="0"/>
+          </a:p>
+          <a:p>
+            <a:pPr marL="447622">
               <a:buSzPct val="45000"/>
               <a:buFont typeface="Arial"/>
               <a:buChar char="•"/>
               <a:tabLst>
-                <a:tab pos="425450" algn="l"/>
-                <a:tab pos="538163" algn="l"/>
-                <a:tab pos="995363" algn="l"/>
-                <a:tab pos="1452563" algn="l"/>
-                <a:tab pos="1909763" algn="l"/>
-                <a:tab pos="2366963" algn="l"/>
-                <a:tab pos="2824163" algn="l"/>
-                <a:tab pos="3281363" algn="l"/>
-                <a:tab pos="3738563" algn="l"/>
-                <a:tab pos="4195763" algn="l"/>
-                <a:tab pos="4652963" algn="l"/>
-                <a:tab pos="5110163" algn="l"/>
-                <a:tab pos="5567363" algn="l"/>
-                <a:tab pos="6024563" algn="l"/>
-                <a:tab pos="6481763" algn="l"/>
-                <a:tab pos="6938963" algn="l"/>
-                <a:tab pos="7396163" algn="l"/>
-                <a:tab pos="7853363" algn="l"/>
-                <a:tab pos="8310563" algn="l"/>
-                <a:tab pos="8767763" algn="l"/>
-                <a:tab pos="9224963" algn="l"/>
+                <a:tab pos="425400" algn="l"/>
+                <a:tab pos="538100" algn="l"/>
+                <a:tab pos="995247" algn="l"/>
+                <a:tab pos="1452393" algn="l"/>
+                <a:tab pos="1909540" algn="l"/>
+                <a:tab pos="2366686" algn="l"/>
+                <a:tab pos="2823833" algn="l"/>
+                <a:tab pos="3280980" algn="l"/>
+                <a:tab pos="3738126" algn="l"/>
+                <a:tab pos="4195273" algn="l"/>
+                <a:tab pos="4652419" algn="l"/>
+                <a:tab pos="5109565" algn="l"/>
+                <a:tab pos="5566712" algn="l"/>
+                <a:tab pos="6023858" algn="l"/>
+                <a:tab pos="6481005" algn="l"/>
+                <a:tab pos="6938152" algn="l"/>
+                <a:tab pos="7395298" algn="l"/>
+                <a:tab pos="7852445" algn="l"/>
+                <a:tab pos="8309591" algn="l"/>
+                <a:tab pos="8766738" algn="l"/>
+                <a:tab pos="9223885" algn="l"/>
               </a:tabLst>
             </a:pPr>
             <a:r>
@@ -5991,66 +5646,74 @@
             </a:r>
           </a:p>
           <a:p>
-            <a:pPr marL="447675">
+            <a:pPr marL="447622">
               <a:buSzPct val="45000"/>
               <a:buFont typeface="Arial"/>
               <a:buChar char="•"/>
               <a:tabLst>
-                <a:tab pos="425450" algn="l"/>
-                <a:tab pos="538163" algn="l"/>
-                <a:tab pos="995363" algn="l"/>
-                <a:tab pos="1452563" algn="l"/>
-                <a:tab pos="1909763" algn="l"/>
-                <a:tab pos="2366963" algn="l"/>
-                <a:tab pos="2824163" algn="l"/>
-                <a:tab pos="3281363" algn="l"/>
-                <a:tab pos="3738563" algn="l"/>
-                <a:tab pos="4195763" algn="l"/>
-                <a:tab pos="4652963" algn="l"/>
-                <a:tab pos="5110163" algn="l"/>
-                <a:tab pos="5567363" algn="l"/>
-                <a:tab pos="6024563" algn="l"/>
-                <a:tab pos="6481763" algn="l"/>
-                <a:tab pos="6938963" algn="l"/>
-                <a:tab pos="7396163" algn="l"/>
-                <a:tab pos="7853363" algn="l"/>
-                <a:tab pos="8310563" algn="l"/>
-                <a:tab pos="8767763" algn="l"/>
-                <a:tab pos="9224963" algn="l"/>
+                <a:tab pos="425400" algn="l"/>
+                <a:tab pos="538100" algn="l"/>
+                <a:tab pos="995247" algn="l"/>
+                <a:tab pos="1452393" algn="l"/>
+                <a:tab pos="1909540" algn="l"/>
+                <a:tab pos="2366686" algn="l"/>
+                <a:tab pos="2823833" algn="l"/>
+                <a:tab pos="3280980" algn="l"/>
+                <a:tab pos="3738126" algn="l"/>
+                <a:tab pos="4195273" algn="l"/>
+                <a:tab pos="4652419" algn="l"/>
+                <a:tab pos="5109565" algn="l"/>
+                <a:tab pos="5566712" algn="l"/>
+                <a:tab pos="6023858" algn="l"/>
+                <a:tab pos="6481005" algn="l"/>
+                <a:tab pos="6938152" algn="l"/>
+                <a:tab pos="7395298" algn="l"/>
+                <a:tab pos="7852445" algn="l"/>
+                <a:tab pos="8309591" algn="l"/>
+                <a:tab pos="8766738" algn="l"/>
+                <a:tab pos="9223885" algn="l"/>
               </a:tabLst>
             </a:pPr>
             <a:r>
               <a:rPr lang="en-US" dirty="0"/>
-              <a:t>Here we're just getting into the basics (not much more than Algebra II and Trig), but already this is useful.</a:t>
-            </a:r>
-          </a:p>
-          <a:p>
-            <a:pPr marL="447675">
+              <a:t>Here we're just getting into the basics (not much more than Algebra II and Trig), but </a:t>
+            </a:r>
+            <a:r>
+              <a:rPr lang="en-US" dirty="0" smtClean="0"/>
+              <a:t>this alone is extremely useful</a:t>
+            </a:r>
+            <a:r>
+              <a:rPr lang="en-US" dirty="0"/>
+              <a:t>.</a:t>
+            </a:r>
+          </a:p>
+          <a:p>
+            <a:pPr marL="447622">
               <a:buSzPct val="45000"/>
               <a:buFont typeface="Arial"/>
               <a:buChar char="•"/>
               <a:tabLst>
-                <a:tab pos="425450" algn="l"/>
-                <a:tab pos="538163" algn="l"/>
-                <a:tab pos="995363" algn="l"/>
-                <a:tab pos="1452563" algn="l"/>
-                <a:tab pos="1909763" algn="l"/>
-                <a:tab pos="2366963" algn="l"/>
-                <a:tab pos="2824163" algn="l"/>
-                <a:tab pos="3281363" algn="l"/>
-                <a:tab pos="3738563" algn="l"/>
-                <a:tab pos="4195763" algn="l"/>
-                <a:tab pos="4652963" algn="l"/>
-                <a:tab pos="5110163" algn="l"/>
-                <a:tab pos="5567363" algn="l"/>
-                <a:tab pos="6024563" algn="l"/>
-                <a:tab pos="6481763" algn="l"/>
-                <a:tab pos="6938963" algn="l"/>
-                <a:tab pos="7396163" algn="l"/>
-                <a:tab pos="7853363" algn="l"/>
-                <a:tab pos="8310563" algn="l"/>
-                <a:tab pos="8767763" algn="l"/>
-                <a:tab pos="9224963" algn="l"/>
+                <a:tab pos="425400" algn="l"/>
+                <a:tab pos="538100" algn="l"/>
+                <a:tab pos="995247" algn="l"/>
+                <a:tab pos="1452393" algn="l"/>
+                <a:tab pos="1909540" algn="l"/>
+                <a:tab pos="2366686" algn="l"/>
+                <a:tab pos="2823833" algn="l"/>
+                <a:tab pos="3280980" algn="l"/>
+                <a:tab pos="3738126" algn="l"/>
+                <a:tab pos="4195273" algn="l"/>
+                <a:tab pos="4652419" algn="l"/>
+                <a:tab pos="5109565" algn="l"/>
+                <a:tab pos="5566712" algn="l"/>
+                <a:tab pos="6023858" algn="l"/>
+                <a:tab pos="6481005" algn="l"/>
+                <a:tab pos="6938152" algn="l"/>
+                <a:tab pos="7395298" algn="l"/>
+                <a:tab pos="7852445" algn="l"/>
+                <a:tab pos="8309591" algn="l"/>
+                <a:tab pos="8766738" algn="l"/>
+                <a:tab pos="9223885" algn="l"/>
               </a:tabLst>
             </a:pPr>
             <a:r>
@@ -6069,7 +5732,7 @@
   <p:timing>
     <p:tnLst>
       <p:par>
-        <p:cTn xmlns:p14="http://schemas.microsoft.com/office/powerpoint/2010/main" id="1" dur="indefinite" nodeType="tmRoot">
+        <p:cTn xmlns:p14="http://schemas.microsoft.com/office/powerpoint/2010/main" id="1" dur="indefinite" restart="never" nodeType="tmRoot">
           <p:childTnLst>
             <p:seq concurrent="1" nextAc="seek">
               <p:cTn id="2" dur="indefinite" nodeType="mainSeq"/>
@@ -6096,17 +5759,9 @@
 </p:sld>
 </file>
 
-<file path=ppt/slides/slide2.xml><?xml version="1.0" encoding="utf-8"?>
+<file path=ppt/slides/slide10.xml><?xml version="1.0" encoding="utf-8"?>
 <p:sld xmlns:a="http://schemas.openxmlformats.org/drawingml/2006/main" xmlns:r="http://schemas.openxmlformats.org/officeDocument/2006/relationships" xmlns:p="http://schemas.openxmlformats.org/presentationml/2006/main">
   <p:cSld>
-    <p:bg>
-      <p:bgPr>
-        <a:solidFill>
-          <a:srgbClr val="FFFFFF"/>
-        </a:solidFill>
-        <a:effectLst/>
-      </p:bgPr>
-    </p:bg>
     <p:spTree>
       <p:nvGrpSpPr>
         <p:cNvPr id="1" name=""/>
@@ -6123,51 +5778,422 @@
       </p:grpSpPr>
       <p:sp>
         <p:nvSpPr>
-          <p:cNvPr id="4097" name="Rectangle 1"/>
-          <p:cNvSpPr>
-            <a:spLocks noGrp="1" noChangeArrowheads="1"/>
+          <p:cNvPr id="2" name="Title 1"/>
+          <p:cNvSpPr>
+            <a:spLocks noGrp="1"/>
           </p:cNvSpPr>
           <p:nvPr>
             <p:ph type="title"/>
           </p:nvPr>
         </p:nvSpPr>
+        <p:spPr/>
+        <p:txBody>
+          <a:bodyPr/>
+          <a:lstStyle/>
+          <a:p>
+            <a:r>
+              <a:rPr lang="en-US" dirty="0" smtClean="0"/>
+              <a:t>Rotation</a:t>
+            </a:r>
+            <a:endParaRPr lang="en-US" dirty="0"/>
+          </a:p>
+        </p:txBody>
+      </p:sp>
+      <p:sp>
+        <p:nvSpPr>
+          <p:cNvPr id="3" name="Content Placeholder 2"/>
+          <p:cNvSpPr>
+            <a:spLocks noGrp="1"/>
+          </p:cNvSpPr>
+          <p:nvPr>
+            <p:ph idx="1"/>
+          </p:nvPr>
+        </p:nvSpPr>
+        <p:spPr/>
+        <p:txBody>
+          <a:bodyPr>
+            <a:normAutofit fontScale="85000" lnSpcReduction="10000"/>
+          </a:bodyPr>
+          <a:lstStyle/>
+          <a:p>
+            <a:pPr>
+              <a:buFont typeface="Arial"/>
+              <a:buChar char="•"/>
+            </a:pPr>
+            <a:r>
+              <a:rPr lang="en-US" dirty="0" smtClean="0"/>
+              <a:t>First you calculate a rotation matrix.  Determine how much you want to rotate by, then multiply by this matrix;</a:t>
+            </a:r>
+          </a:p>
+          <a:p>
+            <a:pPr>
+              <a:buFont typeface="Arial"/>
+              <a:buChar char="•"/>
+            </a:pPr>
+            <a:endParaRPr lang="en-US" dirty="0"/>
+          </a:p>
+          <a:p>
+            <a:pPr>
+              <a:buFont typeface="Arial"/>
+              <a:buChar char="•"/>
+            </a:pPr>
+            <a:endParaRPr lang="en-US" dirty="0" smtClean="0"/>
+          </a:p>
+          <a:p>
+            <a:pPr>
+              <a:buFont typeface="Arial"/>
+              <a:buChar char="•"/>
+            </a:pPr>
+            <a:r>
+              <a:rPr lang="en-US" dirty="0" smtClean="0"/>
+              <a:t>Where theta is the angle you want to rotate by.  Then multiply this matrix by that of every single pixel.</a:t>
+            </a:r>
+          </a:p>
+          <a:p>
+            <a:pPr>
+              <a:buFont typeface="Arial"/>
+              <a:buChar char="•"/>
+            </a:pPr>
+            <a:r>
+              <a:rPr lang="en-US" dirty="0" smtClean="0"/>
+              <a:t>I didn’t need to do this personally, since the library I used handles it for me, but under the hood this is used </a:t>
+            </a:r>
+            <a:r>
+              <a:rPr lang="en-US" dirty="0" smtClean="0"/>
+              <a:t>heavily</a:t>
+            </a:r>
+            <a:r>
+              <a:rPr lang="en-US" dirty="0"/>
+              <a:t>.</a:t>
+            </a:r>
+            <a:endParaRPr lang="en-US" dirty="0" smtClean="0"/>
+          </a:p>
+        </p:txBody>
+      </p:sp>
+      <p:pic>
+        <p:nvPicPr>
+          <p:cNvPr id="4" name="Picture 3"/>
+          <p:cNvPicPr>
+            <a:picLocks noChangeAspect="1"/>
+          </p:cNvPicPr>
+          <p:nvPr/>
+        </p:nvPicPr>
+        <p:blipFill>
+          <a:blip r:embed="rId3"/>
+          <a:stretch>
+            <a:fillRect/>
+          </a:stretch>
+        </p:blipFill>
         <p:spPr>
           <a:xfrm>
-            <a:off x="365125" y="182563"/>
+            <a:off x="2362200" y="1752600"/>
+            <a:ext cx="2146300" cy="609600"/>
+          </a:xfrm>
+          <a:prstGeom prst="rect">
+            <a:avLst/>
+          </a:prstGeom>
+        </p:spPr>
+      </p:pic>
+    </p:spTree>
+    <p:extLst>
+      <p:ext uri="{BB962C8B-B14F-4D97-AF65-F5344CB8AC3E}">
+        <p14:creationId xmlns:p14="http://schemas.microsoft.com/office/powerpoint/2010/main" val="945241257"/>
+      </p:ext>
+    </p:extLst>
+  </p:cSld>
+  <p:clrMapOvr>
+    <a:masterClrMapping/>
+  </p:clrMapOvr>
+</p:sld>
+</file>
+
+<file path=ppt/slides/slide11.xml><?xml version="1.0" encoding="utf-8"?>
+<p:sld xmlns:a="http://schemas.openxmlformats.org/drawingml/2006/main" xmlns:r="http://schemas.openxmlformats.org/officeDocument/2006/relationships" xmlns:p="http://schemas.openxmlformats.org/presentationml/2006/main">
+  <p:cSld>
+    <p:spTree>
+      <p:nvGrpSpPr>
+        <p:cNvPr id="1" name=""/>
+        <p:cNvGrpSpPr/>
+        <p:nvPr/>
+      </p:nvGrpSpPr>
+      <p:grpSpPr>
+        <a:xfrm>
+          <a:off x="0" y="0"/>
+          <a:ext cx="0" cy="0"/>
+          <a:chOff x="0" y="0"/>
+          <a:chExt cx="0" cy="0"/>
+        </a:xfrm>
+      </p:grpSpPr>
+      <p:sp>
+        <p:nvSpPr>
+          <p:cNvPr id="2" name="Title 1"/>
+          <p:cNvSpPr>
+            <a:spLocks noGrp="1"/>
+          </p:cNvSpPr>
+          <p:nvPr>
+            <p:ph type="title"/>
+          </p:nvPr>
+        </p:nvSpPr>
+        <p:spPr/>
+        <p:txBody>
+          <a:bodyPr/>
+          <a:lstStyle/>
+          <a:p>
+            <a:r>
+              <a:rPr lang="en-US" dirty="0" smtClean="0"/>
+              <a:t>Rotation (Cont’d)</a:t>
+            </a:r>
+            <a:endParaRPr lang="en-US" dirty="0"/>
+          </a:p>
+        </p:txBody>
+      </p:sp>
+      <p:sp>
+        <p:nvSpPr>
+          <p:cNvPr id="3" name="Content Placeholder 2"/>
+          <p:cNvSpPr>
+            <a:spLocks noGrp="1"/>
+          </p:cNvSpPr>
+          <p:nvPr>
+            <p:ph idx="1"/>
+          </p:nvPr>
+        </p:nvSpPr>
+        <p:spPr/>
+        <p:txBody>
+          <a:bodyPr>
+            <a:normAutofit lnSpcReduction="10000"/>
+          </a:bodyPr>
+          <a:lstStyle/>
+          <a:p>
+            <a:r>
+              <a:rPr lang="en-US" sz="1800" dirty="0" smtClean="0"/>
+              <a:t>Here I used a bit of physics.  Note the relationship between position, velocity, and acceleration.</a:t>
+            </a:r>
+          </a:p>
+          <a:p>
+            <a:r>
+              <a:rPr lang="en-US" sz="1800" dirty="0" smtClean="0"/>
+              <a:t>Constantly add velocity to position, and acceleration to velocity if there’s any input set the acceleration to a value I defined earlier.</a:t>
+            </a:r>
+          </a:p>
+          <a:p>
+            <a:r>
+              <a:rPr lang="en-US" sz="1800" dirty="0" smtClean="0"/>
+              <a:t>If the acceleration is 0, then a predefined drag will slow the helicopter down by itself</a:t>
+            </a:r>
+            <a:endParaRPr lang="en-US" sz="1800" dirty="0"/>
+          </a:p>
+          <a:p>
+            <a:endParaRPr lang="en-US" sz="1800" dirty="0" smtClean="0"/>
+          </a:p>
+          <a:p>
+            <a:r>
+              <a:rPr lang="en-US" sz="1800" dirty="0" smtClean="0"/>
+              <a:t>If there’s enough acceleration, the drag’s not noticeable</a:t>
+            </a:r>
+          </a:p>
+          <a:p>
+            <a:r>
+              <a:rPr lang="en-US" sz="1800" dirty="0" smtClean="0"/>
+              <a:t>If we used truly continuous numbers, we’d never hit 0, but computers can’t do that.  Every calculation is an approximation.</a:t>
+            </a:r>
+          </a:p>
+        </p:txBody>
+      </p:sp>
+      <p:pic>
+        <p:nvPicPr>
+          <p:cNvPr id="4" name="Picture 3"/>
+          <p:cNvPicPr>
+            <a:picLocks noChangeAspect="1"/>
+          </p:cNvPicPr>
+          <p:nvPr/>
+        </p:nvPicPr>
+        <p:blipFill>
+          <a:blip r:embed="rId2"/>
+          <a:stretch>
+            <a:fillRect/>
+          </a:stretch>
+        </p:blipFill>
+        <p:spPr>
+          <a:xfrm>
+            <a:off x="2133600" y="2667000"/>
+            <a:ext cx="3200400" cy="427960"/>
+          </a:xfrm>
+          <a:prstGeom prst="rect">
+            <a:avLst/>
+          </a:prstGeom>
+        </p:spPr>
+      </p:pic>
+    </p:spTree>
+    <p:extLst>
+      <p:ext uri="{BB962C8B-B14F-4D97-AF65-F5344CB8AC3E}">
+        <p14:creationId xmlns:p14="http://schemas.microsoft.com/office/powerpoint/2010/main" val="804794350"/>
+      </p:ext>
+    </p:extLst>
+  </p:cSld>
+  <p:clrMapOvr>
+    <a:masterClrMapping/>
+  </p:clrMapOvr>
+</p:sld>
+</file>
+
+<file path=ppt/slides/slide12.xml><?xml version="1.0" encoding="utf-8"?>
+<p:sld xmlns:a="http://schemas.openxmlformats.org/drawingml/2006/main" xmlns:r="http://schemas.openxmlformats.org/officeDocument/2006/relationships" xmlns:p="http://schemas.openxmlformats.org/presentationml/2006/main">
+  <p:cSld>
+    <p:spTree>
+      <p:nvGrpSpPr>
+        <p:cNvPr id="1" name=""/>
+        <p:cNvGrpSpPr/>
+        <p:nvPr/>
+      </p:nvGrpSpPr>
+      <p:grpSpPr>
+        <a:xfrm>
+          <a:off x="0" y="0"/>
+          <a:ext cx="0" cy="0"/>
+          <a:chOff x="0" y="0"/>
+          <a:chExt cx="0" cy="0"/>
+        </a:xfrm>
+      </p:grpSpPr>
+      <p:sp>
+        <p:nvSpPr>
+          <p:cNvPr id="2" name="Title 1"/>
+          <p:cNvSpPr>
+            <a:spLocks noGrp="1"/>
+          </p:cNvSpPr>
+          <p:nvPr>
+            <p:ph type="title"/>
+          </p:nvPr>
+        </p:nvSpPr>
+        <p:spPr/>
+        <p:txBody>
+          <a:bodyPr/>
+          <a:lstStyle/>
+          <a:p>
+            <a:r>
+              <a:rPr lang="en-US" dirty="0" smtClean="0"/>
+              <a:t>Duck Hunt</a:t>
+            </a:r>
+            <a:endParaRPr lang="en-US" dirty="0"/>
+          </a:p>
+        </p:txBody>
+      </p:sp>
+      <p:sp>
+        <p:nvSpPr>
+          <p:cNvPr id="3" name="Content Placeholder 2"/>
+          <p:cNvSpPr>
+            <a:spLocks noGrp="1"/>
+          </p:cNvSpPr>
+          <p:nvPr>
+            <p:ph idx="1"/>
+          </p:nvPr>
+        </p:nvSpPr>
+        <p:spPr/>
+        <p:txBody>
+          <a:bodyPr/>
+          <a:lstStyle/>
+          <a:p>
+            <a:r>
+              <a:rPr lang="en-US" dirty="0" smtClean="0"/>
+              <a:t>And now for the real meat and potatoes.</a:t>
+            </a:r>
+          </a:p>
+          <a:p>
+            <a:r>
+              <a:rPr lang="en-US" dirty="0" smtClean="0"/>
+              <a:t>I coded this </a:t>
+            </a:r>
+            <a:r>
+              <a:rPr lang="en-US" dirty="0" err="1" smtClean="0"/>
+              <a:t>minigame</a:t>
+            </a:r>
+            <a:r>
+              <a:rPr lang="en-US" dirty="0" smtClean="0"/>
+              <a:t> entirely from scratch.</a:t>
+            </a:r>
+          </a:p>
+          <a:p>
+            <a:r>
+              <a:rPr lang="en-US" dirty="0" smtClean="0"/>
+              <a:t>Any volunteers?</a:t>
+            </a:r>
+            <a:endParaRPr lang="en-US" dirty="0"/>
+          </a:p>
+        </p:txBody>
+      </p:sp>
+    </p:spTree>
+    <p:extLst>
+      <p:ext uri="{BB962C8B-B14F-4D97-AF65-F5344CB8AC3E}">
+        <p14:creationId xmlns:p14="http://schemas.microsoft.com/office/powerpoint/2010/main" val="502267673"/>
+      </p:ext>
+    </p:extLst>
+  </p:cSld>
+  <p:clrMapOvr>
+    <a:masterClrMapping/>
+  </p:clrMapOvr>
+</p:sld>
+</file>
+
+<file path=ppt/slides/slide2.xml><?xml version="1.0" encoding="utf-8"?>
+<p:sld xmlns:a="http://schemas.openxmlformats.org/drawingml/2006/main" xmlns:r="http://schemas.openxmlformats.org/officeDocument/2006/relationships" xmlns:p="http://schemas.openxmlformats.org/presentationml/2006/main">
+  <p:cSld>
+    <p:spTree>
+      <p:nvGrpSpPr>
+        <p:cNvPr id="1" name=""/>
+        <p:cNvGrpSpPr/>
+        <p:nvPr/>
+      </p:nvGrpSpPr>
+      <p:grpSpPr>
+        <a:xfrm>
+          <a:off x="0" y="0"/>
+          <a:ext cx="0" cy="0"/>
+          <a:chOff x="0" y="0"/>
+          <a:chExt cx="0" cy="0"/>
+        </a:xfrm>
+      </p:grpSpPr>
+      <p:sp>
+        <p:nvSpPr>
+          <p:cNvPr id="4097" name="Rectangle 1"/>
+          <p:cNvSpPr>
+            <a:spLocks noGrp="1" noChangeArrowheads="1"/>
+          </p:cNvSpPr>
+          <p:nvPr>
+            <p:ph type="title"/>
+          </p:nvPr>
+        </p:nvSpPr>
+        <p:spPr>
+          <a:xfrm>
+            <a:off x="365126" y="182564"/>
             <a:ext cx="6583363" cy="763587"/>
           </a:xfrm>
           <a:ln/>
         </p:spPr>
         <p:txBody>
-          <a:bodyPr tIns="23760"/>
+          <a:bodyPr tIns="23757"/>
           <a:lstStyle/>
           <a:p>
             <a:pPr>
               <a:buClrTx/>
-              <a:buFontTx/>
-              <a:buNone/>
               <a:tabLst>
                 <a:tab pos="0" algn="l"/>
-                <a:tab pos="457200" algn="l"/>
-                <a:tab pos="914400" algn="l"/>
-                <a:tab pos="1371600" algn="l"/>
-                <a:tab pos="1828800" algn="l"/>
-                <a:tab pos="2286000" algn="l"/>
-                <a:tab pos="2743200" algn="l"/>
-                <a:tab pos="3200400" algn="l"/>
-                <a:tab pos="3657600" algn="l"/>
-                <a:tab pos="4114800" algn="l"/>
-                <a:tab pos="4572000" algn="l"/>
-                <a:tab pos="5029200" algn="l"/>
-                <a:tab pos="5486400" algn="l"/>
-                <a:tab pos="5943600" algn="l"/>
-                <a:tab pos="6400800" algn="l"/>
-                <a:tab pos="6858000" algn="l"/>
-                <a:tab pos="7315200" algn="l"/>
-                <a:tab pos="7772400" algn="l"/>
-                <a:tab pos="8229600" algn="l"/>
-                <a:tab pos="8686800" algn="l"/>
-                <a:tab pos="9144000" algn="l"/>
+                <a:tab pos="457147" algn="l"/>
+                <a:tab pos="914293" algn="l"/>
+                <a:tab pos="1371440" algn="l"/>
+                <a:tab pos="1828586" algn="l"/>
+                <a:tab pos="2285733" algn="l"/>
+                <a:tab pos="2742880" algn="l"/>
+                <a:tab pos="3200025" algn="l"/>
+                <a:tab pos="3657172" algn="l"/>
+                <a:tab pos="4114319" algn="l"/>
+                <a:tab pos="4571465" algn="l"/>
+                <a:tab pos="5028612" algn="l"/>
+                <a:tab pos="5485759" algn="l"/>
+                <a:tab pos="5942905" algn="l"/>
+                <a:tab pos="6400052" algn="l"/>
+                <a:tab pos="6857198" algn="l"/>
+                <a:tab pos="7314345" algn="l"/>
+                <a:tab pos="7771492" algn="l"/>
+                <a:tab pos="8228638" algn="l"/>
+                <a:tab pos="8685784" algn="l"/>
+                <a:tab pos="9142931" algn="l"/>
               </a:tabLst>
             </a:pPr>
             <a:r>
@@ -6184,46 +6210,48 @@
             <a:spLocks noGrp="1" noChangeArrowheads="1"/>
           </p:cNvSpPr>
           <p:nvPr>
-            <p:ph type="body" idx="1"/>
+            <p:ph idx="1"/>
           </p:nvPr>
         </p:nvSpPr>
         <p:spPr>
           <a:xfrm>
-            <a:off x="365125" y="1069975"/>
+            <a:off x="365126" y="1069976"/>
             <a:ext cx="6437313" cy="2651125"/>
           </a:xfrm>
           <a:ln/>
         </p:spPr>
         <p:txBody>
-          <a:bodyPr/>
-          <a:lstStyle/>
-          <a:p>
-            <a:pPr marL="447675">
+          <a:bodyPr>
+            <a:normAutofit lnSpcReduction="10000"/>
+          </a:bodyPr>
+          <a:lstStyle/>
+          <a:p>
+            <a:pPr marL="447622">
               <a:buSzPct val="45000"/>
               <a:buFont typeface="Arial"/>
               <a:buChar char="•"/>
               <a:tabLst>
-                <a:tab pos="425450" algn="l"/>
-                <a:tab pos="538163" algn="l"/>
-                <a:tab pos="995363" algn="l"/>
-                <a:tab pos="1452563" algn="l"/>
-                <a:tab pos="1909763" algn="l"/>
-                <a:tab pos="2366963" algn="l"/>
-                <a:tab pos="2824163" algn="l"/>
-                <a:tab pos="3281363" algn="l"/>
-                <a:tab pos="3738563" algn="l"/>
-                <a:tab pos="4195763" algn="l"/>
-                <a:tab pos="4652963" algn="l"/>
-                <a:tab pos="5110163" algn="l"/>
-                <a:tab pos="5567363" algn="l"/>
-                <a:tab pos="6024563" algn="l"/>
-                <a:tab pos="6481763" algn="l"/>
-                <a:tab pos="6938963" algn="l"/>
-                <a:tab pos="7396163" algn="l"/>
-                <a:tab pos="7853363" algn="l"/>
-                <a:tab pos="8310563" algn="l"/>
-                <a:tab pos="8767763" algn="l"/>
-                <a:tab pos="9224963" algn="l"/>
+                <a:tab pos="425400" algn="l"/>
+                <a:tab pos="538100" algn="l"/>
+                <a:tab pos="995247" algn="l"/>
+                <a:tab pos="1452393" algn="l"/>
+                <a:tab pos="1909540" algn="l"/>
+                <a:tab pos="2366686" algn="l"/>
+                <a:tab pos="2823833" algn="l"/>
+                <a:tab pos="3280980" algn="l"/>
+                <a:tab pos="3738126" algn="l"/>
+                <a:tab pos="4195273" algn="l"/>
+                <a:tab pos="4652419" algn="l"/>
+                <a:tab pos="5109565" algn="l"/>
+                <a:tab pos="5566712" algn="l"/>
+                <a:tab pos="6023858" algn="l"/>
+                <a:tab pos="6481005" algn="l"/>
+                <a:tab pos="6938152" algn="l"/>
+                <a:tab pos="7395298" algn="l"/>
+                <a:tab pos="7852445" algn="l"/>
+                <a:tab pos="8309591" algn="l"/>
+                <a:tab pos="8766738" algn="l"/>
+                <a:tab pos="9223885" algn="l"/>
               </a:tabLst>
             </a:pPr>
             <a:r>
@@ -6232,66 +6260,74 @@
             </a:r>
           </a:p>
           <a:p>
-            <a:pPr marL="447675">
+            <a:pPr marL="447622">
               <a:buSzPct val="45000"/>
               <a:buFont typeface="Arial"/>
               <a:buChar char="•"/>
               <a:tabLst>
-                <a:tab pos="425450" algn="l"/>
-                <a:tab pos="538163" algn="l"/>
-                <a:tab pos="995363" algn="l"/>
-                <a:tab pos="1452563" algn="l"/>
-                <a:tab pos="1909763" algn="l"/>
-                <a:tab pos="2366963" algn="l"/>
-                <a:tab pos="2824163" algn="l"/>
-                <a:tab pos="3281363" algn="l"/>
-                <a:tab pos="3738563" algn="l"/>
-                <a:tab pos="4195763" algn="l"/>
-                <a:tab pos="4652963" algn="l"/>
-                <a:tab pos="5110163" algn="l"/>
-                <a:tab pos="5567363" algn="l"/>
-                <a:tab pos="6024563" algn="l"/>
-                <a:tab pos="6481763" algn="l"/>
-                <a:tab pos="6938963" algn="l"/>
-                <a:tab pos="7396163" algn="l"/>
-                <a:tab pos="7853363" algn="l"/>
-                <a:tab pos="8310563" algn="l"/>
-                <a:tab pos="8767763" algn="l"/>
-                <a:tab pos="9224963" algn="l"/>
+                <a:tab pos="425400" algn="l"/>
+                <a:tab pos="538100" algn="l"/>
+                <a:tab pos="995247" algn="l"/>
+                <a:tab pos="1452393" algn="l"/>
+                <a:tab pos="1909540" algn="l"/>
+                <a:tab pos="2366686" algn="l"/>
+                <a:tab pos="2823833" algn="l"/>
+                <a:tab pos="3280980" algn="l"/>
+                <a:tab pos="3738126" algn="l"/>
+                <a:tab pos="4195273" algn="l"/>
+                <a:tab pos="4652419" algn="l"/>
+                <a:tab pos="5109565" algn="l"/>
+                <a:tab pos="5566712" algn="l"/>
+                <a:tab pos="6023858" algn="l"/>
+                <a:tab pos="6481005" algn="l"/>
+                <a:tab pos="6938152" algn="l"/>
+                <a:tab pos="7395298" algn="l"/>
+                <a:tab pos="7852445" algn="l"/>
+                <a:tab pos="8309591" algn="l"/>
+                <a:tab pos="8766738" algn="l"/>
+                <a:tab pos="9223885" algn="l"/>
               </a:tabLst>
             </a:pPr>
             <a:r>
               <a:rPr lang="en-US" dirty="0"/>
-              <a:t>Vectors can be used to represent anything with direction.  Position, velocity, and acceleration are the big ones.</a:t>
-            </a:r>
-          </a:p>
-          <a:p>
-            <a:pPr marL="447675">
+              <a:t>Vectors can be used to represent anything </a:t>
+            </a:r>
+            <a:r>
+              <a:rPr lang="en-US" dirty="0" smtClean="0"/>
+              <a:t>with multiple related quantities.  </a:t>
+            </a:r>
+            <a:r>
+              <a:rPr lang="en-US" dirty="0"/>
+              <a:t>Position, velocity, and acceleration are the big ones.</a:t>
+            </a:r>
+          </a:p>
+          <a:p>
+            <a:pPr marL="447622">
               <a:buSzPct val="45000"/>
               <a:buFont typeface="Arial"/>
               <a:buChar char="•"/>
               <a:tabLst>
-                <a:tab pos="425450" algn="l"/>
-                <a:tab pos="538163" algn="l"/>
-                <a:tab pos="995363" algn="l"/>
-                <a:tab pos="1452563" algn="l"/>
-                <a:tab pos="1909763" algn="l"/>
-                <a:tab pos="2366963" algn="l"/>
-                <a:tab pos="2824163" algn="l"/>
-                <a:tab pos="3281363" algn="l"/>
-                <a:tab pos="3738563" algn="l"/>
-                <a:tab pos="4195763" algn="l"/>
-                <a:tab pos="4652963" algn="l"/>
-                <a:tab pos="5110163" algn="l"/>
-                <a:tab pos="5567363" algn="l"/>
-                <a:tab pos="6024563" algn="l"/>
-                <a:tab pos="6481763" algn="l"/>
-                <a:tab pos="6938963" algn="l"/>
-                <a:tab pos="7396163" algn="l"/>
-                <a:tab pos="7853363" algn="l"/>
-                <a:tab pos="8310563" algn="l"/>
-                <a:tab pos="8767763" algn="l"/>
-                <a:tab pos="9224963" algn="l"/>
+                <a:tab pos="425400" algn="l"/>
+                <a:tab pos="538100" algn="l"/>
+                <a:tab pos="995247" algn="l"/>
+                <a:tab pos="1452393" algn="l"/>
+                <a:tab pos="1909540" algn="l"/>
+                <a:tab pos="2366686" algn="l"/>
+                <a:tab pos="2823833" algn="l"/>
+                <a:tab pos="3280980" algn="l"/>
+                <a:tab pos="3738126" algn="l"/>
+                <a:tab pos="4195273" algn="l"/>
+                <a:tab pos="4652419" algn="l"/>
+                <a:tab pos="5109565" algn="l"/>
+                <a:tab pos="5566712" algn="l"/>
+                <a:tab pos="6023858" algn="l"/>
+                <a:tab pos="6481005" algn="l"/>
+                <a:tab pos="6938152" algn="l"/>
+                <a:tab pos="7395298" algn="l"/>
+                <a:tab pos="7852445" algn="l"/>
+                <a:tab pos="8309591" algn="l"/>
+                <a:tab pos="8766738" algn="l"/>
+                <a:tab pos="9223885" algn="l"/>
               </a:tabLst>
             </a:pPr>
             <a:r>
@@ -6324,7 +6360,7 @@
         </p:blipFill>
         <p:spPr bwMode="auto">
           <a:xfrm>
-            <a:off x="2762250" y="3721100"/>
+            <a:off x="2762251" y="3721101"/>
             <a:ext cx="1790700" cy="352425"/>
           </a:xfrm>
           <a:prstGeom prst="rect">
@@ -6380,7 +6416,7 @@
   <p:timing>
     <p:tnLst>
       <p:par>
-        <p:cTn xmlns:p14="http://schemas.microsoft.com/office/powerpoint/2010/main" id="1" dur="indefinite" nodeType="tmRoot">
+        <p:cTn xmlns:p14="http://schemas.microsoft.com/office/powerpoint/2010/main" id="1" dur="indefinite" restart="never" nodeType="tmRoot">
           <p:childTnLst>
             <p:seq concurrent="1" nextAc="seek">
               <p:cTn id="2" dur="indefinite" nodeType="mainSeq"/>
@@ -6410,14 +6446,6 @@
 <file path=ppt/slides/slide3.xml><?xml version="1.0" encoding="utf-8"?>
 <p:sld xmlns:a="http://schemas.openxmlformats.org/drawingml/2006/main" xmlns:r="http://schemas.openxmlformats.org/officeDocument/2006/relationships" xmlns:p="http://schemas.openxmlformats.org/presentationml/2006/main">
   <p:cSld>
-    <p:bg>
-      <p:bgPr>
-        <a:solidFill>
-          <a:srgbClr val="FFFFFF"/>
-        </a:solidFill>
-        <a:effectLst/>
-      </p:bgPr>
-    </p:bg>
     <p:spTree>
       <p:nvGrpSpPr>
         <p:cNvPr id="1" name=""/>
@@ -6455,30 +6483,28 @@
           <a:p>
             <a:pPr>
               <a:buClrTx/>
-              <a:buFontTx/>
-              <a:buNone/>
               <a:tabLst>
                 <a:tab pos="0" algn="l"/>
-                <a:tab pos="457200" algn="l"/>
-                <a:tab pos="914400" algn="l"/>
-                <a:tab pos="1371600" algn="l"/>
-                <a:tab pos="1828800" algn="l"/>
-                <a:tab pos="2286000" algn="l"/>
-                <a:tab pos="2743200" algn="l"/>
-                <a:tab pos="3200400" algn="l"/>
-                <a:tab pos="3657600" algn="l"/>
-                <a:tab pos="4114800" algn="l"/>
-                <a:tab pos="4572000" algn="l"/>
-                <a:tab pos="5029200" algn="l"/>
-                <a:tab pos="5486400" algn="l"/>
-                <a:tab pos="5943600" algn="l"/>
-                <a:tab pos="6400800" algn="l"/>
-                <a:tab pos="6858000" algn="l"/>
-                <a:tab pos="7315200" algn="l"/>
-                <a:tab pos="7772400" algn="l"/>
-                <a:tab pos="8229600" algn="l"/>
-                <a:tab pos="8686800" algn="l"/>
-                <a:tab pos="9144000" algn="l"/>
+                <a:tab pos="457147" algn="l"/>
+                <a:tab pos="914293" algn="l"/>
+                <a:tab pos="1371440" algn="l"/>
+                <a:tab pos="1828586" algn="l"/>
+                <a:tab pos="2285733" algn="l"/>
+                <a:tab pos="2742880" algn="l"/>
+                <a:tab pos="3200025" algn="l"/>
+                <a:tab pos="3657172" algn="l"/>
+                <a:tab pos="4114319" algn="l"/>
+                <a:tab pos="4571465" algn="l"/>
+                <a:tab pos="5028612" algn="l"/>
+                <a:tab pos="5485759" algn="l"/>
+                <a:tab pos="5942905" algn="l"/>
+                <a:tab pos="6400052" algn="l"/>
+                <a:tab pos="6857198" algn="l"/>
+                <a:tab pos="7314345" algn="l"/>
+                <a:tab pos="7771492" algn="l"/>
+                <a:tab pos="8228638" algn="l"/>
+                <a:tab pos="8685784" algn="l"/>
+                <a:tab pos="9142931" algn="l"/>
               </a:tabLst>
             </a:pPr>
             <a:r>
@@ -6495,12 +6521,12 @@
             <a:spLocks noGrp="1" noChangeArrowheads="1"/>
           </p:cNvSpPr>
           <p:nvPr>
-            <p:ph type="body" idx="1"/>
+            <p:ph idx="1"/>
           </p:nvPr>
         </p:nvSpPr>
         <p:spPr>
           <a:xfrm>
-            <a:off x="365125" y="1069975"/>
+            <a:off x="365125" y="1069976"/>
             <a:ext cx="6434138" cy="2647950"/>
           </a:xfrm>
           <a:ln/>
@@ -6509,32 +6535,32 @@
           <a:bodyPr/>
           <a:lstStyle/>
           <a:p>
-            <a:pPr marL="347662">
+            <a:pPr marL="347621">
               <a:buSzPct val="45000"/>
               <a:buFont typeface="Arial"/>
               <a:buChar char="•"/>
               <a:tabLst>
-                <a:tab pos="342900" algn="l"/>
-                <a:tab pos="455613" algn="l"/>
-                <a:tab pos="912813" algn="l"/>
-                <a:tab pos="1370013" algn="l"/>
-                <a:tab pos="1827213" algn="l"/>
-                <a:tab pos="2284413" algn="l"/>
-                <a:tab pos="2741613" algn="l"/>
-                <a:tab pos="3198813" algn="l"/>
-                <a:tab pos="3656013" algn="l"/>
-                <a:tab pos="4113213" algn="l"/>
-                <a:tab pos="4570413" algn="l"/>
-                <a:tab pos="5027613" algn="l"/>
-                <a:tab pos="5484813" algn="l"/>
-                <a:tab pos="5942013" algn="l"/>
-                <a:tab pos="6399213" algn="l"/>
-                <a:tab pos="6856413" algn="l"/>
-                <a:tab pos="7313613" algn="l"/>
-                <a:tab pos="7770813" algn="l"/>
-                <a:tab pos="8228013" algn="l"/>
-                <a:tab pos="8685213" algn="l"/>
-                <a:tab pos="9142413" algn="l"/>
+                <a:tab pos="342860" algn="l"/>
+                <a:tab pos="455560" algn="l"/>
+                <a:tab pos="912707" algn="l"/>
+                <a:tab pos="1369852" algn="l"/>
+                <a:tab pos="1826999" algn="l"/>
+                <a:tab pos="2284146" algn="l"/>
+                <a:tab pos="2741292" algn="l"/>
+                <a:tab pos="3198439" algn="l"/>
+                <a:tab pos="3655585" algn="l"/>
+                <a:tab pos="4112732" algn="l"/>
+                <a:tab pos="4569879" algn="l"/>
+                <a:tab pos="5027025" algn="l"/>
+                <a:tab pos="5484172" algn="l"/>
+                <a:tab pos="5941318" algn="l"/>
+                <a:tab pos="6398465" algn="l"/>
+                <a:tab pos="6855612" algn="l"/>
+                <a:tab pos="7312758" algn="l"/>
+                <a:tab pos="7769904" algn="l"/>
+                <a:tab pos="8227051" algn="l"/>
+                <a:tab pos="8684197" algn="l"/>
+                <a:tab pos="9141344" algn="l"/>
               </a:tabLst>
             </a:pPr>
             <a:r>
@@ -6543,40 +6569,44 @@
             </a:r>
             <a:r>
               <a:rPr lang="en-US" dirty="0"/>
-              <a:t>have at least two dimensions, scalars have </a:t>
+              <a:t>have at least two dimensions, scalars </a:t>
             </a:r>
             <a:r>
               <a:rPr lang="en-US" dirty="0" smtClean="0"/>
-              <a:t>	   	only one.</a:t>
-            </a:r>
-          </a:p>
-          <a:p>
-            <a:pPr marL="347662">
+              <a:t>have only </a:t>
+            </a:r>
+            <a:r>
+              <a:rPr lang="en-US" dirty="0" smtClean="0"/>
+              <a:t>one.</a:t>
+            </a:r>
+          </a:p>
+          <a:p>
+            <a:pPr marL="347621">
               <a:buSzPct val="45000"/>
               <a:buFont typeface="Arial"/>
               <a:buChar char="•"/>
               <a:tabLst>
-                <a:tab pos="342900" algn="l"/>
-                <a:tab pos="455613" algn="l"/>
-                <a:tab pos="912813" algn="l"/>
-                <a:tab pos="1370013" algn="l"/>
-                <a:tab pos="1827213" algn="l"/>
-                <a:tab pos="2284413" algn="l"/>
-                <a:tab pos="2741613" algn="l"/>
-                <a:tab pos="3198813" algn="l"/>
-                <a:tab pos="3656013" algn="l"/>
-                <a:tab pos="4113213" algn="l"/>
-                <a:tab pos="4570413" algn="l"/>
-                <a:tab pos="5027613" algn="l"/>
-                <a:tab pos="5484813" algn="l"/>
-                <a:tab pos="5942013" algn="l"/>
-                <a:tab pos="6399213" algn="l"/>
-                <a:tab pos="6856413" algn="l"/>
-                <a:tab pos="7313613" algn="l"/>
-                <a:tab pos="7770813" algn="l"/>
-                <a:tab pos="8228013" algn="l"/>
-                <a:tab pos="8685213" algn="l"/>
-                <a:tab pos="9142413" algn="l"/>
+                <a:tab pos="342860" algn="l"/>
+                <a:tab pos="455560" algn="l"/>
+                <a:tab pos="912707" algn="l"/>
+                <a:tab pos="1369852" algn="l"/>
+                <a:tab pos="1826999" algn="l"/>
+                <a:tab pos="2284146" algn="l"/>
+                <a:tab pos="2741292" algn="l"/>
+                <a:tab pos="3198439" algn="l"/>
+                <a:tab pos="3655585" algn="l"/>
+                <a:tab pos="4112732" algn="l"/>
+                <a:tab pos="4569879" algn="l"/>
+                <a:tab pos="5027025" algn="l"/>
+                <a:tab pos="5484172" algn="l"/>
+                <a:tab pos="5941318" algn="l"/>
+                <a:tab pos="6398465" algn="l"/>
+                <a:tab pos="6855612" algn="l"/>
+                <a:tab pos="7312758" algn="l"/>
+                <a:tab pos="7769904" algn="l"/>
+                <a:tab pos="8227051" algn="l"/>
+                <a:tab pos="8684197" algn="l"/>
+                <a:tab pos="9141344" algn="l"/>
               </a:tabLst>
             </a:pPr>
             <a:r>
@@ -6593,32 +6623,32 @@
             </a:r>
           </a:p>
           <a:p>
-            <a:pPr marL="347662">
+            <a:pPr marL="347621">
               <a:buSzPct val="45000"/>
               <a:buFont typeface="Arial"/>
               <a:buChar char="•"/>
               <a:tabLst>
-                <a:tab pos="342900" algn="l"/>
-                <a:tab pos="455613" algn="l"/>
-                <a:tab pos="912813" algn="l"/>
-                <a:tab pos="1370013" algn="l"/>
-                <a:tab pos="1827213" algn="l"/>
-                <a:tab pos="2284413" algn="l"/>
-                <a:tab pos="2741613" algn="l"/>
-                <a:tab pos="3198813" algn="l"/>
-                <a:tab pos="3656013" algn="l"/>
-                <a:tab pos="4113213" algn="l"/>
-                <a:tab pos="4570413" algn="l"/>
-                <a:tab pos="5027613" algn="l"/>
-                <a:tab pos="5484813" algn="l"/>
-                <a:tab pos="5942013" algn="l"/>
-                <a:tab pos="6399213" algn="l"/>
-                <a:tab pos="6856413" algn="l"/>
-                <a:tab pos="7313613" algn="l"/>
-                <a:tab pos="7770813" algn="l"/>
-                <a:tab pos="8228013" algn="l"/>
-                <a:tab pos="8685213" algn="l"/>
-                <a:tab pos="9142413" algn="l"/>
+                <a:tab pos="342860" algn="l"/>
+                <a:tab pos="455560" algn="l"/>
+                <a:tab pos="912707" algn="l"/>
+                <a:tab pos="1369852" algn="l"/>
+                <a:tab pos="1826999" algn="l"/>
+                <a:tab pos="2284146" algn="l"/>
+                <a:tab pos="2741292" algn="l"/>
+                <a:tab pos="3198439" algn="l"/>
+                <a:tab pos="3655585" algn="l"/>
+                <a:tab pos="4112732" algn="l"/>
+                <a:tab pos="4569879" algn="l"/>
+                <a:tab pos="5027025" algn="l"/>
+                <a:tab pos="5484172" algn="l"/>
+                <a:tab pos="5941318" algn="l"/>
+                <a:tab pos="6398465" algn="l"/>
+                <a:tab pos="6855612" algn="l"/>
+                <a:tab pos="7312758" algn="l"/>
+                <a:tab pos="7769904" algn="l"/>
+                <a:tab pos="8227051" algn="l"/>
+                <a:tab pos="8684197" algn="l"/>
+                <a:tab pos="9141344" algn="l"/>
               </a:tabLst>
             </a:pPr>
             <a:r>
@@ -6631,12 +6661,9 @@
             </a:r>
             <a:r>
               <a:rPr lang="en-US" dirty="0" smtClean="0"/>
-              <a:t>velocity</a:t>
-            </a:r>
-            <a:r>
-              <a:rPr lang="en-US" dirty="0"/>
-              <a:t>!</a:t>
-            </a:r>
+              <a:t>velocity!</a:t>
+            </a:r>
+            <a:endParaRPr lang="en-US" dirty="0"/>
           </a:p>
         </p:txBody>
       </p:sp>
@@ -6663,7 +6690,7 @@
         </p:blipFill>
         <p:spPr bwMode="auto">
           <a:xfrm>
-            <a:off x="2693988" y="3579813"/>
+            <a:off x="2693989" y="3579814"/>
             <a:ext cx="2152650" cy="352425"/>
           </a:xfrm>
           <a:prstGeom prst="rect">
@@ -6719,7 +6746,7 @@
   <p:timing>
     <p:tnLst>
       <p:par>
-        <p:cTn xmlns:p14="http://schemas.microsoft.com/office/powerpoint/2010/main" id="1" dur="indefinite" nodeType="tmRoot">
+        <p:cTn xmlns:p14="http://schemas.microsoft.com/office/powerpoint/2010/main" id="1" dur="indefinite" restart="never" nodeType="tmRoot">
           <p:childTnLst>
             <p:seq concurrent="1" nextAc="seek">
               <p:cTn id="2" dur="indefinite" nodeType="mainSeq"/>
@@ -6749,14 +6776,6 @@
 <file path=ppt/slides/slide4.xml><?xml version="1.0" encoding="utf-8"?>
 <p:sld xmlns:a="http://schemas.openxmlformats.org/drawingml/2006/main" xmlns:r="http://schemas.openxmlformats.org/officeDocument/2006/relationships" xmlns:p="http://schemas.openxmlformats.org/presentationml/2006/main">
   <p:cSld>
-    <p:bg>
-      <p:bgPr>
-        <a:solidFill>
-          <a:srgbClr val="FFFFFF"/>
-        </a:solidFill>
-        <a:effectLst/>
-      </p:bgPr>
-    </p:bg>
     <p:spTree>
       <p:nvGrpSpPr>
         <p:cNvPr id="1" name=""/>
@@ -6794,30 +6813,28 @@
           <a:p>
             <a:pPr>
               <a:buClrTx/>
-              <a:buFontTx/>
-              <a:buNone/>
               <a:tabLst>
                 <a:tab pos="0" algn="l"/>
-                <a:tab pos="457200" algn="l"/>
-                <a:tab pos="914400" algn="l"/>
-                <a:tab pos="1371600" algn="l"/>
-                <a:tab pos="1828800" algn="l"/>
-                <a:tab pos="2286000" algn="l"/>
-                <a:tab pos="2743200" algn="l"/>
-                <a:tab pos="3200400" algn="l"/>
-                <a:tab pos="3657600" algn="l"/>
-                <a:tab pos="4114800" algn="l"/>
-                <a:tab pos="4572000" algn="l"/>
-                <a:tab pos="5029200" algn="l"/>
-                <a:tab pos="5486400" algn="l"/>
-                <a:tab pos="5943600" algn="l"/>
-                <a:tab pos="6400800" algn="l"/>
-                <a:tab pos="6858000" algn="l"/>
-                <a:tab pos="7315200" algn="l"/>
-                <a:tab pos="7772400" algn="l"/>
-                <a:tab pos="8229600" algn="l"/>
-                <a:tab pos="8686800" algn="l"/>
-                <a:tab pos="9144000" algn="l"/>
+                <a:tab pos="457147" algn="l"/>
+                <a:tab pos="914293" algn="l"/>
+                <a:tab pos="1371440" algn="l"/>
+                <a:tab pos="1828586" algn="l"/>
+                <a:tab pos="2285733" algn="l"/>
+                <a:tab pos="2742880" algn="l"/>
+                <a:tab pos="3200025" algn="l"/>
+                <a:tab pos="3657172" algn="l"/>
+                <a:tab pos="4114319" algn="l"/>
+                <a:tab pos="4571465" algn="l"/>
+                <a:tab pos="5028612" algn="l"/>
+                <a:tab pos="5485759" algn="l"/>
+                <a:tab pos="5942905" algn="l"/>
+                <a:tab pos="6400052" algn="l"/>
+                <a:tab pos="6857198" algn="l"/>
+                <a:tab pos="7314345" algn="l"/>
+                <a:tab pos="7771492" algn="l"/>
+                <a:tab pos="8228638" algn="l"/>
+                <a:tab pos="8685784" algn="l"/>
+                <a:tab pos="9142931" algn="l"/>
               </a:tabLst>
             </a:pPr>
             <a:r>
@@ -6834,46 +6851,48 @@
             <a:spLocks noGrp="1" noChangeArrowheads="1"/>
           </p:cNvSpPr>
           <p:nvPr>
-            <p:ph type="body" idx="1"/>
+            <p:ph idx="1"/>
           </p:nvPr>
         </p:nvSpPr>
         <p:spPr>
           <a:xfrm>
-            <a:off x="365125" y="1069975"/>
+            <a:off x="365125" y="1069976"/>
             <a:ext cx="6434138" cy="3144838"/>
           </a:xfrm>
           <a:ln/>
         </p:spPr>
         <p:txBody>
-          <a:bodyPr/>
-          <a:lstStyle/>
-          <a:p>
-            <a:pPr marL="344488">
+          <a:bodyPr>
+            <a:normAutofit fontScale="85000" lnSpcReduction="10000"/>
+          </a:bodyPr>
+          <a:lstStyle/>
+          <a:p>
+            <a:pPr marL="344448">
               <a:buSzPct val="45000"/>
               <a:buFont typeface="Arial"/>
               <a:buChar char="•"/>
               <a:tabLst>
-                <a:tab pos="341313" algn="l"/>
-                <a:tab pos="454025" algn="l"/>
-                <a:tab pos="911225" algn="l"/>
-                <a:tab pos="1368425" algn="l"/>
-                <a:tab pos="1825625" algn="l"/>
-                <a:tab pos="2282825" algn="l"/>
-                <a:tab pos="2740025" algn="l"/>
-                <a:tab pos="3197225" algn="l"/>
-                <a:tab pos="3654425" algn="l"/>
-                <a:tab pos="4111625" algn="l"/>
-                <a:tab pos="4568825" algn="l"/>
-                <a:tab pos="5026025" algn="l"/>
-                <a:tab pos="5483225" algn="l"/>
-                <a:tab pos="5940425" algn="l"/>
-                <a:tab pos="6397625" algn="l"/>
-                <a:tab pos="6854825" algn="l"/>
-                <a:tab pos="7312025" algn="l"/>
-                <a:tab pos="7769225" algn="l"/>
-                <a:tab pos="8226425" algn="l"/>
-                <a:tab pos="8683625" algn="l"/>
-                <a:tab pos="9140825" algn="l"/>
+                <a:tab pos="341273" algn="l"/>
+                <a:tab pos="453972" algn="l"/>
+                <a:tab pos="911118" algn="l"/>
+                <a:tab pos="1368265" algn="l"/>
+                <a:tab pos="1825412" algn="l"/>
+                <a:tab pos="2282558" algn="l"/>
+                <a:tab pos="2739705" algn="l"/>
+                <a:tab pos="3196851" algn="l"/>
+                <a:tab pos="3653997" algn="l"/>
+                <a:tab pos="4111144" algn="l"/>
+                <a:tab pos="4568291" algn="l"/>
+                <a:tab pos="5025437" algn="l"/>
+                <a:tab pos="5482584" algn="l"/>
+                <a:tab pos="5939730" algn="l"/>
+                <a:tab pos="6396877" algn="l"/>
+                <a:tab pos="6854024" algn="l"/>
+                <a:tab pos="7311170" algn="l"/>
+                <a:tab pos="7768317" algn="l"/>
+                <a:tab pos="8225463" algn="l"/>
+                <a:tab pos="8682610" algn="l"/>
+                <a:tab pos="9139757" algn="l"/>
               </a:tabLst>
             </a:pPr>
             <a:r>
@@ -6882,32 +6901,32 @@
             </a:r>
           </a:p>
           <a:p>
-            <a:pPr marL="344488">
+            <a:pPr marL="344448">
               <a:buSzPct val="45000"/>
               <a:buFont typeface="Arial"/>
               <a:buChar char="•"/>
               <a:tabLst>
-                <a:tab pos="341313" algn="l"/>
-                <a:tab pos="454025" algn="l"/>
-                <a:tab pos="911225" algn="l"/>
-                <a:tab pos="1368425" algn="l"/>
-                <a:tab pos="1825625" algn="l"/>
-                <a:tab pos="2282825" algn="l"/>
-                <a:tab pos="2740025" algn="l"/>
-                <a:tab pos="3197225" algn="l"/>
-                <a:tab pos="3654425" algn="l"/>
-                <a:tab pos="4111625" algn="l"/>
-                <a:tab pos="4568825" algn="l"/>
-                <a:tab pos="5026025" algn="l"/>
-                <a:tab pos="5483225" algn="l"/>
-                <a:tab pos="5940425" algn="l"/>
-                <a:tab pos="6397625" algn="l"/>
-                <a:tab pos="6854825" algn="l"/>
-                <a:tab pos="7312025" algn="l"/>
-                <a:tab pos="7769225" algn="l"/>
-                <a:tab pos="8226425" algn="l"/>
-                <a:tab pos="8683625" algn="l"/>
-                <a:tab pos="9140825" algn="l"/>
+                <a:tab pos="341273" algn="l"/>
+                <a:tab pos="453972" algn="l"/>
+                <a:tab pos="911118" algn="l"/>
+                <a:tab pos="1368265" algn="l"/>
+                <a:tab pos="1825412" algn="l"/>
+                <a:tab pos="2282558" algn="l"/>
+                <a:tab pos="2739705" algn="l"/>
+                <a:tab pos="3196851" algn="l"/>
+                <a:tab pos="3653997" algn="l"/>
+                <a:tab pos="4111144" algn="l"/>
+                <a:tab pos="4568291" algn="l"/>
+                <a:tab pos="5025437" algn="l"/>
+                <a:tab pos="5482584" algn="l"/>
+                <a:tab pos="5939730" algn="l"/>
+                <a:tab pos="6396877" algn="l"/>
+                <a:tab pos="6854024" algn="l"/>
+                <a:tab pos="7311170" algn="l"/>
+                <a:tab pos="7768317" algn="l"/>
+                <a:tab pos="8225463" algn="l"/>
+                <a:tab pos="8682610" algn="l"/>
+                <a:tab pos="9139757" algn="l"/>
               </a:tabLst>
             </a:pPr>
             <a:r>
@@ -6916,32 +6935,32 @@
             </a:r>
           </a:p>
           <a:p>
-            <a:pPr marL="344488">
+            <a:pPr marL="344448">
               <a:buSzPct val="45000"/>
               <a:buFont typeface="Arial"/>
               <a:buChar char="•"/>
               <a:tabLst>
-                <a:tab pos="341313" algn="l"/>
-                <a:tab pos="454025" algn="l"/>
-                <a:tab pos="911225" algn="l"/>
-                <a:tab pos="1368425" algn="l"/>
-                <a:tab pos="1825625" algn="l"/>
-                <a:tab pos="2282825" algn="l"/>
-                <a:tab pos="2740025" algn="l"/>
-                <a:tab pos="3197225" algn="l"/>
-                <a:tab pos="3654425" algn="l"/>
-                <a:tab pos="4111625" algn="l"/>
-                <a:tab pos="4568825" algn="l"/>
-                <a:tab pos="5026025" algn="l"/>
-                <a:tab pos="5483225" algn="l"/>
-                <a:tab pos="5940425" algn="l"/>
-                <a:tab pos="6397625" algn="l"/>
-                <a:tab pos="6854825" algn="l"/>
-                <a:tab pos="7312025" algn="l"/>
-                <a:tab pos="7769225" algn="l"/>
-                <a:tab pos="8226425" algn="l"/>
-                <a:tab pos="8683625" algn="l"/>
-                <a:tab pos="9140825" algn="l"/>
+                <a:tab pos="341273" algn="l"/>
+                <a:tab pos="453972" algn="l"/>
+                <a:tab pos="911118" algn="l"/>
+                <a:tab pos="1368265" algn="l"/>
+                <a:tab pos="1825412" algn="l"/>
+                <a:tab pos="2282558" algn="l"/>
+                <a:tab pos="2739705" algn="l"/>
+                <a:tab pos="3196851" algn="l"/>
+                <a:tab pos="3653997" algn="l"/>
+                <a:tab pos="4111144" algn="l"/>
+                <a:tab pos="4568291" algn="l"/>
+                <a:tab pos="5025437" algn="l"/>
+                <a:tab pos="5482584" algn="l"/>
+                <a:tab pos="5939730" algn="l"/>
+                <a:tab pos="6396877" algn="l"/>
+                <a:tab pos="6854024" algn="l"/>
+                <a:tab pos="7311170" algn="l"/>
+                <a:tab pos="7768317" algn="l"/>
+                <a:tab pos="8225463" algn="l"/>
+                <a:tab pos="8682610" algn="l"/>
+                <a:tab pos="9139757" algn="l"/>
               </a:tabLst>
             </a:pPr>
             <a:r>
@@ -6950,72 +6969,77 @@
             </a:r>
           </a:p>
           <a:p>
-            <a:pPr marL="344488">
+            <a:pPr marL="344448">
               <a:buSzPct val="45000"/>
               <a:buFont typeface="Arial"/>
               <a:buChar char="•"/>
               <a:tabLst>
-                <a:tab pos="341313" algn="l"/>
-                <a:tab pos="454025" algn="l"/>
-                <a:tab pos="911225" algn="l"/>
-                <a:tab pos="1368425" algn="l"/>
-                <a:tab pos="1825625" algn="l"/>
-                <a:tab pos="2282825" algn="l"/>
-                <a:tab pos="2740025" algn="l"/>
-                <a:tab pos="3197225" algn="l"/>
-                <a:tab pos="3654425" algn="l"/>
-                <a:tab pos="4111625" algn="l"/>
-                <a:tab pos="4568825" algn="l"/>
-                <a:tab pos="5026025" algn="l"/>
-                <a:tab pos="5483225" algn="l"/>
-                <a:tab pos="5940425" algn="l"/>
-                <a:tab pos="6397625" algn="l"/>
-                <a:tab pos="6854825" algn="l"/>
-                <a:tab pos="7312025" algn="l"/>
-                <a:tab pos="7769225" algn="l"/>
-                <a:tab pos="8226425" algn="l"/>
-                <a:tab pos="8683625" algn="l"/>
-                <a:tab pos="9140825" algn="l"/>
+                <a:tab pos="341273" algn="l"/>
+                <a:tab pos="453972" algn="l"/>
+                <a:tab pos="911118" algn="l"/>
+                <a:tab pos="1368265" algn="l"/>
+                <a:tab pos="1825412" algn="l"/>
+                <a:tab pos="2282558" algn="l"/>
+                <a:tab pos="2739705" algn="l"/>
+                <a:tab pos="3196851" algn="l"/>
+                <a:tab pos="3653997" algn="l"/>
+                <a:tab pos="4111144" algn="l"/>
+                <a:tab pos="4568291" algn="l"/>
+                <a:tab pos="5025437" algn="l"/>
+                <a:tab pos="5482584" algn="l"/>
+                <a:tab pos="5939730" algn="l"/>
+                <a:tab pos="6396877" algn="l"/>
+                <a:tab pos="6854024" algn="l"/>
+                <a:tab pos="7311170" algn="l"/>
+                <a:tab pos="7768317" algn="l"/>
+                <a:tab pos="8225463" algn="l"/>
+                <a:tab pos="8682610" algn="l"/>
+                <a:tab pos="9139757" algn="l"/>
               </a:tabLst>
             </a:pPr>
             <a:r>
               <a:rPr lang="en-US" dirty="0"/>
-              <a:t>Early arcade games used vector displays, but with HD screens this is no longer efficient.</a:t>
-            </a:r>
-          </a:p>
-          <a:p>
-            <a:pPr marL="344488">
+              <a:t>Early arcade games used vector displays, but with HD screens this is no longer efficient</a:t>
+            </a:r>
+            <a:r>
+              <a:rPr lang="en-US" dirty="0" smtClean="0"/>
+              <a:t>.</a:t>
+            </a:r>
+          </a:p>
+          <a:p>
+            <a:pPr marL="344448">
               <a:buSzPct val="45000"/>
               <a:buFont typeface="Arial"/>
               <a:buChar char="•"/>
               <a:tabLst>
-                <a:tab pos="341313" algn="l"/>
-                <a:tab pos="454025" algn="l"/>
-                <a:tab pos="911225" algn="l"/>
-                <a:tab pos="1368425" algn="l"/>
-                <a:tab pos="1825625" algn="l"/>
-                <a:tab pos="2282825" algn="l"/>
-                <a:tab pos="2740025" algn="l"/>
-                <a:tab pos="3197225" algn="l"/>
-                <a:tab pos="3654425" algn="l"/>
-                <a:tab pos="4111625" algn="l"/>
-                <a:tab pos="4568825" algn="l"/>
-                <a:tab pos="5026025" algn="l"/>
-                <a:tab pos="5483225" algn="l"/>
-                <a:tab pos="5940425" algn="l"/>
-                <a:tab pos="6397625" algn="l"/>
-                <a:tab pos="6854825" algn="l"/>
-                <a:tab pos="7312025" algn="l"/>
-                <a:tab pos="7769225" algn="l"/>
-                <a:tab pos="8226425" algn="l"/>
-                <a:tab pos="8683625" algn="l"/>
-                <a:tab pos="9140825" algn="l"/>
+                <a:tab pos="341273" algn="l"/>
+                <a:tab pos="453972" algn="l"/>
+                <a:tab pos="911118" algn="l"/>
+                <a:tab pos="1368265" algn="l"/>
+                <a:tab pos="1825412" algn="l"/>
+                <a:tab pos="2282558" algn="l"/>
+                <a:tab pos="2739705" algn="l"/>
+                <a:tab pos="3196851" algn="l"/>
+                <a:tab pos="3653997" algn="l"/>
+                <a:tab pos="4111144" algn="l"/>
+                <a:tab pos="4568291" algn="l"/>
+                <a:tab pos="5025437" algn="l"/>
+                <a:tab pos="5482584" algn="l"/>
+                <a:tab pos="5939730" algn="l"/>
+                <a:tab pos="6396877" algn="l"/>
+                <a:tab pos="6854024" algn="l"/>
+                <a:tab pos="7311170" algn="l"/>
+                <a:tab pos="7768317" algn="l"/>
+                <a:tab pos="8225463" algn="l"/>
+                <a:tab pos="8682610" algn="l"/>
+                <a:tab pos="9139757" algn="l"/>
               </a:tabLst>
             </a:pPr>
             <a:r>
-              <a:rPr lang="en-US" dirty="0"/>
-              <a:t>Modern games sometimes use vector-like graphics for certain art styles (e.g. Geometry Wars)</a:t>
-            </a:r>
+              <a:rPr lang="en-US" dirty="0" smtClean="0"/>
+              <a:t>Vector screens also burn out faster, which is why so few arcade cabinets with vector graphics remain in existence</a:t>
+            </a:r>
+            <a:endParaRPr lang="en-US" dirty="0"/>
           </a:p>
         </p:txBody>
       </p:sp>
@@ -7028,7 +7052,7 @@
   <p:timing>
     <p:tnLst>
       <p:par>
-        <p:cTn xmlns:p14="http://schemas.microsoft.com/office/powerpoint/2010/main" id="1" dur="indefinite" nodeType="tmRoot">
+        <p:cTn xmlns:p14="http://schemas.microsoft.com/office/powerpoint/2010/main" id="1" dur="indefinite" restart="never" nodeType="tmRoot">
           <p:childTnLst>
             <p:seq concurrent="1" nextAc="seek">
               <p:cTn id="2" dur="indefinite" nodeType="mainSeq"/>
@@ -7058,14 +7082,6 @@
 <file path=ppt/slides/slide5.xml><?xml version="1.0" encoding="utf-8"?>
 <p:sld xmlns:a="http://schemas.openxmlformats.org/drawingml/2006/main" xmlns:r="http://schemas.openxmlformats.org/officeDocument/2006/relationships" xmlns:p="http://schemas.openxmlformats.org/presentationml/2006/main">
   <p:cSld>
-    <p:bg>
-      <p:bgPr>
-        <a:solidFill>
-          <a:srgbClr val="FFFFFF"/>
-        </a:solidFill>
-        <a:effectLst/>
-      </p:bgPr>
-    </p:bg>
     <p:spTree>
       <p:nvGrpSpPr>
         <p:cNvPr id="1" name=""/>
@@ -7103,30 +7119,28 @@
           <a:p>
             <a:pPr>
               <a:buClrTx/>
-              <a:buFontTx/>
-              <a:buNone/>
               <a:tabLst>
                 <a:tab pos="0" algn="l"/>
-                <a:tab pos="457200" algn="l"/>
-                <a:tab pos="914400" algn="l"/>
-                <a:tab pos="1371600" algn="l"/>
-                <a:tab pos="1828800" algn="l"/>
-                <a:tab pos="2286000" algn="l"/>
-                <a:tab pos="2743200" algn="l"/>
-                <a:tab pos="3200400" algn="l"/>
-                <a:tab pos="3657600" algn="l"/>
-                <a:tab pos="4114800" algn="l"/>
-                <a:tab pos="4572000" algn="l"/>
-                <a:tab pos="5029200" algn="l"/>
-                <a:tab pos="5486400" algn="l"/>
-                <a:tab pos="5943600" algn="l"/>
-                <a:tab pos="6400800" algn="l"/>
-                <a:tab pos="6858000" algn="l"/>
-                <a:tab pos="7315200" algn="l"/>
-                <a:tab pos="7772400" algn="l"/>
-                <a:tab pos="8229600" algn="l"/>
-                <a:tab pos="8686800" algn="l"/>
-                <a:tab pos="9144000" algn="l"/>
+                <a:tab pos="457147" algn="l"/>
+                <a:tab pos="914293" algn="l"/>
+                <a:tab pos="1371440" algn="l"/>
+                <a:tab pos="1828586" algn="l"/>
+                <a:tab pos="2285733" algn="l"/>
+                <a:tab pos="2742880" algn="l"/>
+                <a:tab pos="3200025" algn="l"/>
+                <a:tab pos="3657172" algn="l"/>
+                <a:tab pos="4114319" algn="l"/>
+                <a:tab pos="4571465" algn="l"/>
+                <a:tab pos="5028612" algn="l"/>
+                <a:tab pos="5485759" algn="l"/>
+                <a:tab pos="5942905" algn="l"/>
+                <a:tab pos="6400052" algn="l"/>
+                <a:tab pos="6857198" algn="l"/>
+                <a:tab pos="7314345" algn="l"/>
+                <a:tab pos="7771492" algn="l"/>
+                <a:tab pos="8228638" algn="l"/>
+                <a:tab pos="8685784" algn="l"/>
+                <a:tab pos="9142931" algn="l"/>
               </a:tabLst>
             </a:pPr>
             <a:r>
@@ -7148,178 +7162,214 @@
             <a:spLocks noGrp="1" noChangeArrowheads="1"/>
           </p:cNvSpPr>
           <p:nvPr>
-            <p:ph type="body" idx="1"/>
+            <p:ph idx="1"/>
           </p:nvPr>
         </p:nvSpPr>
         <p:spPr>
           <a:xfrm>
-            <a:off x="365125" y="1069975"/>
+            <a:off x="365125" y="1069976"/>
             <a:ext cx="6434138" cy="3144838"/>
           </a:xfrm>
           <a:ln/>
         </p:spPr>
         <p:txBody>
-          <a:bodyPr/>
-          <a:lstStyle/>
-          <a:p>
-            <a:pPr marL="344488">
+          <a:bodyPr>
+            <a:normAutofit fontScale="92500" lnSpcReduction="10000"/>
+          </a:bodyPr>
+          <a:lstStyle/>
+          <a:p>
+            <a:pPr marL="344448">
               <a:buSzPct val="45000"/>
               <a:buFont typeface="Arial"/>
               <a:buChar char="•"/>
               <a:tabLst>
-                <a:tab pos="341313" algn="l"/>
-                <a:tab pos="454025" algn="l"/>
-                <a:tab pos="911225" algn="l"/>
-                <a:tab pos="1368425" algn="l"/>
-                <a:tab pos="1825625" algn="l"/>
-                <a:tab pos="2282825" algn="l"/>
-                <a:tab pos="2740025" algn="l"/>
-                <a:tab pos="3197225" algn="l"/>
-                <a:tab pos="3654425" algn="l"/>
-                <a:tab pos="4111625" algn="l"/>
-                <a:tab pos="4568825" algn="l"/>
-                <a:tab pos="5026025" algn="l"/>
-                <a:tab pos="5483225" algn="l"/>
-                <a:tab pos="5940425" algn="l"/>
-                <a:tab pos="6397625" algn="l"/>
-                <a:tab pos="6854825" algn="l"/>
-                <a:tab pos="7312025" algn="l"/>
-                <a:tab pos="7769225" algn="l"/>
-                <a:tab pos="8226425" algn="l"/>
-                <a:tab pos="8683625" algn="l"/>
-                <a:tab pos="9140825" algn="l"/>
+                <a:tab pos="341273" algn="l"/>
+                <a:tab pos="453972" algn="l"/>
+                <a:tab pos="911118" algn="l"/>
+                <a:tab pos="1368265" algn="l"/>
+                <a:tab pos="1825412" algn="l"/>
+                <a:tab pos="2282558" algn="l"/>
+                <a:tab pos="2739705" algn="l"/>
+                <a:tab pos="3196851" algn="l"/>
+                <a:tab pos="3653997" algn="l"/>
+                <a:tab pos="4111144" algn="l"/>
+                <a:tab pos="4568291" algn="l"/>
+                <a:tab pos="5025437" algn="l"/>
+                <a:tab pos="5482584" algn="l"/>
+                <a:tab pos="5939730" algn="l"/>
+                <a:tab pos="6396877" algn="l"/>
+                <a:tab pos="6854024" algn="l"/>
+                <a:tab pos="7311170" algn="l"/>
+                <a:tab pos="7768317" algn="l"/>
+                <a:tab pos="8225463" algn="l"/>
+                <a:tab pos="8682610" algn="l"/>
+                <a:tab pos="9139757" algn="l"/>
               </a:tabLst>
             </a:pPr>
             <a:r>
               <a:rPr lang="en-US" dirty="0" smtClean="0"/>
-              <a:t>One thing to note is the properties of sine waves; their cyclical nature is absolutely huge.</a:t>
-            </a:r>
-          </a:p>
-          <a:p>
-            <a:pPr marL="344488">
+              <a:t>Modern games sometimes use vector-like graphics for certain art styles (e.g. Geometry Wars)</a:t>
+            </a:r>
+          </a:p>
+          <a:p>
+            <a:pPr marL="344448">
               <a:buSzPct val="45000"/>
               <a:buFont typeface="Arial"/>
               <a:buChar char="•"/>
               <a:tabLst>
-                <a:tab pos="341313" algn="l"/>
-                <a:tab pos="454025" algn="l"/>
-                <a:tab pos="911225" algn="l"/>
-                <a:tab pos="1368425" algn="l"/>
-                <a:tab pos="1825625" algn="l"/>
-                <a:tab pos="2282825" algn="l"/>
-                <a:tab pos="2740025" algn="l"/>
-                <a:tab pos="3197225" algn="l"/>
-                <a:tab pos="3654425" algn="l"/>
-                <a:tab pos="4111625" algn="l"/>
-                <a:tab pos="4568825" algn="l"/>
-                <a:tab pos="5026025" algn="l"/>
-                <a:tab pos="5483225" algn="l"/>
-                <a:tab pos="5940425" algn="l"/>
-                <a:tab pos="6397625" algn="l"/>
-                <a:tab pos="6854825" algn="l"/>
-                <a:tab pos="7312025" algn="l"/>
-                <a:tab pos="7769225" algn="l"/>
-                <a:tab pos="8226425" algn="l"/>
-                <a:tab pos="8683625" algn="l"/>
-                <a:tab pos="9140825" algn="l"/>
+                <a:tab pos="341273" algn="l"/>
+                <a:tab pos="453972" algn="l"/>
+                <a:tab pos="911118" algn="l"/>
+                <a:tab pos="1368265" algn="l"/>
+                <a:tab pos="1825412" algn="l"/>
+                <a:tab pos="2282558" algn="l"/>
+                <a:tab pos="2739705" algn="l"/>
+                <a:tab pos="3196851" algn="l"/>
+                <a:tab pos="3653997" algn="l"/>
+                <a:tab pos="4111144" algn="l"/>
+                <a:tab pos="4568291" algn="l"/>
+                <a:tab pos="5025437" algn="l"/>
+                <a:tab pos="5482584" algn="l"/>
+                <a:tab pos="5939730" algn="l"/>
+                <a:tab pos="6396877" algn="l"/>
+                <a:tab pos="6854024" algn="l"/>
+                <a:tab pos="7311170" algn="l"/>
+                <a:tab pos="7768317" algn="l"/>
+                <a:tab pos="8225463" algn="l"/>
+                <a:tab pos="8682610" algn="l"/>
+                <a:tab pos="9139757" algn="l"/>
               </a:tabLst>
             </a:pPr>
             <a:r>
               <a:rPr lang="en-US" dirty="0" smtClean="0"/>
-              <a:t>The formula I use here to scale these circles is:</a:t>
-            </a:r>
-          </a:p>
-          <a:p>
-            <a:pPr marL="344488">
+              <a:t>One thing to note is the properties of sine waves; their cyclical nature is extremely useful.</a:t>
+            </a:r>
+          </a:p>
+          <a:p>
+            <a:pPr marL="344448">
               <a:buSzPct val="45000"/>
               <a:buFont typeface="Arial"/>
               <a:buChar char="•"/>
               <a:tabLst>
-                <a:tab pos="341313" algn="l"/>
-                <a:tab pos="454025" algn="l"/>
-                <a:tab pos="911225" algn="l"/>
-                <a:tab pos="1368425" algn="l"/>
-                <a:tab pos="1825625" algn="l"/>
-                <a:tab pos="2282825" algn="l"/>
-                <a:tab pos="2740025" algn="l"/>
-                <a:tab pos="3197225" algn="l"/>
-                <a:tab pos="3654425" algn="l"/>
-                <a:tab pos="4111625" algn="l"/>
-                <a:tab pos="4568825" algn="l"/>
-                <a:tab pos="5026025" algn="l"/>
-                <a:tab pos="5483225" algn="l"/>
-                <a:tab pos="5940425" algn="l"/>
-                <a:tab pos="6397625" algn="l"/>
-                <a:tab pos="6854825" algn="l"/>
-                <a:tab pos="7312025" algn="l"/>
-                <a:tab pos="7769225" algn="l"/>
-                <a:tab pos="8226425" algn="l"/>
-                <a:tab pos="8683625" algn="l"/>
-                <a:tab pos="9140825" algn="l"/>
+                <a:tab pos="341273" algn="l"/>
+                <a:tab pos="453972" algn="l"/>
+                <a:tab pos="911118" algn="l"/>
+                <a:tab pos="1368265" algn="l"/>
+                <a:tab pos="1825412" algn="l"/>
+                <a:tab pos="2282558" algn="l"/>
+                <a:tab pos="2739705" algn="l"/>
+                <a:tab pos="3196851" algn="l"/>
+                <a:tab pos="3653997" algn="l"/>
+                <a:tab pos="4111144" algn="l"/>
+                <a:tab pos="4568291" algn="l"/>
+                <a:tab pos="5025437" algn="l"/>
+                <a:tab pos="5482584" algn="l"/>
+                <a:tab pos="5939730" algn="l"/>
+                <a:tab pos="6396877" algn="l"/>
+                <a:tab pos="6854024" algn="l"/>
+                <a:tab pos="7311170" algn="l"/>
+                <a:tab pos="7768317" algn="l"/>
+                <a:tab pos="8225463" algn="l"/>
+                <a:tab pos="8682610" algn="l"/>
+                <a:tab pos="9139757" algn="l"/>
               </a:tabLst>
             </a:pPr>
-            <a:endParaRPr lang="en-US" dirty="0"/>
-          </a:p>
-          <a:p>
-            <a:pPr marL="344488">
+            <a:r>
+              <a:rPr lang="en-US" dirty="0" smtClean="0"/>
+              <a:t>The formula I use here to scale these circles is:</a:t>
+            </a:r>
+          </a:p>
+          <a:p>
+            <a:pPr marL="344448">
               <a:buSzPct val="45000"/>
               <a:buFont typeface="Arial"/>
               <a:buChar char="•"/>
               <a:tabLst>
-                <a:tab pos="341313" algn="l"/>
-                <a:tab pos="454025" algn="l"/>
-                <a:tab pos="911225" algn="l"/>
-                <a:tab pos="1368425" algn="l"/>
-                <a:tab pos="1825625" algn="l"/>
-                <a:tab pos="2282825" algn="l"/>
-                <a:tab pos="2740025" algn="l"/>
-                <a:tab pos="3197225" algn="l"/>
-                <a:tab pos="3654425" algn="l"/>
-                <a:tab pos="4111625" algn="l"/>
-                <a:tab pos="4568825" algn="l"/>
-                <a:tab pos="5026025" algn="l"/>
-                <a:tab pos="5483225" algn="l"/>
-                <a:tab pos="5940425" algn="l"/>
-                <a:tab pos="6397625" algn="l"/>
-                <a:tab pos="6854825" algn="l"/>
-                <a:tab pos="7312025" algn="l"/>
-                <a:tab pos="7769225" algn="l"/>
-                <a:tab pos="8226425" algn="l"/>
-                <a:tab pos="8683625" algn="l"/>
-                <a:tab pos="9140825" algn="l"/>
+                <a:tab pos="341273" algn="l"/>
+                <a:tab pos="453972" algn="l"/>
+                <a:tab pos="911118" algn="l"/>
+                <a:tab pos="1368265" algn="l"/>
+                <a:tab pos="1825412" algn="l"/>
+                <a:tab pos="2282558" algn="l"/>
+                <a:tab pos="2739705" algn="l"/>
+                <a:tab pos="3196851" algn="l"/>
+                <a:tab pos="3653997" algn="l"/>
+                <a:tab pos="4111144" algn="l"/>
+                <a:tab pos="4568291" algn="l"/>
+                <a:tab pos="5025437" algn="l"/>
+                <a:tab pos="5482584" algn="l"/>
+                <a:tab pos="5939730" algn="l"/>
+                <a:tab pos="6396877" algn="l"/>
+                <a:tab pos="6854024" algn="l"/>
+                <a:tab pos="7311170" algn="l"/>
+                <a:tab pos="7768317" algn="l"/>
+                <a:tab pos="8225463" algn="l"/>
+                <a:tab pos="8682610" algn="l"/>
+                <a:tab pos="9139757" algn="l"/>
               </a:tabLst>
             </a:pPr>
-            <a:endParaRPr lang="en-US" dirty="0" smtClean="0"/>
-          </a:p>
-          <a:p>
-            <a:pPr marL="344488">
+            <a:endParaRPr lang="en-US" dirty="0"/>
+          </a:p>
+          <a:p>
+            <a:pPr marL="344448">
               <a:buSzPct val="45000"/>
               <a:buFont typeface="Arial"/>
               <a:buChar char="•"/>
               <a:tabLst>
-                <a:tab pos="341313" algn="l"/>
-                <a:tab pos="454025" algn="l"/>
-                <a:tab pos="911225" algn="l"/>
-                <a:tab pos="1368425" algn="l"/>
-                <a:tab pos="1825625" algn="l"/>
-                <a:tab pos="2282825" algn="l"/>
-                <a:tab pos="2740025" algn="l"/>
-                <a:tab pos="3197225" algn="l"/>
-                <a:tab pos="3654425" algn="l"/>
-                <a:tab pos="4111625" algn="l"/>
-                <a:tab pos="4568825" algn="l"/>
-                <a:tab pos="5026025" algn="l"/>
-                <a:tab pos="5483225" algn="l"/>
-                <a:tab pos="5940425" algn="l"/>
-                <a:tab pos="6397625" algn="l"/>
-                <a:tab pos="6854825" algn="l"/>
-                <a:tab pos="7312025" algn="l"/>
-                <a:tab pos="7769225" algn="l"/>
-                <a:tab pos="8226425" algn="l"/>
-                <a:tab pos="8683625" algn="l"/>
-                <a:tab pos="9140825" algn="l"/>
+                <a:tab pos="341273" algn="l"/>
+                <a:tab pos="453972" algn="l"/>
+                <a:tab pos="911118" algn="l"/>
+                <a:tab pos="1368265" algn="l"/>
+                <a:tab pos="1825412" algn="l"/>
+                <a:tab pos="2282558" algn="l"/>
+                <a:tab pos="2739705" algn="l"/>
+                <a:tab pos="3196851" algn="l"/>
+                <a:tab pos="3653997" algn="l"/>
+                <a:tab pos="4111144" algn="l"/>
+                <a:tab pos="4568291" algn="l"/>
+                <a:tab pos="5025437" algn="l"/>
+                <a:tab pos="5482584" algn="l"/>
+                <a:tab pos="5939730" algn="l"/>
+                <a:tab pos="6396877" algn="l"/>
+                <a:tab pos="6854024" algn="l"/>
+                <a:tab pos="7311170" algn="l"/>
+                <a:tab pos="7768317" algn="l"/>
+                <a:tab pos="8225463" algn="l"/>
+                <a:tab pos="8682610" algn="l"/>
+                <a:tab pos="9139757" algn="l"/>
               </a:tabLst>
             </a:pPr>
+            <a:endParaRPr lang="en-US" dirty="0" smtClean="0"/>
+          </a:p>
+          <a:p>
+            <a:pPr marL="344448">
+              <a:buSzPct val="45000"/>
+              <a:buFont typeface="Arial"/>
+              <a:buChar char="•"/>
+              <a:tabLst>
+                <a:tab pos="341273" algn="l"/>
+                <a:tab pos="453972" algn="l"/>
+                <a:tab pos="911118" algn="l"/>
+                <a:tab pos="1368265" algn="l"/>
+                <a:tab pos="1825412" algn="l"/>
+                <a:tab pos="2282558" algn="l"/>
+                <a:tab pos="2739705" algn="l"/>
+                <a:tab pos="3196851" algn="l"/>
+                <a:tab pos="3653997" algn="l"/>
+                <a:tab pos="4111144" algn="l"/>
+                <a:tab pos="4568291" algn="l"/>
+                <a:tab pos="5025437" algn="l"/>
+                <a:tab pos="5482584" algn="l"/>
+                <a:tab pos="5939730" algn="l"/>
+                <a:tab pos="6396877" algn="l"/>
+                <a:tab pos="6854024" algn="l"/>
+                <a:tab pos="7311170" algn="l"/>
+                <a:tab pos="7768317" algn="l"/>
+                <a:tab pos="8225463" algn="l"/>
+                <a:tab pos="8682610" algn="l"/>
+                <a:tab pos="9139757" algn="l"/>
+              </a:tabLst>
+            </a:pPr>
             <a:r>
               <a:rPr lang="en-US" dirty="0" smtClean="0"/>
               <a:t>Where</a:t>
@@ -7330,7 +7380,19 @@
             </a:r>
             <a:r>
               <a:rPr lang="en-US" dirty="0" smtClean="0"/>
-              <a:t>is time elapsed since the beginning of this screen</a:t>
+              <a:t>is time elapsed since the beginning of this </a:t>
+            </a:r>
+            <a:r>
+              <a:rPr lang="en-US" dirty="0" smtClean="0"/>
+              <a:t>screen, and </a:t>
+            </a:r>
+            <a:r>
+              <a:rPr lang="en-US" i="1" dirty="0" smtClean="0"/>
+              <a:t>s</a:t>
+            </a:r>
+            <a:r>
+              <a:rPr lang="en-US" dirty="0" smtClean="0"/>
+              <a:t> is the scalar used to scale the circles</a:t>
             </a:r>
             <a:endParaRPr lang="en-US" dirty="0"/>
           </a:p>
@@ -7338,7 +7400,7 @@
       </p:sp>
       <p:pic>
         <p:nvPicPr>
-          <p:cNvPr id="2" name="Picture 1"/>
+          <p:cNvPr id="3" name="Picture 2"/>
           <p:cNvPicPr>
             <a:picLocks noChangeAspect="1"/>
           </p:cNvPicPr>
@@ -7352,8 +7414,8 @@
         </p:blipFill>
         <p:spPr>
           <a:xfrm>
-            <a:off x="2133600" y="2133600"/>
-            <a:ext cx="3225800" cy="647700"/>
+            <a:off x="838200" y="2743200"/>
+            <a:ext cx="5638800" cy="853618"/>
           </a:xfrm>
           <a:prstGeom prst="rect">
             <a:avLst/>
@@ -7374,7 +7436,7 @@
   <p:timing>
     <p:tnLst>
       <p:par>
-        <p:cTn xmlns:p14="http://schemas.microsoft.com/office/powerpoint/2010/main" id="1" dur="indefinite" nodeType="tmRoot">
+        <p:cTn xmlns:p14="http://schemas.microsoft.com/office/powerpoint/2010/main" id="1" dur="indefinite" restart="never" nodeType="tmRoot">
           <p:childTnLst>
             <p:seq concurrent="1" nextAc="seek">
               <p:cTn id="2" dur="indefinite" nodeType="mainSeq"/>
@@ -7430,7 +7492,7 @@
         </p:nvSpPr>
         <p:spPr>
           <a:xfrm>
-            <a:off x="365125" y="182563"/>
+            <a:off x="365126" y="182564"/>
             <a:ext cx="6577013" cy="757237"/>
           </a:xfrm>
           <a:ln/>
@@ -7442,26 +7504,26 @@
             <a:pPr>
               <a:tabLst>
                 <a:tab pos="0" algn="l"/>
-                <a:tab pos="457200" algn="l"/>
-                <a:tab pos="914400" algn="l"/>
-                <a:tab pos="1371600" algn="l"/>
-                <a:tab pos="1828800" algn="l"/>
-                <a:tab pos="2286000" algn="l"/>
-                <a:tab pos="2743200" algn="l"/>
-                <a:tab pos="3200400" algn="l"/>
-                <a:tab pos="3657600" algn="l"/>
-                <a:tab pos="4114800" algn="l"/>
-                <a:tab pos="4572000" algn="l"/>
-                <a:tab pos="5029200" algn="l"/>
-                <a:tab pos="5486400" algn="l"/>
-                <a:tab pos="5943600" algn="l"/>
-                <a:tab pos="6400800" algn="l"/>
-                <a:tab pos="6858000" algn="l"/>
-                <a:tab pos="7315200" algn="l"/>
-                <a:tab pos="7772400" algn="l"/>
-                <a:tab pos="8229600" algn="l"/>
-                <a:tab pos="8686800" algn="l"/>
-                <a:tab pos="9144000" algn="l"/>
+                <a:tab pos="457147" algn="l"/>
+                <a:tab pos="914293" algn="l"/>
+                <a:tab pos="1371440" algn="l"/>
+                <a:tab pos="1828586" algn="l"/>
+                <a:tab pos="2285733" algn="l"/>
+                <a:tab pos="2742880" algn="l"/>
+                <a:tab pos="3200025" algn="l"/>
+                <a:tab pos="3657172" algn="l"/>
+                <a:tab pos="4114319" algn="l"/>
+                <a:tab pos="4571465" algn="l"/>
+                <a:tab pos="5028612" algn="l"/>
+                <a:tab pos="5485759" algn="l"/>
+                <a:tab pos="5942905" algn="l"/>
+                <a:tab pos="6400052" algn="l"/>
+                <a:tab pos="6857198" algn="l"/>
+                <a:tab pos="7314345" algn="l"/>
+                <a:tab pos="7771492" algn="l"/>
+                <a:tab pos="8228638" algn="l"/>
+                <a:tab pos="8685784" algn="l"/>
+                <a:tab pos="9142931" algn="l"/>
               </a:tabLst>
             </a:pPr>
             <a:r>
@@ -7478,12 +7540,12 @@
             <a:spLocks noGrp="1" noChangeArrowheads="1"/>
           </p:cNvSpPr>
           <p:nvPr>
-            <p:ph type="body" idx="1"/>
+            <p:ph idx="1"/>
           </p:nvPr>
         </p:nvSpPr>
         <p:spPr>
           <a:xfrm>
-            <a:off x="365125" y="1069975"/>
+            <a:off x="365126" y="1069976"/>
             <a:ext cx="6430963" cy="2644775"/>
           </a:xfrm>
           <a:ln/>
@@ -7492,32 +7554,32 @@
           <a:bodyPr/>
           <a:lstStyle/>
           <a:p>
-            <a:pPr marL="344487">
+            <a:pPr marL="344447">
               <a:buSzPct val="45000"/>
               <a:buFont typeface="Arial"/>
               <a:buChar char="•"/>
               <a:tabLst>
-                <a:tab pos="342900" algn="l"/>
-                <a:tab pos="455613" algn="l"/>
-                <a:tab pos="912813" algn="l"/>
-                <a:tab pos="1370013" algn="l"/>
-                <a:tab pos="1827213" algn="l"/>
-                <a:tab pos="2284413" algn="l"/>
-                <a:tab pos="2741613" algn="l"/>
-                <a:tab pos="3198813" algn="l"/>
-                <a:tab pos="3656013" algn="l"/>
-                <a:tab pos="4113213" algn="l"/>
-                <a:tab pos="4570413" algn="l"/>
-                <a:tab pos="5027613" algn="l"/>
-                <a:tab pos="5484813" algn="l"/>
-                <a:tab pos="5942013" algn="l"/>
-                <a:tab pos="6399213" algn="l"/>
-                <a:tab pos="6856413" algn="l"/>
-                <a:tab pos="7313613" algn="l"/>
-                <a:tab pos="7770813" algn="l"/>
-                <a:tab pos="8228013" algn="l"/>
-                <a:tab pos="8685213" algn="l"/>
-                <a:tab pos="9142413" algn="l"/>
+                <a:tab pos="342860" algn="l"/>
+                <a:tab pos="455560" algn="l"/>
+                <a:tab pos="912707" algn="l"/>
+                <a:tab pos="1369852" algn="l"/>
+                <a:tab pos="1826999" algn="l"/>
+                <a:tab pos="2284146" algn="l"/>
+                <a:tab pos="2741292" algn="l"/>
+                <a:tab pos="3198439" algn="l"/>
+                <a:tab pos="3655585" algn="l"/>
+                <a:tab pos="4112732" algn="l"/>
+                <a:tab pos="4569879" algn="l"/>
+                <a:tab pos="5027025" algn="l"/>
+                <a:tab pos="5484172" algn="l"/>
+                <a:tab pos="5941318" algn="l"/>
+                <a:tab pos="6398465" algn="l"/>
+                <a:tab pos="6855612" algn="l"/>
+                <a:tab pos="7312758" algn="l"/>
+                <a:tab pos="7769904" algn="l"/>
+                <a:tab pos="8227051" algn="l"/>
+                <a:tab pos="8684197" algn="l"/>
+                <a:tab pos="9141344" algn="l"/>
               </a:tabLst>
             </a:pPr>
             <a:r>
@@ -7530,32 +7592,32 @@
             </a:r>
           </a:p>
           <a:p>
-            <a:pPr marL="344487">
+            <a:pPr marL="344447">
               <a:buSzPct val="45000"/>
               <a:buFont typeface="Arial"/>
               <a:buChar char="•"/>
               <a:tabLst>
-                <a:tab pos="342900" algn="l"/>
-                <a:tab pos="455613" algn="l"/>
-                <a:tab pos="912813" algn="l"/>
-                <a:tab pos="1370013" algn="l"/>
-                <a:tab pos="1827213" algn="l"/>
-                <a:tab pos="2284413" algn="l"/>
-                <a:tab pos="2741613" algn="l"/>
-                <a:tab pos="3198813" algn="l"/>
-                <a:tab pos="3656013" algn="l"/>
-                <a:tab pos="4113213" algn="l"/>
-                <a:tab pos="4570413" algn="l"/>
-                <a:tab pos="5027613" algn="l"/>
-                <a:tab pos="5484813" algn="l"/>
-                <a:tab pos="5942013" algn="l"/>
-                <a:tab pos="6399213" algn="l"/>
-                <a:tab pos="6856413" algn="l"/>
-                <a:tab pos="7313613" algn="l"/>
-                <a:tab pos="7770813" algn="l"/>
-                <a:tab pos="8228013" algn="l"/>
-                <a:tab pos="8685213" algn="l"/>
-                <a:tab pos="9142413" algn="l"/>
+                <a:tab pos="342860" algn="l"/>
+                <a:tab pos="455560" algn="l"/>
+                <a:tab pos="912707" algn="l"/>
+                <a:tab pos="1369852" algn="l"/>
+                <a:tab pos="1826999" algn="l"/>
+                <a:tab pos="2284146" algn="l"/>
+                <a:tab pos="2741292" algn="l"/>
+                <a:tab pos="3198439" algn="l"/>
+                <a:tab pos="3655585" algn="l"/>
+                <a:tab pos="4112732" algn="l"/>
+                <a:tab pos="4569879" algn="l"/>
+                <a:tab pos="5027025" algn="l"/>
+                <a:tab pos="5484172" algn="l"/>
+                <a:tab pos="5941318" algn="l"/>
+                <a:tab pos="6398465" algn="l"/>
+                <a:tab pos="6855612" algn="l"/>
+                <a:tab pos="7312758" algn="l"/>
+                <a:tab pos="7769904" algn="l"/>
+                <a:tab pos="8227051" algn="l"/>
+                <a:tab pos="8684197" algn="l"/>
+                <a:tab pos="9141344" algn="l"/>
               </a:tabLst>
             </a:pPr>
             <a:r>
@@ -7568,32 +7630,32 @@
             </a:r>
           </a:p>
           <a:p>
-            <a:pPr marL="344487">
+            <a:pPr marL="344447">
               <a:buSzPct val="45000"/>
               <a:buFont typeface="Arial"/>
               <a:buChar char="•"/>
               <a:tabLst>
-                <a:tab pos="342900" algn="l"/>
-                <a:tab pos="455613" algn="l"/>
-                <a:tab pos="912813" algn="l"/>
-                <a:tab pos="1370013" algn="l"/>
-                <a:tab pos="1827213" algn="l"/>
-                <a:tab pos="2284413" algn="l"/>
-                <a:tab pos="2741613" algn="l"/>
-                <a:tab pos="3198813" algn="l"/>
-                <a:tab pos="3656013" algn="l"/>
-                <a:tab pos="4113213" algn="l"/>
-                <a:tab pos="4570413" algn="l"/>
-                <a:tab pos="5027613" algn="l"/>
-                <a:tab pos="5484813" algn="l"/>
-                <a:tab pos="5942013" algn="l"/>
-                <a:tab pos="6399213" algn="l"/>
-                <a:tab pos="6856413" algn="l"/>
-                <a:tab pos="7313613" algn="l"/>
-                <a:tab pos="7770813" algn="l"/>
-                <a:tab pos="8228013" algn="l"/>
-                <a:tab pos="8685213" algn="l"/>
-                <a:tab pos="9142413" algn="l"/>
+                <a:tab pos="342860" algn="l"/>
+                <a:tab pos="455560" algn="l"/>
+                <a:tab pos="912707" algn="l"/>
+                <a:tab pos="1369852" algn="l"/>
+                <a:tab pos="1826999" algn="l"/>
+                <a:tab pos="2284146" algn="l"/>
+                <a:tab pos="2741292" algn="l"/>
+                <a:tab pos="3198439" algn="l"/>
+                <a:tab pos="3655585" algn="l"/>
+                <a:tab pos="4112732" algn="l"/>
+                <a:tab pos="4569879" algn="l"/>
+                <a:tab pos="5027025" algn="l"/>
+                <a:tab pos="5484172" algn="l"/>
+                <a:tab pos="5941318" algn="l"/>
+                <a:tab pos="6398465" algn="l"/>
+                <a:tab pos="6855612" algn="l"/>
+                <a:tab pos="7312758" algn="l"/>
+                <a:tab pos="7769904" algn="l"/>
+                <a:tab pos="8227051" algn="l"/>
+                <a:tab pos="8684197" algn="l"/>
+                <a:tab pos="9141344" algn="l"/>
               </a:tabLst>
             </a:pPr>
             <a:r>
@@ -7635,7 +7697,7 @@
         </p:blipFill>
         <p:spPr bwMode="auto">
           <a:xfrm>
-            <a:off x="2835275" y="3152775"/>
+            <a:off x="2835275" y="3152776"/>
             <a:ext cx="1352550" cy="1276350"/>
           </a:xfrm>
           <a:prstGeom prst="rect">
@@ -7691,7 +7753,7 @@
   <p:timing>
     <p:tnLst>
       <p:par>
-        <p:cTn xmlns:p14="http://schemas.microsoft.com/office/powerpoint/2010/main" id="1" dur="indefinite" nodeType="tmRoot">
+        <p:cTn xmlns:p14="http://schemas.microsoft.com/office/powerpoint/2010/main" id="1" dur="indefinite" restart="never" nodeType="tmRoot">
           <p:childTnLst>
             <p:seq concurrent="1" nextAc="seek">
               <p:cTn id="2" dur="0" nodeType="mainSeq"/>
@@ -7747,7 +7809,7 @@
         </p:nvSpPr>
         <p:spPr>
           <a:xfrm>
-            <a:off x="365125" y="182563"/>
+            <a:off x="365126" y="182564"/>
             <a:ext cx="6577013" cy="757237"/>
           </a:xfrm>
           <a:ln/>
@@ -7759,26 +7821,26 @@
             <a:pPr>
               <a:tabLst>
                 <a:tab pos="0" algn="l"/>
-                <a:tab pos="457200" algn="l"/>
-                <a:tab pos="914400" algn="l"/>
-                <a:tab pos="1371600" algn="l"/>
-                <a:tab pos="1828800" algn="l"/>
-                <a:tab pos="2286000" algn="l"/>
-                <a:tab pos="2743200" algn="l"/>
-                <a:tab pos="3200400" algn="l"/>
-                <a:tab pos="3657600" algn="l"/>
-                <a:tab pos="4114800" algn="l"/>
-                <a:tab pos="4572000" algn="l"/>
-                <a:tab pos="5029200" algn="l"/>
-                <a:tab pos="5486400" algn="l"/>
-                <a:tab pos="5943600" algn="l"/>
-                <a:tab pos="6400800" algn="l"/>
-                <a:tab pos="6858000" algn="l"/>
-                <a:tab pos="7315200" algn="l"/>
-                <a:tab pos="7772400" algn="l"/>
-                <a:tab pos="8229600" algn="l"/>
-                <a:tab pos="8686800" algn="l"/>
-                <a:tab pos="9144000" algn="l"/>
+                <a:tab pos="457147" algn="l"/>
+                <a:tab pos="914293" algn="l"/>
+                <a:tab pos="1371440" algn="l"/>
+                <a:tab pos="1828586" algn="l"/>
+                <a:tab pos="2285733" algn="l"/>
+                <a:tab pos="2742880" algn="l"/>
+                <a:tab pos="3200025" algn="l"/>
+                <a:tab pos="3657172" algn="l"/>
+                <a:tab pos="4114319" algn="l"/>
+                <a:tab pos="4571465" algn="l"/>
+                <a:tab pos="5028612" algn="l"/>
+                <a:tab pos="5485759" algn="l"/>
+                <a:tab pos="5942905" algn="l"/>
+                <a:tab pos="6400052" algn="l"/>
+                <a:tab pos="6857198" algn="l"/>
+                <a:tab pos="7314345" algn="l"/>
+                <a:tab pos="7771492" algn="l"/>
+                <a:tab pos="8228638" algn="l"/>
+                <a:tab pos="8685784" algn="l"/>
+                <a:tab pos="9142931" algn="l"/>
               </a:tabLst>
             </a:pPr>
             <a:r>
@@ -7795,46 +7857,48 @@
             <a:spLocks noGrp="1" noChangeArrowheads="1"/>
           </p:cNvSpPr>
           <p:nvPr>
-            <p:ph type="body" idx="1"/>
+            <p:ph idx="1"/>
           </p:nvPr>
         </p:nvSpPr>
         <p:spPr>
           <a:xfrm>
-            <a:off x="365125" y="1069975"/>
+            <a:off x="365126" y="1069976"/>
             <a:ext cx="6430963" cy="2644775"/>
           </a:xfrm>
           <a:ln/>
         </p:spPr>
         <p:txBody>
-          <a:bodyPr/>
-          <a:lstStyle/>
-          <a:p>
-            <a:pPr indent="-341313">
+          <a:bodyPr>
+            <a:normAutofit fontScale="85000" lnSpcReduction="20000"/>
+          </a:bodyPr>
+          <a:lstStyle/>
+          <a:p>
+            <a:pPr indent="-341273">
               <a:buSzPct val="45000"/>
               <a:buFont typeface="Wingdings" charset="0"/>
               <a:buChar char=""/>
               <a:tabLst>
-                <a:tab pos="342900" algn="l"/>
-                <a:tab pos="455613" algn="l"/>
-                <a:tab pos="912813" algn="l"/>
-                <a:tab pos="1370013" algn="l"/>
-                <a:tab pos="1827213" algn="l"/>
-                <a:tab pos="2284413" algn="l"/>
-                <a:tab pos="2741613" algn="l"/>
-                <a:tab pos="3198813" algn="l"/>
-                <a:tab pos="3656013" algn="l"/>
-                <a:tab pos="4113213" algn="l"/>
-                <a:tab pos="4570413" algn="l"/>
-                <a:tab pos="5027613" algn="l"/>
-                <a:tab pos="5484813" algn="l"/>
-                <a:tab pos="5942013" algn="l"/>
-                <a:tab pos="6399213" algn="l"/>
-                <a:tab pos="6856413" algn="l"/>
-                <a:tab pos="7313613" algn="l"/>
-                <a:tab pos="7770813" algn="l"/>
-                <a:tab pos="8228013" algn="l"/>
-                <a:tab pos="8685213" algn="l"/>
-                <a:tab pos="9142413" algn="l"/>
+                <a:tab pos="342860" algn="l"/>
+                <a:tab pos="455560" algn="l"/>
+                <a:tab pos="912707" algn="l"/>
+                <a:tab pos="1369852" algn="l"/>
+                <a:tab pos="1826999" algn="l"/>
+                <a:tab pos="2284146" algn="l"/>
+                <a:tab pos="2741292" algn="l"/>
+                <a:tab pos="3198439" algn="l"/>
+                <a:tab pos="3655585" algn="l"/>
+                <a:tab pos="4112732" algn="l"/>
+                <a:tab pos="4569879" algn="l"/>
+                <a:tab pos="5027025" algn="l"/>
+                <a:tab pos="5484172" algn="l"/>
+                <a:tab pos="5941318" algn="l"/>
+                <a:tab pos="6398465" algn="l"/>
+                <a:tab pos="6855612" algn="l"/>
+                <a:tab pos="7312758" algn="l"/>
+                <a:tab pos="7769904" algn="l"/>
+                <a:tab pos="8227051" algn="l"/>
+                <a:tab pos="8684197" algn="l"/>
+                <a:tab pos="9141344" algn="l"/>
               </a:tabLst>
             </a:pPr>
             <a:r>
@@ -7847,32 +7911,32 @@
             </a:r>
           </a:p>
           <a:p>
-            <a:pPr indent="-341313">
+            <a:pPr indent="-341273">
               <a:buSzPct val="45000"/>
               <a:buFont typeface="Wingdings" charset="0"/>
               <a:buChar char=""/>
               <a:tabLst>
-                <a:tab pos="342900" algn="l"/>
-                <a:tab pos="455613" algn="l"/>
-                <a:tab pos="912813" algn="l"/>
-                <a:tab pos="1370013" algn="l"/>
-                <a:tab pos="1827213" algn="l"/>
-                <a:tab pos="2284413" algn="l"/>
-                <a:tab pos="2741613" algn="l"/>
-                <a:tab pos="3198813" algn="l"/>
-                <a:tab pos="3656013" algn="l"/>
-                <a:tab pos="4113213" algn="l"/>
-                <a:tab pos="4570413" algn="l"/>
-                <a:tab pos="5027613" algn="l"/>
-                <a:tab pos="5484813" algn="l"/>
-                <a:tab pos="5942013" algn="l"/>
-                <a:tab pos="6399213" algn="l"/>
-                <a:tab pos="6856413" algn="l"/>
-                <a:tab pos="7313613" algn="l"/>
-                <a:tab pos="7770813" algn="l"/>
-                <a:tab pos="8228013" algn="l"/>
-                <a:tab pos="8685213" algn="l"/>
-                <a:tab pos="9142413" algn="l"/>
+                <a:tab pos="342860" algn="l"/>
+                <a:tab pos="455560" algn="l"/>
+                <a:tab pos="912707" algn="l"/>
+                <a:tab pos="1369852" algn="l"/>
+                <a:tab pos="1826999" algn="l"/>
+                <a:tab pos="2284146" algn="l"/>
+                <a:tab pos="2741292" algn="l"/>
+                <a:tab pos="3198439" algn="l"/>
+                <a:tab pos="3655585" algn="l"/>
+                <a:tab pos="4112732" algn="l"/>
+                <a:tab pos="4569879" algn="l"/>
+                <a:tab pos="5027025" algn="l"/>
+                <a:tab pos="5484172" algn="l"/>
+                <a:tab pos="5941318" algn="l"/>
+                <a:tab pos="6398465" algn="l"/>
+                <a:tab pos="6855612" algn="l"/>
+                <a:tab pos="7312758" algn="l"/>
+                <a:tab pos="7769904" algn="l"/>
+                <a:tab pos="8227051" algn="l"/>
+                <a:tab pos="8684197" algn="l"/>
+                <a:tab pos="9141344" algn="l"/>
               </a:tabLst>
             </a:pPr>
             <a:r>
@@ -7885,32 +7949,32 @@
             </a:r>
           </a:p>
           <a:p>
-            <a:pPr indent="-341313">
+            <a:pPr indent="-341273">
               <a:buSzPct val="45000"/>
               <a:buFont typeface="Wingdings" charset="0"/>
               <a:buChar char=""/>
               <a:tabLst>
-                <a:tab pos="342900" algn="l"/>
-                <a:tab pos="455613" algn="l"/>
-                <a:tab pos="912813" algn="l"/>
-                <a:tab pos="1370013" algn="l"/>
-                <a:tab pos="1827213" algn="l"/>
-                <a:tab pos="2284413" algn="l"/>
-                <a:tab pos="2741613" algn="l"/>
-                <a:tab pos="3198813" algn="l"/>
-                <a:tab pos="3656013" algn="l"/>
-                <a:tab pos="4113213" algn="l"/>
-                <a:tab pos="4570413" algn="l"/>
-                <a:tab pos="5027613" algn="l"/>
-                <a:tab pos="5484813" algn="l"/>
-                <a:tab pos="5942013" algn="l"/>
-                <a:tab pos="6399213" algn="l"/>
-                <a:tab pos="6856413" algn="l"/>
-                <a:tab pos="7313613" algn="l"/>
-                <a:tab pos="7770813" algn="l"/>
-                <a:tab pos="8228013" algn="l"/>
-                <a:tab pos="8685213" algn="l"/>
-                <a:tab pos="9142413" algn="l"/>
+                <a:tab pos="342860" algn="l"/>
+                <a:tab pos="455560" algn="l"/>
+                <a:tab pos="912707" algn="l"/>
+                <a:tab pos="1369852" algn="l"/>
+                <a:tab pos="1826999" algn="l"/>
+                <a:tab pos="2284146" algn="l"/>
+                <a:tab pos="2741292" algn="l"/>
+                <a:tab pos="3198439" algn="l"/>
+                <a:tab pos="3655585" algn="l"/>
+                <a:tab pos="4112732" algn="l"/>
+                <a:tab pos="4569879" algn="l"/>
+                <a:tab pos="5027025" algn="l"/>
+                <a:tab pos="5484172" algn="l"/>
+                <a:tab pos="5941318" algn="l"/>
+                <a:tab pos="6398465" algn="l"/>
+                <a:tab pos="6855612" algn="l"/>
+                <a:tab pos="7312758" algn="l"/>
+                <a:tab pos="7769904" algn="l"/>
+                <a:tab pos="8227051" algn="l"/>
+                <a:tab pos="8684197" algn="l"/>
+                <a:tab pos="9141344" algn="l"/>
               </a:tabLst>
             </a:pPr>
             <a:r>
@@ -7941,6 +8005,42 @@
               <a:rPr lang="en-US" dirty="0"/>
               <a:t>are usually the values you translate </a:t>
             </a:r>
+            <a:endParaRPr lang="en-US" dirty="0" smtClean="0"/>
+          </a:p>
+          <a:p>
+            <a:pPr indent="-341273">
+              <a:buSzPct val="45000"/>
+              <a:buFont typeface="Wingdings" charset="0"/>
+              <a:buChar char=""/>
+              <a:tabLst>
+                <a:tab pos="342860" algn="l"/>
+                <a:tab pos="455560" algn="l"/>
+                <a:tab pos="912707" algn="l"/>
+                <a:tab pos="1369852" algn="l"/>
+                <a:tab pos="1826999" algn="l"/>
+                <a:tab pos="2284146" algn="l"/>
+                <a:tab pos="2741292" algn="l"/>
+                <a:tab pos="3198439" algn="l"/>
+                <a:tab pos="3655585" algn="l"/>
+                <a:tab pos="4112732" algn="l"/>
+                <a:tab pos="4569879" algn="l"/>
+                <a:tab pos="5027025" algn="l"/>
+                <a:tab pos="5484172" algn="l"/>
+                <a:tab pos="5941318" algn="l"/>
+                <a:tab pos="6398465" algn="l"/>
+                <a:tab pos="6855612" algn="l"/>
+                <a:tab pos="7312758" algn="l"/>
+                <a:tab pos="7769904" algn="l"/>
+                <a:tab pos="8227051" algn="l"/>
+                <a:tab pos="8684197" algn="l"/>
+                <a:tab pos="9141344" algn="l"/>
+              </a:tabLst>
+            </a:pPr>
+            <a:r>
+              <a:rPr lang="en-US" dirty="0" smtClean="0"/>
+              <a:t>Note how the hero freezes in fear when the ghost is too close.  How do you think I detect this?</a:t>
+            </a:r>
+            <a:endParaRPr lang="en-US" dirty="0"/>
           </a:p>
         </p:txBody>
       </p:sp>
@@ -7953,7 +8053,7 @@
   <p:timing>
     <p:tnLst>
       <p:par>
-        <p:cTn xmlns:p14="http://schemas.microsoft.com/office/powerpoint/2010/main" id="1" dur="indefinite" nodeType="tmRoot">
+        <p:cTn xmlns:p14="http://schemas.microsoft.com/office/powerpoint/2010/main" id="1" dur="indefinite" restart="never" nodeType="tmRoot">
           <p:childTnLst>
             <p:seq concurrent="1" nextAc="seek">
               <p:cTn id="2" dur="0" nodeType="mainSeq"/>
@@ -7997,10 +8097,260 @@
           <a:chExt cx="0" cy="0"/>
         </a:xfrm>
       </p:grpSpPr>
+      <p:sp>
+        <p:nvSpPr>
+          <p:cNvPr id="2" name="Title 1"/>
+          <p:cNvSpPr>
+            <a:spLocks noGrp="1"/>
+          </p:cNvSpPr>
+          <p:nvPr>
+            <p:ph type="title"/>
+          </p:nvPr>
+        </p:nvSpPr>
+        <p:spPr/>
+        <p:txBody>
+          <a:bodyPr/>
+          <a:lstStyle/>
+          <a:p>
+            <a:r>
+              <a:rPr lang="en-US" dirty="0" smtClean="0"/>
+              <a:t>Dot Products</a:t>
+            </a:r>
+            <a:endParaRPr lang="en-US" dirty="0"/>
+          </a:p>
+        </p:txBody>
+      </p:sp>
+      <p:sp>
+        <p:nvSpPr>
+          <p:cNvPr id="3" name="Content Placeholder 2"/>
+          <p:cNvSpPr>
+            <a:spLocks noGrp="1"/>
+          </p:cNvSpPr>
+          <p:nvPr>
+            <p:ph idx="1"/>
+          </p:nvPr>
+        </p:nvSpPr>
+        <p:spPr/>
+        <p:txBody>
+          <a:bodyPr>
+            <a:normAutofit fontScale="92500" lnSpcReduction="20000"/>
+          </a:bodyPr>
+          <a:lstStyle/>
+          <a:p>
+            <a:pPr>
+              <a:buFont typeface="Arial"/>
+              <a:buChar char="•"/>
+            </a:pPr>
+            <a:r>
+              <a:rPr lang="en-US" dirty="0" smtClean="0"/>
+              <a:t>The dot product of two vectors returns a single number.  How it’s used depends on the context</a:t>
+            </a:r>
+            <a:r>
+              <a:rPr lang="en-US" dirty="0" smtClean="0"/>
+              <a:t>.</a:t>
+            </a:r>
+          </a:p>
+          <a:p>
+            <a:pPr>
+              <a:buFont typeface="Arial"/>
+              <a:buChar char="•"/>
+            </a:pPr>
+            <a:r>
+              <a:rPr lang="en-US" dirty="0" smtClean="0"/>
+              <a:t>To get anything useful, you need to normalize the vectors.  Divide by its magnitude, like so.</a:t>
+            </a:r>
+            <a:endParaRPr lang="en-US" dirty="0" smtClean="0"/>
+          </a:p>
+          <a:p>
+            <a:pPr>
+              <a:buFont typeface="Arial"/>
+              <a:buChar char="•"/>
+            </a:pPr>
+            <a:endParaRPr lang="en-US" dirty="0"/>
+          </a:p>
+          <a:p>
+            <a:pPr>
+              <a:buFont typeface="Arial"/>
+              <a:buChar char="•"/>
+            </a:pPr>
+            <a:endParaRPr lang="en-US" dirty="0" smtClean="0"/>
+          </a:p>
+          <a:p>
+            <a:pPr>
+              <a:buFont typeface="Arial"/>
+              <a:buChar char="•"/>
+            </a:pPr>
+            <a:r>
+              <a:rPr lang="en-US" dirty="0" smtClean="0"/>
+              <a:t>If these vectors are normalized (divided by their magnitude; use Pythagorean’s theorem!), then the dot product will return a value on [-1, 1].</a:t>
+            </a:r>
+          </a:p>
+          <a:p>
+            <a:pPr>
+              <a:buFont typeface="Arial"/>
+              <a:buChar char="•"/>
+            </a:pPr>
+            <a:endParaRPr lang="en-US" dirty="0"/>
+          </a:p>
+          <a:p>
+            <a:pPr>
+              <a:buFont typeface="Arial"/>
+              <a:buChar char="•"/>
+            </a:pPr>
+            <a:endParaRPr lang="en-US" dirty="0" smtClean="0"/>
+          </a:p>
+          <a:p>
+            <a:pPr marL="0" indent="0"/>
+            <a:endParaRPr lang="en-US" dirty="0" smtClean="0"/>
+          </a:p>
+          <a:p>
+            <a:pPr>
+              <a:buFont typeface="Arial"/>
+              <a:buChar char="•"/>
+            </a:pPr>
+            <a:endParaRPr lang="en-US" dirty="0"/>
+          </a:p>
+          <a:p>
+            <a:pPr marL="0" indent="0"/>
+            <a:endParaRPr lang="en-US" dirty="0"/>
+          </a:p>
+        </p:txBody>
+      </p:sp>
+      <p:pic>
+        <p:nvPicPr>
+          <p:cNvPr id="4" name="Picture 3"/>
+          <p:cNvPicPr>
+            <a:picLocks noChangeAspect="1"/>
+          </p:cNvPicPr>
+          <p:nvPr/>
+        </p:nvPicPr>
+        <p:blipFill>
+          <a:blip r:embed="rId3"/>
+          <a:stretch>
+            <a:fillRect/>
+          </a:stretch>
+        </p:blipFill>
+        <p:spPr>
+          <a:xfrm>
+            <a:off x="1295400" y="2362200"/>
+            <a:ext cx="4991100" cy="533400"/>
+          </a:xfrm>
+          <a:prstGeom prst="rect">
+            <a:avLst/>
+          </a:prstGeom>
+        </p:spPr>
+      </p:pic>
     </p:spTree>
     <p:extLst>
       <p:ext uri="{BB962C8B-B14F-4D97-AF65-F5344CB8AC3E}">
-        <p14:creationId xmlns:p14="http://schemas.microsoft.com/office/powerpoint/2010/main" val="1934478531"/>
+        <p14:creationId xmlns:p14="http://schemas.microsoft.com/office/powerpoint/2010/main" val="3114260813"/>
+      </p:ext>
+    </p:extLst>
+  </p:cSld>
+  <p:clrMapOvr>
+    <a:masterClrMapping/>
+  </p:clrMapOvr>
+</p:sld>
+</file>
+
+<file path=ppt/slides/slide9.xml><?xml version="1.0" encoding="utf-8"?>
+<p:sld xmlns:a="http://schemas.openxmlformats.org/drawingml/2006/main" xmlns:r="http://schemas.openxmlformats.org/officeDocument/2006/relationships" xmlns:p="http://schemas.openxmlformats.org/presentationml/2006/main">
+  <p:cSld>
+    <p:spTree>
+      <p:nvGrpSpPr>
+        <p:cNvPr id="1" name=""/>
+        <p:cNvGrpSpPr/>
+        <p:nvPr/>
+      </p:nvGrpSpPr>
+      <p:grpSpPr>
+        <a:xfrm>
+          <a:off x="0" y="0"/>
+          <a:ext cx="0" cy="0"/>
+          <a:chOff x="0" y="0"/>
+          <a:chExt cx="0" cy="0"/>
+        </a:xfrm>
+      </p:grpSpPr>
+      <p:sp>
+        <p:nvSpPr>
+          <p:cNvPr id="2" name="Title 1"/>
+          <p:cNvSpPr>
+            <a:spLocks noGrp="1"/>
+          </p:cNvSpPr>
+          <p:nvPr>
+            <p:ph type="title"/>
+          </p:nvPr>
+        </p:nvSpPr>
+        <p:spPr/>
+        <p:txBody>
+          <a:bodyPr/>
+          <a:lstStyle/>
+          <a:p>
+            <a:r>
+              <a:rPr lang="en-US" dirty="0" smtClean="0"/>
+              <a:t>Dot Products (Cont’d)</a:t>
+            </a:r>
+            <a:endParaRPr lang="en-US" dirty="0"/>
+          </a:p>
+        </p:txBody>
+      </p:sp>
+      <p:sp>
+        <p:nvSpPr>
+          <p:cNvPr id="3" name="Content Placeholder 2"/>
+          <p:cNvSpPr>
+            <a:spLocks noGrp="1"/>
+          </p:cNvSpPr>
+          <p:nvPr>
+            <p:ph idx="1"/>
+          </p:nvPr>
+        </p:nvSpPr>
+        <p:spPr/>
+        <p:txBody>
+          <a:bodyPr/>
+          <a:lstStyle/>
+          <a:p>
+            <a:pPr>
+              <a:buFont typeface="Arial"/>
+              <a:buChar char="•"/>
+            </a:pPr>
+            <a:r>
+              <a:rPr lang="en-US" dirty="0" smtClean="0"/>
+              <a:t>From there, use SOHCAHTOA, solving for the vector’s angle or components as necessary.</a:t>
+            </a:r>
+          </a:p>
+          <a:p>
+            <a:pPr>
+              <a:buFont typeface="Arial"/>
+              <a:buChar char="•"/>
+            </a:pPr>
+            <a:r>
+              <a:rPr lang="en-US" dirty="0" smtClean="0"/>
+              <a:t>Solve for formulas, not variables; the computer handles the numbers for you, you just need to tell it how!</a:t>
+            </a:r>
+          </a:p>
+          <a:p>
+            <a:pPr>
+              <a:buFont typeface="Arial"/>
+              <a:buChar char="•"/>
+            </a:pPr>
+            <a:r>
+              <a:rPr lang="en-US" dirty="0" smtClean="0"/>
+              <a:t>You might also consider atan2(x, y), which returns </a:t>
+            </a:r>
+            <a:r>
+              <a:rPr lang="en-US" dirty="0" err="1" smtClean="0"/>
+              <a:t>atan</a:t>
+            </a:r>
+            <a:r>
+              <a:rPr lang="en-US" dirty="0" smtClean="0"/>
+              <a:t>(x/y) adjusted for quadrants.</a:t>
+            </a:r>
+          </a:p>
+        </p:txBody>
+      </p:sp>
+    </p:spTree>
+    <p:extLst>
+      <p:ext uri="{BB962C8B-B14F-4D97-AF65-F5344CB8AC3E}">
+        <p14:creationId xmlns:p14="http://schemas.microsoft.com/office/powerpoint/2010/main" val="3827665771"/>
       </p:ext>
     </p:extLst>
   </p:cSld>
@@ -8013,54 +8363,114 @@
 <file path=ppt/theme/theme1.xml><?xml version="1.0" encoding="utf-8"?>
 <a:theme xmlns:a="http://schemas.openxmlformats.org/drawingml/2006/main" name="Office Theme">
   <a:themeElements>
-    <a:clrScheme name="Office Theme 1">
+    <a:clrScheme name="Office">
       <a:dk1>
-        <a:srgbClr val="000000"/>
+        <a:sysClr val="windowText" lastClr="000000"/>
       </a:dk1>
       <a:lt1>
-        <a:srgbClr val="FFFFFF"/>
+        <a:sysClr val="window" lastClr="FFFFFF"/>
       </a:lt1>
       <a:dk2>
-        <a:srgbClr val="000000"/>
+        <a:srgbClr val="1F497D"/>
       </a:dk2>
       <a:lt2>
-        <a:srgbClr val="808080"/>
+        <a:srgbClr val="EEECE1"/>
       </a:lt2>
       <a:accent1>
-        <a:srgbClr val="00CC99"/>
+        <a:srgbClr val="4F81BD"/>
       </a:accent1>
       <a:accent2>
-        <a:srgbClr val="3333CC"/>
+        <a:srgbClr val="C0504D"/>
       </a:accent2>
       <a:accent3>
-        <a:srgbClr val="FFFFFF"/>
+        <a:srgbClr val="9BBB59"/>
       </a:accent3>
       <a:accent4>
-        <a:srgbClr val="000000"/>
+        <a:srgbClr val="8064A2"/>
       </a:accent4>
       <a:accent5>
-        <a:srgbClr val="AAE2CA"/>
+        <a:srgbClr val="4BACC6"/>
       </a:accent5>
       <a:accent6>
-        <a:srgbClr val="2D2DB9"/>
+        <a:srgbClr val="F79646"/>
       </a:accent6>
       <a:hlink>
-        <a:srgbClr val="CCCCFF"/>
+        <a:srgbClr val="0000FF"/>
       </a:hlink>
       <a:folHlink>
-        <a:srgbClr val="B2B2B2"/>
+        <a:srgbClr val="800080"/>
       </a:folHlink>
     </a:clrScheme>
-    <a:fontScheme name="Office Theme">
+    <a:fontScheme name="Office">
       <a:majorFont>
-        <a:latin typeface="Arial"/>
-        <a:ea typeface="ＭＳ Ｐゴシック"/>
-        <a:cs typeface="Droid Sans Fallback"/>
+        <a:latin typeface="Calibri"/>
+        <a:ea typeface=""/>
+        <a:cs typeface=""/>
+        <a:font script="Jpan" typeface="ＭＳ Ｐゴシック"/>
+        <a:font script="Hang" typeface="맑은 고딕"/>
+        <a:font script="Hans" typeface="宋体"/>
+        <a:font script="Hant" typeface="新細明體"/>
+        <a:font script="Arab" typeface="Times New Roman"/>
+        <a:font script="Hebr" typeface="Times New Roman"/>
+        <a:font script="Thai" typeface="Angsana New"/>
+        <a:font script="Ethi" typeface="Nyala"/>
+        <a:font script="Beng" typeface="Vrinda"/>
+        <a:font script="Gujr" typeface="Shruti"/>
+        <a:font script="Khmr" typeface="MoolBoran"/>
+        <a:font script="Knda" typeface="Tunga"/>
+        <a:font script="Guru" typeface="Raavi"/>
+        <a:font script="Cans" typeface="Euphemia"/>
+        <a:font script="Cher" typeface="Plantagenet Cherokee"/>
+        <a:font script="Yiii" typeface="Microsoft Yi Baiti"/>
+        <a:font script="Tibt" typeface="Microsoft Himalaya"/>
+        <a:font script="Thaa" typeface="MV Boli"/>
+        <a:font script="Deva" typeface="Mangal"/>
+        <a:font script="Telu" typeface="Gautami"/>
+        <a:font script="Taml" typeface="Latha"/>
+        <a:font script="Syrc" typeface="Estrangelo Edessa"/>
+        <a:font script="Orya" typeface="Kalinga"/>
+        <a:font script="Mlym" typeface="Kartika"/>
+        <a:font script="Laoo" typeface="DokChampa"/>
+        <a:font script="Sinh" typeface="Iskoola Pota"/>
+        <a:font script="Mong" typeface="Mongolian Baiti"/>
+        <a:font script="Viet" typeface="Times New Roman"/>
+        <a:font script="Uigh" typeface="Microsoft Uighur"/>
+        <a:font script="Geor" typeface="Sylfaen"/>
       </a:majorFont>
       <a:minorFont>
-        <a:latin typeface="Arial"/>
-        <a:ea typeface="ＭＳ Ｐゴシック"/>
-        <a:cs typeface="Droid Sans Fallback"/>
+        <a:latin typeface="Calibri"/>
+        <a:ea typeface=""/>
+        <a:cs typeface=""/>
+        <a:font script="Jpan" typeface="ＭＳ Ｐゴシック"/>
+        <a:font script="Hang" typeface="맑은 고딕"/>
+        <a:font script="Hans" typeface="宋体"/>
+        <a:font script="Hant" typeface="新細明體"/>
+        <a:font script="Arab" typeface="Arial"/>
+        <a:font script="Hebr" typeface="Arial"/>
+        <a:font script="Thai" typeface="Cordia New"/>
+        <a:font script="Ethi" typeface="Nyala"/>
+        <a:font script="Beng" typeface="Vrinda"/>
+        <a:font script="Gujr" typeface="Shruti"/>
+        <a:font script="Khmr" typeface="DaunPenh"/>
+        <a:font script="Knda" typeface="Tunga"/>
+        <a:font script="Guru" typeface="Raavi"/>
+        <a:font script="Cans" typeface="Euphemia"/>
+        <a:font script="Cher" typeface="Plantagenet Cherokee"/>
+        <a:font script="Yiii" typeface="Microsoft Yi Baiti"/>
+        <a:font script="Tibt" typeface="Microsoft Himalaya"/>
+        <a:font script="Thaa" typeface="MV Boli"/>
+        <a:font script="Deva" typeface="Mangal"/>
+        <a:font script="Telu" typeface="Gautami"/>
+        <a:font script="Taml" typeface="Latha"/>
+        <a:font script="Syrc" typeface="Estrangelo Edessa"/>
+        <a:font script="Orya" typeface="Kalinga"/>
+        <a:font script="Mlym" typeface="Kartika"/>
+        <a:font script="Laoo" typeface="DokChampa"/>
+        <a:font script="Sinh" typeface="Iskoola Pota"/>
+        <a:font script="Mong" typeface="Mongolian Baiti"/>
+        <a:font script="Viet" typeface="Arial"/>
+        <a:font script="Uigh" typeface="Microsoft Uighur"/>
+        <a:font script="Geor" typeface="Sylfaen"/>
       </a:minorFont>
     </a:fontScheme>
     <a:fmtScheme name="Office">
@@ -8228,453 +8638,45 @@
   </a:themeElements>
   <a:objectDefaults>
     <a:spDef>
-      <a:spPr bwMode="auto">
-        <a:xfrm>
-          <a:off x="0" y="0"/>
-          <a:ext cx="1" cy="1"/>
-        </a:xfrm>
-        <a:custGeom>
-          <a:avLst/>
-          <a:gdLst/>
-          <a:ahLst/>
-          <a:cxnLst/>
-          <a:rect l="0" t="0" r="0" b="0"/>
-          <a:pathLst/>
-        </a:custGeom>
-        <a:solidFill>
-          <a:srgbClr val="00B8FF"/>
-        </a:solidFill>
-        <a:ln w="9525" cap="flat" cmpd="sng" algn="ctr">
-          <a:solidFill>
-            <a:schemeClr val="tx1"/>
-          </a:solidFill>
-          <a:prstDash val="solid"/>
-          <a:round/>
-          <a:headEnd type="none" w="med" len="med"/>
-          <a:tailEnd type="none" w="med" len="med"/>
-        </a:ln>
-        <a:effectLst/>
-        <a:extLst>
-          <a:ext uri="{AF507438-7753-43e0-B8FC-AC1667EBCBE1}">
-            <a14:hiddenEffects xmlns:a14="http://schemas.microsoft.com/office/drawing/2010/main">
-              <a:effectLst>
-                <a:outerShdw blurRad="63500" dist="38099" dir="2700000" algn="ctr" rotWithShape="0">
-                  <a:schemeClr val="bg2">
-                    <a:alpha val="74998"/>
-                  </a:schemeClr>
-                </a:outerShdw>
-              </a:effectLst>
-            </a14:hiddenEffects>
-          </a:ext>
-        </a:extLst>
-      </a:spPr>
-      <a:bodyPr vert="horz" wrap="square" lIns="91440" tIns="45720" rIns="91440" bIns="45720" numCol="1" anchor="t" anchorCtr="0" compatLnSpc="1">
-        <a:prstTxWarp prst="textNoShape">
-          <a:avLst/>
-        </a:prstTxWarp>
-      </a:bodyPr>
-      <a:lstStyle>
-        <a:defPPr marL="0" marR="0" indent="0" algn="l" defTabSz="457200" rtl="0" eaLnBrk="1" fontAlgn="base" latinLnBrk="0" hangingPunct="0">
-          <a:lnSpc>
-            <a:spcPct val="93000"/>
-          </a:lnSpc>
-          <a:spcBef>
-            <a:spcPct val="0"/>
-          </a:spcBef>
-          <a:spcAft>
-            <a:spcPct val="0"/>
-          </a:spcAft>
-          <a:buClr>
-            <a:srgbClr val="000000"/>
-          </a:buClr>
-          <a:buSzPct val="100000"/>
-          <a:buFont typeface="Times New Roman" charset="0"/>
-          <a:buNone/>
-          <a:tabLst/>
-          <a:defRPr kumimoji="0" lang="en-GB" sz="1800" b="0" i="0" u="none" strike="noStrike" cap="none" normalizeH="0" baseline="0">
-            <a:ln>
-              <a:noFill/>
-            </a:ln>
-            <a:solidFill>
-              <a:schemeClr val="bg1"/>
-            </a:solidFill>
-            <a:effectLst/>
-            <a:latin typeface="Arial" charset="0"/>
-            <a:ea typeface="ＭＳ Ｐゴシック" charset="0"/>
-            <a:cs typeface="Droid Sans Fallback" charset="0"/>
-          </a:defRPr>
-        </a:defPPr>
-      </a:lstStyle>
+      <a:spPr/>
+      <a:bodyPr/>
+      <a:lstStyle/>
+      <a:style>
+        <a:lnRef idx="1">
+          <a:schemeClr val="accent1"/>
+        </a:lnRef>
+        <a:fillRef idx="3">
+          <a:schemeClr val="accent1"/>
+        </a:fillRef>
+        <a:effectRef idx="2">
+          <a:schemeClr val="accent1"/>
+        </a:effectRef>
+        <a:fontRef idx="minor">
+          <a:schemeClr val="lt1"/>
+        </a:fontRef>
+      </a:style>
     </a:spDef>
     <a:lnDef>
-      <a:spPr bwMode="auto">
-        <a:xfrm>
-          <a:off x="0" y="0"/>
-          <a:ext cx="1" cy="1"/>
-        </a:xfrm>
-        <a:custGeom>
-          <a:avLst/>
-          <a:gdLst/>
-          <a:ahLst/>
-          <a:cxnLst/>
-          <a:rect l="0" t="0" r="0" b="0"/>
-          <a:pathLst/>
-        </a:custGeom>
-        <a:solidFill>
-          <a:srgbClr val="00B8FF"/>
-        </a:solidFill>
-        <a:ln w="9525" cap="flat" cmpd="sng" algn="ctr">
-          <a:solidFill>
-            <a:schemeClr val="tx1"/>
-          </a:solidFill>
-          <a:prstDash val="solid"/>
-          <a:round/>
-          <a:headEnd type="none" w="med" len="med"/>
-          <a:tailEnd type="none" w="med" len="med"/>
-        </a:ln>
-        <a:effectLst/>
-        <a:extLst>
-          <a:ext uri="{AF507438-7753-43e0-B8FC-AC1667EBCBE1}">
-            <a14:hiddenEffects xmlns:a14="http://schemas.microsoft.com/office/drawing/2010/main">
-              <a:effectLst>
-                <a:outerShdw blurRad="63500" dist="38099" dir="2700000" algn="ctr" rotWithShape="0">
-                  <a:schemeClr val="bg2">
-                    <a:alpha val="74998"/>
-                  </a:schemeClr>
-                </a:outerShdw>
-              </a:effectLst>
-            </a14:hiddenEffects>
-          </a:ext>
-        </a:extLst>
-      </a:spPr>
-      <a:bodyPr vert="horz" wrap="square" lIns="91440" tIns="45720" rIns="91440" bIns="45720" numCol="1" anchor="t" anchorCtr="0" compatLnSpc="1">
-        <a:prstTxWarp prst="textNoShape">
-          <a:avLst/>
-        </a:prstTxWarp>
-      </a:bodyPr>
-      <a:lstStyle>
-        <a:defPPr marL="0" marR="0" indent="0" algn="l" defTabSz="457200" rtl="0" eaLnBrk="1" fontAlgn="base" latinLnBrk="0" hangingPunct="0">
-          <a:lnSpc>
-            <a:spcPct val="93000"/>
-          </a:lnSpc>
-          <a:spcBef>
-            <a:spcPct val="0"/>
-          </a:spcBef>
-          <a:spcAft>
-            <a:spcPct val="0"/>
-          </a:spcAft>
-          <a:buClr>
-            <a:srgbClr val="000000"/>
-          </a:buClr>
-          <a:buSzPct val="100000"/>
-          <a:buFont typeface="Times New Roman" charset="0"/>
-          <a:buNone/>
-          <a:tabLst/>
-          <a:defRPr kumimoji="0" lang="en-GB" sz="1800" b="0" i="0" u="none" strike="noStrike" cap="none" normalizeH="0" baseline="0">
-            <a:ln>
-              <a:noFill/>
-            </a:ln>
-            <a:solidFill>
-              <a:schemeClr val="bg1"/>
-            </a:solidFill>
-            <a:effectLst/>
-            <a:latin typeface="Arial" charset="0"/>
-            <a:ea typeface="ＭＳ Ｐゴシック" charset="0"/>
-            <a:cs typeface="Droid Sans Fallback" charset="0"/>
-          </a:defRPr>
-        </a:defPPr>
-      </a:lstStyle>
+      <a:spPr/>
+      <a:bodyPr/>
+      <a:lstStyle/>
+      <a:style>
+        <a:lnRef idx="2">
+          <a:schemeClr val="accent1"/>
+        </a:lnRef>
+        <a:fillRef idx="0">
+          <a:schemeClr val="accent1"/>
+        </a:fillRef>
+        <a:effectRef idx="1">
+          <a:schemeClr val="accent1"/>
+        </a:effectRef>
+        <a:fontRef idx="minor">
+          <a:schemeClr val="tx1"/>
+        </a:fontRef>
+      </a:style>
     </a:lnDef>
   </a:objectDefaults>
-  <a:extraClrSchemeLst>
-    <a:extraClrScheme>
-      <a:clrScheme name="Office Theme 1">
-        <a:dk1>
-          <a:srgbClr val="000000"/>
-        </a:dk1>
-        <a:lt1>
-          <a:srgbClr val="FFFFFF"/>
-        </a:lt1>
-        <a:dk2>
-          <a:srgbClr val="000000"/>
-        </a:dk2>
-        <a:lt2>
-          <a:srgbClr val="808080"/>
-        </a:lt2>
-        <a:accent1>
-          <a:srgbClr val="00CC99"/>
-        </a:accent1>
-        <a:accent2>
-          <a:srgbClr val="3333CC"/>
-        </a:accent2>
-        <a:accent3>
-          <a:srgbClr val="FFFFFF"/>
-        </a:accent3>
-        <a:accent4>
-          <a:srgbClr val="000000"/>
-        </a:accent4>
-        <a:accent5>
-          <a:srgbClr val="AAE2CA"/>
-        </a:accent5>
-        <a:accent6>
-          <a:srgbClr val="2D2DB9"/>
-        </a:accent6>
-        <a:hlink>
-          <a:srgbClr val="CCCCFF"/>
-        </a:hlink>
-        <a:folHlink>
-          <a:srgbClr val="B2B2B2"/>
-        </a:folHlink>
-      </a:clrScheme>
-      <a:clrMap bg1="lt1" tx1="dk1" bg2="lt2" tx2="dk2" accent1="accent1" accent2="accent2" accent3="accent3" accent4="accent4" accent5="accent5" accent6="accent6" hlink="hlink" folHlink="folHlink"/>
-    </a:extraClrScheme>
-    <a:extraClrScheme>
-      <a:clrScheme name="Office Theme 2">
-        <a:dk1>
-          <a:srgbClr val="000000"/>
-        </a:dk1>
-        <a:lt1>
-          <a:srgbClr val="FFFFFF"/>
-        </a:lt1>
-        <a:dk2>
-          <a:srgbClr val="0000FF"/>
-        </a:dk2>
-        <a:lt2>
-          <a:srgbClr val="FFFF00"/>
-        </a:lt2>
-        <a:accent1>
-          <a:srgbClr val="FF9900"/>
-        </a:accent1>
-        <a:accent2>
-          <a:srgbClr val="00FFFF"/>
-        </a:accent2>
-        <a:accent3>
-          <a:srgbClr val="AAAAFF"/>
-        </a:accent3>
-        <a:accent4>
-          <a:srgbClr val="DADADA"/>
-        </a:accent4>
-        <a:accent5>
-          <a:srgbClr val="FFCAAA"/>
-        </a:accent5>
-        <a:accent6>
-          <a:srgbClr val="00E7E7"/>
-        </a:accent6>
-        <a:hlink>
-          <a:srgbClr val="FF0000"/>
-        </a:hlink>
-        <a:folHlink>
-          <a:srgbClr val="969696"/>
-        </a:folHlink>
-      </a:clrScheme>
-      <a:clrMap bg1="dk2" tx1="lt1" bg2="dk1" tx2="lt2" accent1="accent1" accent2="accent2" accent3="accent3" accent4="accent4" accent5="accent5" accent6="accent6" hlink="hlink" folHlink="folHlink"/>
-    </a:extraClrScheme>
-    <a:extraClrScheme>
-      <a:clrScheme name="Office Theme 3">
-        <a:dk1>
-          <a:srgbClr val="000000"/>
-        </a:dk1>
-        <a:lt1>
-          <a:srgbClr val="FFFFCC"/>
-        </a:lt1>
-        <a:dk2>
-          <a:srgbClr val="808000"/>
-        </a:dk2>
-        <a:lt2>
-          <a:srgbClr val="666633"/>
-        </a:lt2>
-        <a:accent1>
-          <a:srgbClr val="339933"/>
-        </a:accent1>
-        <a:accent2>
-          <a:srgbClr val="800000"/>
-        </a:accent2>
-        <a:accent3>
-          <a:srgbClr val="FFFFE2"/>
-        </a:accent3>
-        <a:accent4>
-          <a:srgbClr val="000000"/>
-        </a:accent4>
-        <a:accent5>
-          <a:srgbClr val="ADCAAD"/>
-        </a:accent5>
-        <a:accent6>
-          <a:srgbClr val="730000"/>
-        </a:accent6>
-        <a:hlink>
-          <a:srgbClr val="0033CC"/>
-        </a:hlink>
-        <a:folHlink>
-          <a:srgbClr val="FFCC66"/>
-        </a:folHlink>
-      </a:clrScheme>
-      <a:clrMap bg1="lt1" tx1="dk1" bg2="lt2" tx2="dk2" accent1="accent1" accent2="accent2" accent3="accent3" accent4="accent4" accent5="accent5" accent6="accent6" hlink="hlink" folHlink="folHlink"/>
-    </a:extraClrScheme>
-    <a:extraClrScheme>
-      <a:clrScheme name="Office Theme 4">
-        <a:dk1>
-          <a:srgbClr val="000000"/>
-        </a:dk1>
-        <a:lt1>
-          <a:srgbClr val="FFFFFF"/>
-        </a:lt1>
-        <a:dk2>
-          <a:srgbClr val="000000"/>
-        </a:dk2>
-        <a:lt2>
-          <a:srgbClr val="333333"/>
-        </a:lt2>
-        <a:accent1>
-          <a:srgbClr val="DDDDDD"/>
-        </a:accent1>
-        <a:accent2>
-          <a:srgbClr val="808080"/>
-        </a:accent2>
-        <a:accent3>
-          <a:srgbClr val="FFFFFF"/>
-        </a:accent3>
-        <a:accent4>
-          <a:srgbClr val="000000"/>
-        </a:accent4>
-        <a:accent5>
-          <a:srgbClr val="EBEBEB"/>
-        </a:accent5>
-        <a:accent6>
-          <a:srgbClr val="737373"/>
-        </a:accent6>
-        <a:hlink>
-          <a:srgbClr val="4D4D4D"/>
-        </a:hlink>
-        <a:folHlink>
-          <a:srgbClr val="EAEAEA"/>
-        </a:folHlink>
-      </a:clrScheme>
-      <a:clrMap bg1="lt1" tx1="dk1" bg2="lt2" tx2="dk2" accent1="accent1" accent2="accent2" accent3="accent3" accent4="accent4" accent5="accent5" accent6="accent6" hlink="hlink" folHlink="folHlink"/>
-    </a:extraClrScheme>
-    <a:extraClrScheme>
-      <a:clrScheme name="Office Theme 5">
-        <a:dk1>
-          <a:srgbClr val="000000"/>
-        </a:dk1>
-        <a:lt1>
-          <a:srgbClr val="FFFFFF"/>
-        </a:lt1>
-        <a:dk2>
-          <a:srgbClr val="000000"/>
-        </a:dk2>
-        <a:lt2>
-          <a:srgbClr val="808080"/>
-        </a:lt2>
-        <a:accent1>
-          <a:srgbClr val="FFCC66"/>
-        </a:accent1>
-        <a:accent2>
-          <a:srgbClr val="0000FF"/>
-        </a:accent2>
-        <a:accent3>
-          <a:srgbClr val="FFFFFF"/>
-        </a:accent3>
-        <a:accent4>
-          <a:srgbClr val="000000"/>
-        </a:accent4>
-        <a:accent5>
-          <a:srgbClr val="FFE2B8"/>
-        </a:accent5>
-        <a:accent6>
-          <a:srgbClr val="0000E7"/>
-        </a:accent6>
-        <a:hlink>
-          <a:srgbClr val="CC00CC"/>
-        </a:hlink>
-        <a:folHlink>
-          <a:srgbClr val="C0C0C0"/>
-        </a:folHlink>
-      </a:clrScheme>
-      <a:clrMap bg1="lt1" tx1="dk1" bg2="lt2" tx2="dk2" accent1="accent1" accent2="accent2" accent3="accent3" accent4="accent4" accent5="accent5" accent6="accent6" hlink="hlink" folHlink="folHlink"/>
-    </a:extraClrScheme>
-    <a:extraClrScheme>
-      <a:clrScheme name="Office Theme 6">
-        <a:dk1>
-          <a:srgbClr val="000000"/>
-        </a:dk1>
-        <a:lt1>
-          <a:srgbClr val="FFFFFF"/>
-        </a:lt1>
-        <a:dk2>
-          <a:srgbClr val="000000"/>
-        </a:dk2>
-        <a:lt2>
-          <a:srgbClr val="808080"/>
-        </a:lt2>
-        <a:accent1>
-          <a:srgbClr val="C0C0C0"/>
-        </a:accent1>
-        <a:accent2>
-          <a:srgbClr val="0066FF"/>
-        </a:accent2>
-        <a:accent3>
-          <a:srgbClr val="FFFFFF"/>
-        </a:accent3>
-        <a:accent4>
-          <a:srgbClr val="000000"/>
-        </a:accent4>
-        <a:accent5>
-          <a:srgbClr val="DCDCDC"/>
-        </a:accent5>
-        <a:accent6>
-          <a:srgbClr val="005CE7"/>
-        </a:accent6>
-        <a:hlink>
-          <a:srgbClr val="FF0000"/>
-        </a:hlink>
-        <a:folHlink>
-          <a:srgbClr val="009900"/>
-        </a:folHlink>
-      </a:clrScheme>
-      <a:clrMap bg1="lt1" tx1="dk1" bg2="lt2" tx2="dk2" accent1="accent1" accent2="accent2" accent3="accent3" accent4="accent4" accent5="accent5" accent6="accent6" hlink="hlink" folHlink="folHlink"/>
-    </a:extraClrScheme>
-    <a:extraClrScheme>
-      <a:clrScheme name="Office Theme 7">
-        <a:dk1>
-          <a:srgbClr val="000000"/>
-        </a:dk1>
-        <a:lt1>
-          <a:srgbClr val="FFFFFF"/>
-        </a:lt1>
-        <a:dk2>
-          <a:srgbClr val="000000"/>
-        </a:dk2>
-        <a:lt2>
-          <a:srgbClr val="808080"/>
-        </a:lt2>
-        <a:accent1>
-          <a:srgbClr val="3399FF"/>
-        </a:accent1>
-        <a:accent2>
-          <a:srgbClr val="99FFCC"/>
-        </a:accent2>
-        <a:accent3>
-          <a:srgbClr val="FFFFFF"/>
-        </a:accent3>
-        <a:accent4>
-          <a:srgbClr val="000000"/>
-        </a:accent4>
-        <a:accent5>
-          <a:srgbClr val="ADCAFF"/>
-        </a:accent5>
-        <a:accent6>
-          <a:srgbClr val="8AE7B9"/>
-        </a:accent6>
-        <a:hlink>
-          <a:srgbClr val="CC00CC"/>
-        </a:hlink>
-        <a:folHlink>
-          <a:srgbClr val="B2B2B2"/>
-        </a:folHlink>
-      </a:clrScheme>
-      <a:clrMap bg1="lt1" tx1="dk1" bg2="lt2" tx2="dk2" accent1="accent1" accent2="accent2" accent3="accent3" accent4="accent4" accent5="accent5" accent6="accent6" hlink="hlink" folHlink="folHlink"/>
-    </a:extraClrScheme>
-  </a:extraClrSchemeLst>
+  <a:extraClrSchemeLst/>
 </a:theme>
 </file>
 
